--- a/Introduction to Dependency injection.pptx
+++ b/Introduction to Dependency injection.pptx
@@ -7,11 +7,12 @@
   <p:sldIdLst>
     <p:sldId id="257" r:id="rId2"/>
     <p:sldId id="258" r:id="rId3"/>
-    <p:sldId id="259" r:id="rId4"/>
-    <p:sldId id="260" r:id="rId5"/>
-    <p:sldId id="261" r:id="rId6"/>
-    <p:sldId id="262" r:id="rId7"/>
-    <p:sldId id="263" r:id="rId8"/>
+    <p:sldId id="265" r:id="rId4"/>
+    <p:sldId id="264" r:id="rId5"/>
+    <p:sldId id="260" r:id="rId6"/>
+    <p:sldId id="261" r:id="rId7"/>
+    <p:sldId id="262" r:id="rId8"/>
+    <p:sldId id="263" r:id="rId9"/>
   </p:sldIdLst>
   <p:sldSz cx="12192000" cy="6858000"/>
   <p:notesSz cx="6858000" cy="9144000"/>
@@ -110,6 +111,11 @@
       </a:defRPr>
     </a:lvl9pPr>
   </p:defaultTextStyle>
+  <p:extLst>
+    <p:ext uri="{EFAFB233-063F-42B5-8137-9DF3F51BA10A}">
+      <p15:sldGuideLst xmlns:p15="http://schemas.microsoft.com/office/powerpoint/2012/main"/>
+    </p:ext>
+  </p:extLst>
 </p:presentation>
 </file>
 
@@ -3662,16 +3668,1340 @@
           </a:p>
         </p:txBody>
       </p:sp>
+      <p:sp>
+        <p:nvSpPr>
+          <p:cNvPr id="3" name="Rectangle 2">
+            <a:extLst>
+              <a:ext uri="{FF2B5EF4-FFF2-40B4-BE49-F238E27FC236}">
+                <a16:creationId xmlns:a16="http://schemas.microsoft.com/office/drawing/2014/main" id="{FB28270C-9748-420C-B147-957F079C505E}"/>
+              </a:ext>
+            </a:extLst>
+          </p:cNvPr>
+          <p:cNvSpPr/>
+          <p:nvPr/>
+        </p:nvSpPr>
+        <p:spPr>
+          <a:xfrm>
+            <a:off x="3934436" y="1602297"/>
+            <a:ext cx="5184396" cy="2709644"/>
+          </a:xfrm>
+          <a:prstGeom prst="rect">
+            <a:avLst/>
+          </a:prstGeom>
+        </p:spPr>
+        <p:style>
+          <a:lnRef idx="2">
+            <a:schemeClr val="accent3">
+              <a:shade val="50000"/>
+            </a:schemeClr>
+          </a:lnRef>
+          <a:fillRef idx="1">
+            <a:schemeClr val="accent3"/>
+          </a:fillRef>
+          <a:effectRef idx="0">
+            <a:schemeClr val="accent3"/>
+          </a:effectRef>
+          <a:fontRef idx="minor">
+            <a:schemeClr val="lt1"/>
+          </a:fontRef>
+        </p:style>
+        <p:txBody>
+          <a:bodyPr rtlCol="0" anchor="ctr"/>
+          <a:lstStyle/>
+          <a:p>
+            <a:pPr algn="ctr"/>
+            <a:endParaRPr lang="nl-BE"/>
+          </a:p>
+        </p:txBody>
+      </p:sp>
+      <p:sp>
+        <p:nvSpPr>
+          <p:cNvPr id="4" name="TextBox 3">
+            <a:extLst>
+              <a:ext uri="{FF2B5EF4-FFF2-40B4-BE49-F238E27FC236}">
+                <a16:creationId xmlns:a16="http://schemas.microsoft.com/office/drawing/2014/main" id="{5F95816C-FDAC-4DB3-9F0C-823698C82BAA}"/>
+              </a:ext>
+            </a:extLst>
+          </p:cNvPr>
+          <p:cNvSpPr txBox="1"/>
+          <p:nvPr/>
+        </p:nvSpPr>
+        <p:spPr>
+          <a:xfrm>
+            <a:off x="5603845" y="1660912"/>
+            <a:ext cx="2248250" cy="369332"/>
+          </a:xfrm>
+          <a:prstGeom prst="rect">
+            <a:avLst/>
+          </a:prstGeom>
+          <a:noFill/>
+        </p:spPr>
+        <p:txBody>
+          <a:bodyPr wrap="square" rtlCol="0">
+            <a:spAutoFit/>
+          </a:bodyPr>
+          <a:lstStyle/>
+          <a:p>
+            <a:r>
+              <a:rPr lang="en-US" dirty="0"/>
+              <a:t>Construction yard</a:t>
+            </a:r>
+            <a:endParaRPr lang="nl-BE" dirty="0"/>
+          </a:p>
+        </p:txBody>
+      </p:sp>
+      <p:sp>
+        <p:nvSpPr>
+          <p:cNvPr id="5" name="Smiley Face 4">
+            <a:extLst>
+              <a:ext uri="{FF2B5EF4-FFF2-40B4-BE49-F238E27FC236}">
+                <a16:creationId xmlns:a16="http://schemas.microsoft.com/office/drawing/2014/main" id="{9B6DE02C-6B3A-434B-AD78-2ABAB091929F}"/>
+              </a:ext>
+            </a:extLst>
+          </p:cNvPr>
+          <p:cNvSpPr/>
+          <p:nvPr/>
+        </p:nvSpPr>
+        <p:spPr>
+          <a:xfrm>
+            <a:off x="3506600" y="2030244"/>
+            <a:ext cx="360726" cy="377505"/>
+          </a:xfrm>
+          <a:prstGeom prst="smileyFace">
+            <a:avLst>
+              <a:gd name="adj" fmla="val 4653"/>
+            </a:avLst>
+          </a:prstGeom>
+          <a:solidFill>
+            <a:schemeClr val="bg1"/>
+          </a:solidFill>
+          <a:ln>
+            <a:solidFill>
+              <a:schemeClr val="tx1"/>
+            </a:solidFill>
+          </a:ln>
+        </p:spPr>
+        <p:style>
+          <a:lnRef idx="2">
+            <a:schemeClr val="accent1">
+              <a:shade val="50000"/>
+            </a:schemeClr>
+          </a:lnRef>
+          <a:fillRef idx="1">
+            <a:schemeClr val="accent1"/>
+          </a:fillRef>
+          <a:effectRef idx="0">
+            <a:schemeClr val="accent1"/>
+          </a:effectRef>
+          <a:fontRef idx="minor">
+            <a:schemeClr val="lt1"/>
+          </a:fontRef>
+        </p:style>
+        <p:txBody>
+          <a:bodyPr rtlCol="0" anchor="ctr"/>
+          <a:lstStyle/>
+          <a:p>
+            <a:pPr algn="ctr"/>
+            <a:endParaRPr lang="nl-BE"/>
+          </a:p>
+        </p:txBody>
+      </p:sp>
+      <p:sp>
+        <p:nvSpPr>
+          <p:cNvPr id="7" name="Smiley Face 6">
+            <a:extLst>
+              <a:ext uri="{FF2B5EF4-FFF2-40B4-BE49-F238E27FC236}">
+                <a16:creationId xmlns:a16="http://schemas.microsoft.com/office/drawing/2014/main" id="{487F29D2-7F6E-4EAA-9DFC-53B7D4850756}"/>
+              </a:ext>
+            </a:extLst>
+          </p:cNvPr>
+          <p:cNvSpPr/>
+          <p:nvPr/>
+        </p:nvSpPr>
+        <p:spPr>
+          <a:xfrm>
+            <a:off x="704677" y="2030243"/>
+            <a:ext cx="360726" cy="377505"/>
+          </a:xfrm>
+          <a:prstGeom prst="smileyFace">
+            <a:avLst>
+              <a:gd name="adj" fmla="val 4653"/>
+            </a:avLst>
+          </a:prstGeom>
+          <a:solidFill>
+            <a:schemeClr val="bg1">
+              <a:lumMod val="85000"/>
+            </a:schemeClr>
+          </a:solidFill>
+          <a:ln>
+            <a:solidFill>
+              <a:schemeClr val="tx1"/>
+            </a:solidFill>
+          </a:ln>
+        </p:spPr>
+        <p:style>
+          <a:lnRef idx="2">
+            <a:schemeClr val="accent1">
+              <a:shade val="50000"/>
+            </a:schemeClr>
+          </a:lnRef>
+          <a:fillRef idx="1">
+            <a:schemeClr val="accent1"/>
+          </a:fillRef>
+          <a:effectRef idx="0">
+            <a:schemeClr val="accent1"/>
+          </a:effectRef>
+          <a:fontRef idx="minor">
+            <a:schemeClr val="lt1"/>
+          </a:fontRef>
+        </p:style>
+        <p:txBody>
+          <a:bodyPr rtlCol="0" anchor="ctr"/>
+          <a:lstStyle/>
+          <a:p>
+            <a:pPr algn="ctr"/>
+            <a:endParaRPr lang="nl-BE"/>
+          </a:p>
+        </p:txBody>
+      </p:sp>
+      <p:sp>
+        <p:nvSpPr>
+          <p:cNvPr id="8" name="Smiley Face 7">
+            <a:extLst>
+              <a:ext uri="{FF2B5EF4-FFF2-40B4-BE49-F238E27FC236}">
+                <a16:creationId xmlns:a16="http://schemas.microsoft.com/office/drawing/2014/main" id="{AD56CAEB-F057-4E7F-9E69-5FF8BB98861C}"/>
+              </a:ext>
+            </a:extLst>
+          </p:cNvPr>
+          <p:cNvSpPr/>
+          <p:nvPr/>
+        </p:nvSpPr>
+        <p:spPr>
+          <a:xfrm>
+            <a:off x="998292" y="3429000"/>
+            <a:ext cx="360726" cy="377505"/>
+          </a:xfrm>
+          <a:prstGeom prst="smileyFace">
+            <a:avLst>
+              <a:gd name="adj" fmla="val 4653"/>
+            </a:avLst>
+          </a:prstGeom>
+          <a:solidFill>
+            <a:srgbClr val="CC99FF"/>
+          </a:solidFill>
+          <a:ln>
+            <a:solidFill>
+              <a:schemeClr val="tx1"/>
+            </a:solidFill>
+          </a:ln>
+        </p:spPr>
+        <p:style>
+          <a:lnRef idx="2">
+            <a:schemeClr val="accent1">
+              <a:shade val="50000"/>
+            </a:schemeClr>
+          </a:lnRef>
+          <a:fillRef idx="1">
+            <a:schemeClr val="accent1"/>
+          </a:fillRef>
+          <a:effectRef idx="0">
+            <a:schemeClr val="accent1"/>
+          </a:effectRef>
+          <a:fontRef idx="minor">
+            <a:schemeClr val="lt1"/>
+          </a:fontRef>
+        </p:style>
+        <p:txBody>
+          <a:bodyPr rtlCol="0" anchor="ctr"/>
+          <a:lstStyle/>
+          <a:p>
+            <a:pPr algn="ctr"/>
+            <a:endParaRPr lang="nl-BE"/>
+          </a:p>
+        </p:txBody>
+      </p:sp>
+      <p:sp>
+        <p:nvSpPr>
+          <p:cNvPr id="9" name="Smiley Face 8">
+            <a:extLst>
+              <a:ext uri="{FF2B5EF4-FFF2-40B4-BE49-F238E27FC236}">
+                <a16:creationId xmlns:a16="http://schemas.microsoft.com/office/drawing/2014/main" id="{1E5E5087-3247-4942-B2C4-58363806702B}"/>
+              </a:ext>
+            </a:extLst>
+          </p:cNvPr>
+          <p:cNvSpPr/>
+          <p:nvPr/>
+        </p:nvSpPr>
+        <p:spPr>
+          <a:xfrm>
+            <a:off x="5100508" y="2548154"/>
+            <a:ext cx="360726" cy="377505"/>
+          </a:xfrm>
+          <a:prstGeom prst="smileyFace">
+            <a:avLst>
+              <a:gd name="adj" fmla="val 4653"/>
+            </a:avLst>
+          </a:prstGeom>
+          <a:solidFill>
+            <a:schemeClr val="bg1">
+              <a:lumMod val="85000"/>
+            </a:schemeClr>
+          </a:solidFill>
+          <a:ln>
+            <a:solidFill>
+              <a:schemeClr val="tx1"/>
+            </a:solidFill>
+          </a:ln>
+        </p:spPr>
+        <p:style>
+          <a:lnRef idx="2">
+            <a:schemeClr val="accent1">
+              <a:shade val="50000"/>
+            </a:schemeClr>
+          </a:lnRef>
+          <a:fillRef idx="1">
+            <a:schemeClr val="accent1"/>
+          </a:fillRef>
+          <a:effectRef idx="0">
+            <a:schemeClr val="accent1"/>
+          </a:effectRef>
+          <a:fontRef idx="minor">
+            <a:schemeClr val="lt1"/>
+          </a:fontRef>
+        </p:style>
+        <p:txBody>
+          <a:bodyPr rtlCol="0" anchor="ctr"/>
+          <a:lstStyle/>
+          <a:p>
+            <a:pPr algn="ctr"/>
+            <a:endParaRPr lang="nl-BE"/>
+          </a:p>
+        </p:txBody>
+      </p:sp>
+      <p:sp>
+        <p:nvSpPr>
+          <p:cNvPr id="14" name="Speech Bubble: Rectangle 13">
+            <a:extLst>
+              <a:ext uri="{FF2B5EF4-FFF2-40B4-BE49-F238E27FC236}">
+                <a16:creationId xmlns:a16="http://schemas.microsoft.com/office/drawing/2014/main" id="{8C1D01B8-17BB-406C-B974-235CA6654C6B}"/>
+              </a:ext>
+            </a:extLst>
+          </p:cNvPr>
+          <p:cNvSpPr/>
+          <p:nvPr/>
+        </p:nvSpPr>
+        <p:spPr>
+          <a:xfrm>
+            <a:off x="3219275" y="1084293"/>
+            <a:ext cx="1430321" cy="693140"/>
+          </a:xfrm>
+          <a:prstGeom prst="wedgeRectCallout">
+            <a:avLst/>
+          </a:prstGeom>
+          <a:solidFill>
+            <a:schemeClr val="bg1"/>
+          </a:solidFill>
+        </p:spPr>
+        <p:style>
+          <a:lnRef idx="2">
+            <a:schemeClr val="accent1">
+              <a:shade val="50000"/>
+            </a:schemeClr>
+          </a:lnRef>
+          <a:fillRef idx="1">
+            <a:schemeClr val="accent1"/>
+          </a:fillRef>
+          <a:effectRef idx="0">
+            <a:schemeClr val="accent1"/>
+          </a:effectRef>
+          <a:fontRef idx="minor">
+            <a:schemeClr val="lt1"/>
+          </a:fontRef>
+        </p:style>
+        <p:txBody>
+          <a:bodyPr rtlCol="0" anchor="ctr"/>
+          <a:lstStyle/>
+          <a:p>
+            <a:pPr algn="ctr"/>
+            <a:r>
+              <a:rPr lang="en-US" dirty="0">
+                <a:solidFill>
+                  <a:schemeClr val="tx1"/>
+                </a:solidFill>
+              </a:rPr>
+              <a:t>I need a new worker</a:t>
+            </a:r>
+            <a:endParaRPr lang="nl-BE" dirty="0">
+              <a:solidFill>
+                <a:schemeClr val="tx1"/>
+              </a:solidFill>
+            </a:endParaRPr>
+          </a:p>
+        </p:txBody>
+      </p:sp>
+      <p:sp>
+        <p:nvSpPr>
+          <p:cNvPr id="15" name="Speech Bubble: Rectangle 14">
+            <a:extLst>
+              <a:ext uri="{FF2B5EF4-FFF2-40B4-BE49-F238E27FC236}">
+                <a16:creationId xmlns:a16="http://schemas.microsoft.com/office/drawing/2014/main" id="{7B9C1EDE-8A8F-4778-A91F-652B3E39FCCC}"/>
+              </a:ext>
+            </a:extLst>
+          </p:cNvPr>
+          <p:cNvSpPr/>
+          <p:nvPr/>
+        </p:nvSpPr>
+        <p:spPr>
+          <a:xfrm>
+            <a:off x="3219275" y="1126046"/>
+            <a:ext cx="1652631" cy="693140"/>
+          </a:xfrm>
+          <a:prstGeom prst="wedgeRectCallout">
+            <a:avLst/>
+          </a:prstGeom>
+          <a:solidFill>
+            <a:schemeClr val="bg1"/>
+          </a:solidFill>
+        </p:spPr>
+        <p:style>
+          <a:lnRef idx="2">
+            <a:schemeClr val="accent1">
+              <a:shade val="50000"/>
+            </a:schemeClr>
+          </a:lnRef>
+          <a:fillRef idx="1">
+            <a:schemeClr val="accent1"/>
+          </a:fillRef>
+          <a:effectRef idx="0">
+            <a:schemeClr val="accent1"/>
+          </a:effectRef>
+          <a:fontRef idx="minor">
+            <a:schemeClr val="lt1"/>
+          </a:fontRef>
+        </p:style>
+        <p:txBody>
+          <a:bodyPr rtlCol="0" anchor="ctr"/>
+          <a:lstStyle/>
+          <a:p>
+            <a:pPr algn="ctr"/>
+            <a:r>
+              <a:rPr lang="en-US" dirty="0">
+                <a:solidFill>
+                  <a:schemeClr val="tx1"/>
+                </a:solidFill>
+              </a:rPr>
+              <a:t>I need another worker</a:t>
+            </a:r>
+            <a:endParaRPr lang="nl-BE" dirty="0">
+              <a:solidFill>
+                <a:schemeClr val="tx1"/>
+              </a:solidFill>
+            </a:endParaRPr>
+          </a:p>
+        </p:txBody>
+      </p:sp>
+      <p:sp>
+        <p:nvSpPr>
+          <p:cNvPr id="16" name="Speech Bubble: Rectangle 15">
+            <a:extLst>
+              <a:ext uri="{FF2B5EF4-FFF2-40B4-BE49-F238E27FC236}">
+                <a16:creationId xmlns:a16="http://schemas.microsoft.com/office/drawing/2014/main" id="{B7EE4373-89BB-43EA-ADDD-4ACC5D40438B}"/>
+              </a:ext>
+            </a:extLst>
+          </p:cNvPr>
+          <p:cNvSpPr/>
+          <p:nvPr/>
+        </p:nvSpPr>
+        <p:spPr>
+          <a:xfrm>
+            <a:off x="286447" y="1151992"/>
+            <a:ext cx="2114024" cy="693140"/>
+          </a:xfrm>
+          <a:prstGeom prst="wedgeRectCallout">
+            <a:avLst/>
+          </a:prstGeom>
+          <a:solidFill>
+            <a:schemeClr val="bg1"/>
+          </a:solidFill>
+        </p:spPr>
+        <p:style>
+          <a:lnRef idx="2">
+            <a:schemeClr val="accent1">
+              <a:shade val="50000"/>
+            </a:schemeClr>
+          </a:lnRef>
+          <a:fillRef idx="1">
+            <a:schemeClr val="accent1"/>
+          </a:fillRef>
+          <a:effectRef idx="0">
+            <a:schemeClr val="accent1"/>
+          </a:effectRef>
+          <a:fontRef idx="minor">
+            <a:schemeClr val="lt1"/>
+          </a:fontRef>
+        </p:style>
+        <p:txBody>
+          <a:bodyPr rtlCol="0" anchor="ctr"/>
+          <a:lstStyle/>
+          <a:p>
+            <a:pPr algn="ctr"/>
+            <a:r>
+              <a:rPr lang="en-US" dirty="0">
+                <a:solidFill>
+                  <a:schemeClr val="tx1"/>
+                </a:solidFill>
+              </a:rPr>
+              <a:t>Sup boss, brought my own tools</a:t>
+            </a:r>
+            <a:endParaRPr lang="nl-BE" dirty="0">
+              <a:solidFill>
+                <a:schemeClr val="tx1"/>
+              </a:solidFill>
+            </a:endParaRPr>
+          </a:p>
+        </p:txBody>
+      </p:sp>
+      <p:sp>
+        <p:nvSpPr>
+          <p:cNvPr id="17" name="Speech Bubble: Rectangle 16">
+            <a:extLst>
+              <a:ext uri="{FF2B5EF4-FFF2-40B4-BE49-F238E27FC236}">
+                <a16:creationId xmlns:a16="http://schemas.microsoft.com/office/drawing/2014/main" id="{A4524628-C6E9-4945-9025-62291C68407E}"/>
+              </a:ext>
+            </a:extLst>
+          </p:cNvPr>
+          <p:cNvSpPr/>
+          <p:nvPr/>
+        </p:nvSpPr>
+        <p:spPr>
+          <a:xfrm>
+            <a:off x="713067" y="2592859"/>
+            <a:ext cx="1652631" cy="693140"/>
+          </a:xfrm>
+          <a:prstGeom prst="wedgeRectCallout">
+            <a:avLst/>
+          </a:prstGeom>
+          <a:solidFill>
+            <a:schemeClr val="bg1"/>
+          </a:solidFill>
+        </p:spPr>
+        <p:style>
+          <a:lnRef idx="2">
+            <a:schemeClr val="accent1">
+              <a:shade val="50000"/>
+            </a:schemeClr>
+          </a:lnRef>
+          <a:fillRef idx="1">
+            <a:schemeClr val="accent1"/>
+          </a:fillRef>
+          <a:effectRef idx="0">
+            <a:schemeClr val="accent1"/>
+          </a:effectRef>
+          <a:fontRef idx="minor">
+            <a:schemeClr val="lt1"/>
+          </a:fontRef>
+        </p:style>
+        <p:txBody>
+          <a:bodyPr rtlCol="0" anchor="ctr"/>
+          <a:lstStyle/>
+          <a:p>
+            <a:pPr algn="ctr"/>
+            <a:r>
+              <a:rPr lang="en-US" dirty="0">
+                <a:solidFill>
+                  <a:schemeClr val="tx1"/>
+                </a:solidFill>
+              </a:rPr>
+              <a:t>Ready to work</a:t>
+            </a:r>
+            <a:endParaRPr lang="nl-BE" dirty="0">
+              <a:solidFill>
+                <a:schemeClr val="tx1"/>
+              </a:solidFill>
+            </a:endParaRPr>
+          </a:p>
+        </p:txBody>
+      </p:sp>
+      <p:sp>
+        <p:nvSpPr>
+          <p:cNvPr id="18" name="Smiley Face 17">
+            <a:extLst>
+              <a:ext uri="{FF2B5EF4-FFF2-40B4-BE49-F238E27FC236}">
+                <a16:creationId xmlns:a16="http://schemas.microsoft.com/office/drawing/2014/main" id="{07E55897-D22C-4124-B72B-F4E833CB6A36}"/>
+              </a:ext>
+            </a:extLst>
+          </p:cNvPr>
+          <p:cNvSpPr/>
+          <p:nvPr/>
+        </p:nvSpPr>
+        <p:spPr>
+          <a:xfrm>
+            <a:off x="6346271" y="3504501"/>
+            <a:ext cx="360726" cy="377505"/>
+          </a:xfrm>
+          <a:prstGeom prst="smileyFace">
+            <a:avLst>
+              <a:gd name="adj" fmla="val 4653"/>
+            </a:avLst>
+          </a:prstGeom>
+          <a:solidFill>
+            <a:srgbClr val="CC99FF"/>
+          </a:solidFill>
+          <a:ln>
+            <a:solidFill>
+              <a:schemeClr val="tx1"/>
+            </a:solidFill>
+          </a:ln>
+        </p:spPr>
+        <p:style>
+          <a:lnRef idx="2">
+            <a:schemeClr val="accent1">
+              <a:shade val="50000"/>
+            </a:schemeClr>
+          </a:lnRef>
+          <a:fillRef idx="1">
+            <a:schemeClr val="accent1"/>
+          </a:fillRef>
+          <a:effectRef idx="0">
+            <a:schemeClr val="accent1"/>
+          </a:effectRef>
+          <a:fontRef idx="minor">
+            <a:schemeClr val="lt1"/>
+          </a:fontRef>
+        </p:style>
+        <p:txBody>
+          <a:bodyPr rtlCol="0" anchor="ctr"/>
+          <a:lstStyle/>
+          <a:p>
+            <a:pPr algn="ctr"/>
+            <a:endParaRPr lang="nl-BE"/>
+          </a:p>
+        </p:txBody>
+      </p:sp>
+      <p:cxnSp>
+        <p:nvCxnSpPr>
+          <p:cNvPr id="20" name="Straight Connector 19">
+            <a:extLst>
+              <a:ext uri="{FF2B5EF4-FFF2-40B4-BE49-F238E27FC236}">
+                <a16:creationId xmlns:a16="http://schemas.microsoft.com/office/drawing/2014/main" id="{EA3FD00A-E989-4416-884A-F2D2BABC3FC9}"/>
+              </a:ext>
+            </a:extLst>
+          </p:cNvPr>
+          <p:cNvCxnSpPr/>
+          <p:nvPr/>
+        </p:nvCxnSpPr>
+        <p:spPr>
+          <a:xfrm flipH="1" flipV="1">
+            <a:off x="3447875" y="2407748"/>
+            <a:ext cx="486560" cy="360618"/>
+          </a:xfrm>
+          <a:prstGeom prst="line">
+            <a:avLst/>
+          </a:prstGeom>
+        </p:spPr>
+        <p:style>
+          <a:lnRef idx="1">
+            <a:schemeClr val="accent1"/>
+          </a:lnRef>
+          <a:fillRef idx="0">
+            <a:schemeClr val="accent1"/>
+          </a:fillRef>
+          <a:effectRef idx="0">
+            <a:schemeClr val="accent1"/>
+          </a:effectRef>
+          <a:fontRef idx="minor">
+            <a:schemeClr val="tx1"/>
+          </a:fontRef>
+        </p:style>
+      </p:cxnSp>
+      <p:sp>
+        <p:nvSpPr>
+          <p:cNvPr id="21" name="Smiley Face 20">
+            <a:extLst>
+              <a:ext uri="{FF2B5EF4-FFF2-40B4-BE49-F238E27FC236}">
+                <a16:creationId xmlns:a16="http://schemas.microsoft.com/office/drawing/2014/main" id="{33A49058-5B2B-4DD1-9BC0-7502A0405B52}"/>
+              </a:ext>
+            </a:extLst>
+          </p:cNvPr>
+          <p:cNvSpPr/>
+          <p:nvPr/>
+        </p:nvSpPr>
+        <p:spPr>
+          <a:xfrm>
+            <a:off x="3506599" y="2030568"/>
+            <a:ext cx="360726" cy="377505"/>
+          </a:xfrm>
+          <a:prstGeom prst="smileyFace">
+            <a:avLst>
+              <a:gd name="adj" fmla="val -4653"/>
+            </a:avLst>
+          </a:prstGeom>
+          <a:solidFill>
+            <a:srgbClr val="FF0000"/>
+          </a:solidFill>
+          <a:ln>
+            <a:solidFill>
+              <a:schemeClr val="tx1"/>
+            </a:solidFill>
+          </a:ln>
+        </p:spPr>
+        <p:style>
+          <a:lnRef idx="2">
+            <a:schemeClr val="accent1">
+              <a:shade val="50000"/>
+            </a:schemeClr>
+          </a:lnRef>
+          <a:fillRef idx="1">
+            <a:schemeClr val="accent1"/>
+          </a:fillRef>
+          <a:effectRef idx="0">
+            <a:schemeClr val="accent1"/>
+          </a:effectRef>
+          <a:fontRef idx="minor">
+            <a:schemeClr val="lt1"/>
+          </a:fontRef>
+        </p:style>
+        <p:txBody>
+          <a:bodyPr rtlCol="0" anchor="ctr"/>
+          <a:lstStyle/>
+          <a:p>
+            <a:pPr algn="ctr"/>
+            <a:endParaRPr lang="nl-BE"/>
+          </a:p>
+        </p:txBody>
+      </p:sp>
     </p:spTree>
     <p:extLst>
       <p:ext uri="{BB962C8B-B14F-4D97-AF65-F5344CB8AC3E}">
-        <p14:creationId xmlns:p14="http://schemas.microsoft.com/office/powerpoint/2010/main" val="2353099742"/>
+        <p14:creationId xmlns:p14="http://schemas.microsoft.com/office/powerpoint/2010/main" val="2221210244"/>
       </p:ext>
     </p:extLst>
   </p:cSld>
   <p:clrMapOvr>
     <a:masterClrMapping/>
   </p:clrMapOvr>
+  <p:timing>
+    <p:tnLst>
+      <p:par>
+        <p:cTn id="1" dur="indefinite" restart="never" nodeType="tmRoot">
+          <p:childTnLst>
+            <p:seq concurrent="1" nextAc="seek">
+              <p:cTn id="2" dur="indefinite" nodeType="mainSeq">
+                <p:childTnLst>
+                  <p:par>
+                    <p:cTn id="3" fill="hold">
+                      <p:stCondLst>
+                        <p:cond delay="indefinite"/>
+                      </p:stCondLst>
+                      <p:childTnLst>
+                        <p:par>
+                          <p:cTn id="4" fill="hold">
+                            <p:stCondLst>
+                              <p:cond delay="0"/>
+                            </p:stCondLst>
+                            <p:childTnLst>
+                              <p:par>
+                                <p:cTn id="5" presetID="1" presetClass="entr" presetSubtype="0" fill="hold" grpId="0" nodeType="clickEffect">
+                                  <p:stCondLst>
+                                    <p:cond delay="0"/>
+                                  </p:stCondLst>
+                                  <p:childTnLst>
+                                    <p:set>
+                                      <p:cBhvr>
+                                        <p:cTn id="6" dur="1" fill="hold">
+                                          <p:stCondLst>
+                                            <p:cond delay="0"/>
+                                          </p:stCondLst>
+                                        </p:cTn>
+                                        <p:tgtEl>
+                                          <p:spTgt spid="14"/>
+                                        </p:tgtEl>
+                                        <p:attrNameLst>
+                                          <p:attrName>style.visibility</p:attrName>
+                                        </p:attrNameLst>
+                                      </p:cBhvr>
+                                      <p:to>
+                                        <p:strVal val="visible"/>
+                                      </p:to>
+                                    </p:set>
+                                  </p:childTnLst>
+                                </p:cTn>
+                              </p:par>
+                            </p:childTnLst>
+                          </p:cTn>
+                        </p:par>
+                      </p:childTnLst>
+                    </p:cTn>
+                  </p:par>
+                  <p:par>
+                    <p:cTn id="7" fill="hold">
+                      <p:stCondLst>
+                        <p:cond delay="indefinite"/>
+                      </p:stCondLst>
+                      <p:childTnLst>
+                        <p:par>
+                          <p:cTn id="8" fill="hold">
+                            <p:stCondLst>
+                              <p:cond delay="0"/>
+                            </p:stCondLst>
+                            <p:childTnLst>
+                              <p:par>
+                                <p:cTn id="9" presetID="1" presetClass="exit" presetSubtype="0" fill="hold" grpId="1" nodeType="clickEffect">
+                                  <p:stCondLst>
+                                    <p:cond delay="0"/>
+                                  </p:stCondLst>
+                                  <p:childTnLst>
+                                    <p:set>
+                                      <p:cBhvr>
+                                        <p:cTn id="10" dur="1" fill="hold">
+                                          <p:stCondLst>
+                                            <p:cond delay="0"/>
+                                          </p:stCondLst>
+                                        </p:cTn>
+                                        <p:tgtEl>
+                                          <p:spTgt spid="14"/>
+                                        </p:tgtEl>
+                                        <p:attrNameLst>
+                                          <p:attrName>style.visibility</p:attrName>
+                                        </p:attrNameLst>
+                                      </p:cBhvr>
+                                      <p:to>
+                                        <p:strVal val="hidden"/>
+                                      </p:to>
+                                    </p:set>
+                                  </p:childTnLst>
+                                </p:cTn>
+                              </p:par>
+                              <p:par>
+                                <p:cTn id="11" presetID="1" presetClass="entr" presetSubtype="0" fill="hold" grpId="0" nodeType="withEffect">
+                                  <p:stCondLst>
+                                    <p:cond delay="0"/>
+                                  </p:stCondLst>
+                                  <p:childTnLst>
+                                    <p:set>
+                                      <p:cBhvr>
+                                        <p:cTn id="12" dur="1" fill="hold">
+                                          <p:stCondLst>
+                                            <p:cond delay="0"/>
+                                          </p:stCondLst>
+                                        </p:cTn>
+                                        <p:tgtEl>
+                                          <p:spTgt spid="7"/>
+                                        </p:tgtEl>
+                                        <p:attrNameLst>
+                                          <p:attrName>style.visibility</p:attrName>
+                                        </p:attrNameLst>
+                                      </p:cBhvr>
+                                      <p:to>
+                                        <p:strVal val="visible"/>
+                                      </p:to>
+                                    </p:set>
+                                  </p:childTnLst>
+                                </p:cTn>
+                              </p:par>
+                              <p:par>
+                                <p:cTn id="13" presetID="1" presetClass="entr" presetSubtype="0" fill="hold" grpId="0" nodeType="withEffect">
+                                  <p:stCondLst>
+                                    <p:cond delay="0"/>
+                                  </p:stCondLst>
+                                  <p:childTnLst>
+                                    <p:set>
+                                      <p:cBhvr>
+                                        <p:cTn id="14" dur="1" fill="hold">
+                                          <p:stCondLst>
+                                            <p:cond delay="0"/>
+                                          </p:stCondLst>
+                                        </p:cTn>
+                                        <p:tgtEl>
+                                          <p:spTgt spid="16"/>
+                                        </p:tgtEl>
+                                        <p:attrNameLst>
+                                          <p:attrName>style.visibility</p:attrName>
+                                        </p:attrNameLst>
+                                      </p:cBhvr>
+                                      <p:to>
+                                        <p:strVal val="visible"/>
+                                      </p:to>
+                                    </p:set>
+                                  </p:childTnLst>
+                                </p:cTn>
+                              </p:par>
+                            </p:childTnLst>
+                          </p:cTn>
+                        </p:par>
+                      </p:childTnLst>
+                    </p:cTn>
+                  </p:par>
+                  <p:par>
+                    <p:cTn id="15" fill="hold">
+                      <p:stCondLst>
+                        <p:cond delay="indefinite"/>
+                      </p:stCondLst>
+                      <p:childTnLst>
+                        <p:par>
+                          <p:cTn id="16" fill="hold">
+                            <p:stCondLst>
+                              <p:cond delay="0"/>
+                            </p:stCondLst>
+                            <p:childTnLst>
+                              <p:par>
+                                <p:cTn id="17" presetID="1" presetClass="exit" presetSubtype="0" fill="hold" grpId="1" nodeType="clickEffect">
+                                  <p:stCondLst>
+                                    <p:cond delay="0"/>
+                                  </p:stCondLst>
+                                  <p:childTnLst>
+                                    <p:set>
+                                      <p:cBhvr>
+                                        <p:cTn id="18" dur="1" fill="hold">
+                                          <p:stCondLst>
+                                            <p:cond delay="0"/>
+                                          </p:stCondLst>
+                                        </p:cTn>
+                                        <p:tgtEl>
+                                          <p:spTgt spid="16"/>
+                                        </p:tgtEl>
+                                        <p:attrNameLst>
+                                          <p:attrName>style.visibility</p:attrName>
+                                        </p:attrNameLst>
+                                      </p:cBhvr>
+                                      <p:to>
+                                        <p:strVal val="hidden"/>
+                                      </p:to>
+                                    </p:set>
+                                  </p:childTnLst>
+                                </p:cTn>
+                              </p:par>
+                              <p:par>
+                                <p:cTn id="19" presetID="1" presetClass="exit" presetSubtype="0" fill="hold" grpId="1" nodeType="withEffect">
+                                  <p:stCondLst>
+                                    <p:cond delay="0"/>
+                                  </p:stCondLst>
+                                  <p:childTnLst>
+                                    <p:set>
+                                      <p:cBhvr>
+                                        <p:cTn id="20" dur="1" fill="hold">
+                                          <p:stCondLst>
+                                            <p:cond delay="0"/>
+                                          </p:stCondLst>
+                                        </p:cTn>
+                                        <p:tgtEl>
+                                          <p:spTgt spid="7"/>
+                                        </p:tgtEl>
+                                        <p:attrNameLst>
+                                          <p:attrName>style.visibility</p:attrName>
+                                        </p:attrNameLst>
+                                      </p:cBhvr>
+                                      <p:to>
+                                        <p:strVal val="hidden"/>
+                                      </p:to>
+                                    </p:set>
+                                  </p:childTnLst>
+                                </p:cTn>
+                              </p:par>
+                              <p:par>
+                                <p:cTn id="21" presetID="1" presetClass="entr" presetSubtype="0" fill="hold" grpId="0" nodeType="withEffect">
+                                  <p:stCondLst>
+                                    <p:cond delay="0"/>
+                                  </p:stCondLst>
+                                  <p:childTnLst>
+                                    <p:set>
+                                      <p:cBhvr>
+                                        <p:cTn id="22" dur="1" fill="hold">
+                                          <p:stCondLst>
+                                            <p:cond delay="0"/>
+                                          </p:stCondLst>
+                                        </p:cTn>
+                                        <p:tgtEl>
+                                          <p:spTgt spid="9"/>
+                                        </p:tgtEl>
+                                        <p:attrNameLst>
+                                          <p:attrName>style.visibility</p:attrName>
+                                        </p:attrNameLst>
+                                      </p:cBhvr>
+                                      <p:to>
+                                        <p:strVal val="visible"/>
+                                      </p:to>
+                                    </p:set>
+                                  </p:childTnLst>
+                                </p:cTn>
+                              </p:par>
+                            </p:childTnLst>
+                          </p:cTn>
+                        </p:par>
+                      </p:childTnLst>
+                    </p:cTn>
+                  </p:par>
+                  <p:par>
+                    <p:cTn id="23" fill="hold">
+                      <p:stCondLst>
+                        <p:cond delay="indefinite"/>
+                      </p:stCondLst>
+                      <p:childTnLst>
+                        <p:par>
+                          <p:cTn id="24" fill="hold">
+                            <p:stCondLst>
+                              <p:cond delay="0"/>
+                            </p:stCondLst>
+                            <p:childTnLst>
+                              <p:par>
+                                <p:cTn id="25" presetID="1" presetClass="entr" presetSubtype="0" fill="hold" grpId="0" nodeType="clickEffect">
+                                  <p:stCondLst>
+                                    <p:cond delay="0"/>
+                                  </p:stCondLst>
+                                  <p:childTnLst>
+                                    <p:set>
+                                      <p:cBhvr>
+                                        <p:cTn id="26" dur="1" fill="hold">
+                                          <p:stCondLst>
+                                            <p:cond delay="0"/>
+                                          </p:stCondLst>
+                                        </p:cTn>
+                                        <p:tgtEl>
+                                          <p:spTgt spid="15"/>
+                                        </p:tgtEl>
+                                        <p:attrNameLst>
+                                          <p:attrName>style.visibility</p:attrName>
+                                        </p:attrNameLst>
+                                      </p:cBhvr>
+                                      <p:to>
+                                        <p:strVal val="visible"/>
+                                      </p:to>
+                                    </p:set>
+                                  </p:childTnLst>
+                                </p:cTn>
+                              </p:par>
+                            </p:childTnLst>
+                          </p:cTn>
+                        </p:par>
+                      </p:childTnLst>
+                    </p:cTn>
+                  </p:par>
+                  <p:par>
+                    <p:cTn id="27" fill="hold">
+                      <p:stCondLst>
+                        <p:cond delay="indefinite"/>
+                      </p:stCondLst>
+                      <p:childTnLst>
+                        <p:par>
+                          <p:cTn id="28" fill="hold">
+                            <p:stCondLst>
+                              <p:cond delay="0"/>
+                            </p:stCondLst>
+                            <p:childTnLst>
+                              <p:par>
+                                <p:cTn id="29" presetID="1" presetClass="exit" presetSubtype="0" fill="hold" grpId="1" nodeType="clickEffect">
+                                  <p:stCondLst>
+                                    <p:cond delay="0"/>
+                                  </p:stCondLst>
+                                  <p:childTnLst>
+                                    <p:set>
+                                      <p:cBhvr>
+                                        <p:cTn id="30" dur="1" fill="hold">
+                                          <p:stCondLst>
+                                            <p:cond delay="0"/>
+                                          </p:stCondLst>
+                                        </p:cTn>
+                                        <p:tgtEl>
+                                          <p:spTgt spid="15"/>
+                                        </p:tgtEl>
+                                        <p:attrNameLst>
+                                          <p:attrName>style.visibility</p:attrName>
+                                        </p:attrNameLst>
+                                      </p:cBhvr>
+                                      <p:to>
+                                        <p:strVal val="hidden"/>
+                                      </p:to>
+                                    </p:set>
+                                  </p:childTnLst>
+                                </p:cTn>
+                              </p:par>
+                              <p:par>
+                                <p:cTn id="31" presetID="1" presetClass="entr" presetSubtype="0" fill="hold" grpId="0" nodeType="withEffect">
+                                  <p:stCondLst>
+                                    <p:cond delay="0"/>
+                                  </p:stCondLst>
+                                  <p:childTnLst>
+                                    <p:set>
+                                      <p:cBhvr>
+                                        <p:cTn id="32" dur="1" fill="hold">
+                                          <p:stCondLst>
+                                            <p:cond delay="0"/>
+                                          </p:stCondLst>
+                                        </p:cTn>
+                                        <p:tgtEl>
+                                          <p:spTgt spid="17"/>
+                                        </p:tgtEl>
+                                        <p:attrNameLst>
+                                          <p:attrName>style.visibility</p:attrName>
+                                        </p:attrNameLst>
+                                      </p:cBhvr>
+                                      <p:to>
+                                        <p:strVal val="visible"/>
+                                      </p:to>
+                                    </p:set>
+                                  </p:childTnLst>
+                                </p:cTn>
+                              </p:par>
+                              <p:par>
+                                <p:cTn id="33" presetID="1" presetClass="entr" presetSubtype="0" fill="hold" grpId="0" nodeType="withEffect">
+                                  <p:stCondLst>
+                                    <p:cond delay="0"/>
+                                  </p:stCondLst>
+                                  <p:childTnLst>
+                                    <p:set>
+                                      <p:cBhvr>
+                                        <p:cTn id="34" dur="1" fill="hold">
+                                          <p:stCondLst>
+                                            <p:cond delay="0"/>
+                                          </p:stCondLst>
+                                        </p:cTn>
+                                        <p:tgtEl>
+                                          <p:spTgt spid="8"/>
+                                        </p:tgtEl>
+                                        <p:attrNameLst>
+                                          <p:attrName>style.visibility</p:attrName>
+                                        </p:attrNameLst>
+                                      </p:cBhvr>
+                                      <p:to>
+                                        <p:strVal val="visible"/>
+                                      </p:to>
+                                    </p:set>
+                                  </p:childTnLst>
+                                </p:cTn>
+                              </p:par>
+                            </p:childTnLst>
+                          </p:cTn>
+                        </p:par>
+                      </p:childTnLst>
+                    </p:cTn>
+                  </p:par>
+                  <p:par>
+                    <p:cTn id="35" fill="hold">
+                      <p:stCondLst>
+                        <p:cond delay="indefinite"/>
+                      </p:stCondLst>
+                      <p:childTnLst>
+                        <p:par>
+                          <p:cTn id="36" fill="hold">
+                            <p:stCondLst>
+                              <p:cond delay="0"/>
+                            </p:stCondLst>
+                            <p:childTnLst>
+                              <p:par>
+                                <p:cTn id="37" presetID="1" presetClass="exit" presetSubtype="0" fill="hold" grpId="1" nodeType="clickEffect">
+                                  <p:stCondLst>
+                                    <p:cond delay="0"/>
+                                  </p:stCondLst>
+                                  <p:childTnLst>
+                                    <p:set>
+                                      <p:cBhvr>
+                                        <p:cTn id="38" dur="1" fill="hold">
+                                          <p:stCondLst>
+                                            <p:cond delay="0"/>
+                                          </p:stCondLst>
+                                        </p:cTn>
+                                        <p:tgtEl>
+                                          <p:spTgt spid="17"/>
+                                        </p:tgtEl>
+                                        <p:attrNameLst>
+                                          <p:attrName>style.visibility</p:attrName>
+                                        </p:attrNameLst>
+                                      </p:cBhvr>
+                                      <p:to>
+                                        <p:strVal val="hidden"/>
+                                      </p:to>
+                                    </p:set>
+                                  </p:childTnLst>
+                                </p:cTn>
+                              </p:par>
+                              <p:par>
+                                <p:cTn id="39" presetID="1" presetClass="exit" presetSubtype="0" fill="hold" grpId="1" nodeType="withEffect">
+                                  <p:stCondLst>
+                                    <p:cond delay="0"/>
+                                  </p:stCondLst>
+                                  <p:childTnLst>
+                                    <p:set>
+                                      <p:cBhvr>
+                                        <p:cTn id="40" dur="1" fill="hold">
+                                          <p:stCondLst>
+                                            <p:cond delay="0"/>
+                                          </p:stCondLst>
+                                        </p:cTn>
+                                        <p:tgtEl>
+                                          <p:spTgt spid="8"/>
+                                        </p:tgtEl>
+                                        <p:attrNameLst>
+                                          <p:attrName>style.visibility</p:attrName>
+                                        </p:attrNameLst>
+                                      </p:cBhvr>
+                                      <p:to>
+                                        <p:strVal val="hidden"/>
+                                      </p:to>
+                                    </p:set>
+                                  </p:childTnLst>
+                                </p:cTn>
+                              </p:par>
+                              <p:par>
+                                <p:cTn id="41" presetID="1" presetClass="entr" presetSubtype="0" fill="hold" grpId="0" nodeType="withEffect">
+                                  <p:stCondLst>
+                                    <p:cond delay="0"/>
+                                  </p:stCondLst>
+                                  <p:childTnLst>
+                                    <p:set>
+                                      <p:cBhvr>
+                                        <p:cTn id="42" dur="1" fill="hold">
+                                          <p:stCondLst>
+                                            <p:cond delay="0"/>
+                                          </p:stCondLst>
+                                        </p:cTn>
+                                        <p:tgtEl>
+                                          <p:spTgt spid="18"/>
+                                        </p:tgtEl>
+                                        <p:attrNameLst>
+                                          <p:attrName>style.visibility</p:attrName>
+                                        </p:attrNameLst>
+                                      </p:cBhvr>
+                                      <p:to>
+                                        <p:strVal val="visible"/>
+                                      </p:to>
+                                    </p:set>
+                                  </p:childTnLst>
+                                </p:cTn>
+                              </p:par>
+                            </p:childTnLst>
+                          </p:cTn>
+                        </p:par>
+                      </p:childTnLst>
+                    </p:cTn>
+                  </p:par>
+                  <p:par>
+                    <p:cTn id="43" fill="hold">
+                      <p:stCondLst>
+                        <p:cond delay="indefinite"/>
+                      </p:stCondLst>
+                      <p:childTnLst>
+                        <p:par>
+                          <p:cTn id="44" fill="hold">
+                            <p:stCondLst>
+                              <p:cond delay="0"/>
+                            </p:stCondLst>
+                            <p:childTnLst>
+                              <p:par>
+                                <p:cTn id="45" presetID="10" presetClass="exit" presetSubtype="0" fill="hold" grpId="0" nodeType="clickEffect">
+                                  <p:stCondLst>
+                                    <p:cond delay="0"/>
+                                  </p:stCondLst>
+                                  <p:childTnLst>
+                                    <p:animEffect transition="out" filter="fade">
+                                      <p:cBhvr>
+                                        <p:cTn id="46" dur="500"/>
+                                        <p:tgtEl>
+                                          <p:spTgt spid="5"/>
+                                        </p:tgtEl>
+                                      </p:cBhvr>
+                                    </p:animEffect>
+                                    <p:set>
+                                      <p:cBhvr>
+                                        <p:cTn id="47" dur="1" fill="hold">
+                                          <p:stCondLst>
+                                            <p:cond delay="499"/>
+                                          </p:stCondLst>
+                                        </p:cTn>
+                                        <p:tgtEl>
+                                          <p:spTgt spid="5"/>
+                                        </p:tgtEl>
+                                        <p:attrNameLst>
+                                          <p:attrName>style.visibility</p:attrName>
+                                        </p:attrNameLst>
+                                      </p:cBhvr>
+                                      <p:to>
+                                        <p:strVal val="hidden"/>
+                                      </p:to>
+                                    </p:set>
+                                  </p:childTnLst>
+                                </p:cTn>
+                              </p:par>
+                              <p:par>
+                                <p:cTn id="48" presetID="10" presetClass="entr" presetSubtype="0" fill="hold" grpId="0" nodeType="withEffect">
+                                  <p:stCondLst>
+                                    <p:cond delay="0"/>
+                                  </p:stCondLst>
+                                  <p:childTnLst>
+                                    <p:set>
+                                      <p:cBhvr>
+                                        <p:cTn id="49" dur="1" fill="hold">
+                                          <p:stCondLst>
+                                            <p:cond delay="0"/>
+                                          </p:stCondLst>
+                                        </p:cTn>
+                                        <p:tgtEl>
+                                          <p:spTgt spid="21"/>
+                                        </p:tgtEl>
+                                        <p:attrNameLst>
+                                          <p:attrName>style.visibility</p:attrName>
+                                        </p:attrNameLst>
+                                      </p:cBhvr>
+                                      <p:to>
+                                        <p:strVal val="visible"/>
+                                      </p:to>
+                                    </p:set>
+                                    <p:animEffect transition="in" filter="fade">
+                                      <p:cBhvr>
+                                        <p:cTn id="50" dur="500"/>
+                                        <p:tgtEl>
+                                          <p:spTgt spid="21"/>
+                                        </p:tgtEl>
+                                      </p:cBhvr>
+                                    </p:animEffect>
+                                  </p:childTnLst>
+                                </p:cTn>
+                              </p:par>
+                            </p:childTnLst>
+                          </p:cTn>
+                        </p:par>
+                      </p:childTnLst>
+                    </p:cTn>
+                  </p:par>
+                </p:childTnLst>
+              </p:cTn>
+              <p:prevCondLst>
+                <p:cond evt="onPrev" delay="0">
+                  <p:tgtEl>
+                    <p:sldTgt/>
+                  </p:tgtEl>
+                </p:cond>
+              </p:prevCondLst>
+              <p:nextCondLst>
+                <p:cond evt="onNext" delay="0">
+                  <p:tgtEl>
+                    <p:sldTgt/>
+                  </p:tgtEl>
+                </p:cond>
+              </p:nextCondLst>
+            </p:seq>
+          </p:childTnLst>
+        </p:cTn>
+      </p:par>
+    </p:tnLst>
+    <p:bldLst>
+      <p:bldP spid="5" grpId="0" animBg="1"/>
+      <p:bldP spid="7" grpId="0" animBg="1"/>
+      <p:bldP spid="7" grpId="1" animBg="1"/>
+      <p:bldP spid="8" grpId="0" animBg="1"/>
+      <p:bldP spid="8" grpId="1" animBg="1"/>
+      <p:bldP spid="9" grpId="0" animBg="1"/>
+      <p:bldP spid="14" grpId="0" animBg="1"/>
+      <p:bldP spid="14" grpId="1" animBg="1"/>
+      <p:bldP spid="15" grpId="0" animBg="1"/>
+      <p:bldP spid="15" grpId="1" animBg="1"/>
+      <p:bldP spid="16" grpId="0" animBg="1"/>
+      <p:bldP spid="16" grpId="1" animBg="1"/>
+      <p:bldP spid="17" grpId="0" animBg="1"/>
+      <p:bldP spid="17" grpId="1" animBg="1"/>
+      <p:bldP spid="18" grpId="0" animBg="1"/>
+      <p:bldP spid="21" grpId="0" animBg="1"/>
+    </p:bldLst>
+  </p:timing>
 </p:sld>
 </file>
 
@@ -3697,7 +5027,7 @@
           <p:cNvPr id="2" name="Title 1">
             <a:extLst>
               <a:ext uri="{FF2B5EF4-FFF2-40B4-BE49-F238E27FC236}">
-                <a16:creationId xmlns:a16="http://schemas.microsoft.com/office/drawing/2014/main" id="{D9EC165F-ACC2-4E74-AD68-984B43F5522C}"/>
+                <a16:creationId xmlns:a16="http://schemas.microsoft.com/office/drawing/2014/main" id="{BCF2DB21-1BC6-4880-BA0B-4A5BAFAB655A}"/>
               </a:ext>
             </a:extLst>
           </p:cNvPr>
@@ -3708,12 +5038,7 @@
             <p:ph type="title"/>
           </p:nvPr>
         </p:nvSpPr>
-        <p:spPr>
-          <a:xfrm>
-            <a:off x="2610195" y="512749"/>
-            <a:ext cx="9134392" cy="636559"/>
-          </a:xfrm>
-        </p:spPr>
+        <p:spPr/>
         <p:txBody>
           <a:bodyPr>
             <a:normAutofit fontScale="90000"/>
@@ -3722,7 +5047,7 @@
           <a:p>
             <a:r>
               <a:rPr lang="en-US" dirty="0"/>
-              <a:t>DI and Inversion Of Control containers (IOC)</a:t>
+              <a:t>DI in the real (non IT) world</a:t>
             </a:r>
             <a:endParaRPr lang="nl-BE" dirty="0"/>
           </a:p>
@@ -3730,55 +5055,1654 @@
       </p:sp>
       <p:sp>
         <p:nvSpPr>
-          <p:cNvPr id="3" name="Content Placeholder 2">
-            <a:extLst>
-              <a:ext uri="{FF2B5EF4-FFF2-40B4-BE49-F238E27FC236}">
-                <a16:creationId xmlns:a16="http://schemas.microsoft.com/office/drawing/2014/main" id="{AB274DF0-3CA1-45BD-B8AF-C79B08964714}"/>
-              </a:ext>
-            </a:extLst>
-          </p:cNvPr>
-          <p:cNvSpPr>
-            <a:spLocks noGrp="1"/>
-          </p:cNvSpPr>
-          <p:nvPr>
-            <p:ph idx="1"/>
-          </p:nvPr>
-        </p:nvSpPr>
-        <p:spPr/>
-        <p:txBody>
-          <a:bodyPr/>
+          <p:cNvPr id="3" name="Rectangle 2">
+            <a:extLst>
+              <a:ext uri="{FF2B5EF4-FFF2-40B4-BE49-F238E27FC236}">
+                <a16:creationId xmlns:a16="http://schemas.microsoft.com/office/drawing/2014/main" id="{FB28270C-9748-420C-B147-957F079C505E}"/>
+              </a:ext>
+            </a:extLst>
+          </p:cNvPr>
+          <p:cNvSpPr/>
+          <p:nvPr/>
+        </p:nvSpPr>
+        <p:spPr>
+          <a:xfrm>
+            <a:off x="3934436" y="1602297"/>
+            <a:ext cx="5184396" cy="2709644"/>
+          </a:xfrm>
+          <a:prstGeom prst="rect">
+            <a:avLst/>
+          </a:prstGeom>
+        </p:spPr>
+        <p:style>
+          <a:lnRef idx="2">
+            <a:schemeClr val="accent3">
+              <a:shade val="50000"/>
+            </a:schemeClr>
+          </a:lnRef>
+          <a:fillRef idx="1">
+            <a:schemeClr val="accent3"/>
+          </a:fillRef>
+          <a:effectRef idx="0">
+            <a:schemeClr val="accent3"/>
+          </a:effectRef>
+          <a:fontRef idx="minor">
+            <a:schemeClr val="lt1"/>
+          </a:fontRef>
+        </p:style>
+        <p:txBody>
+          <a:bodyPr rtlCol="0" anchor="ctr"/>
+          <a:lstStyle/>
+          <a:p>
+            <a:pPr algn="ctr"/>
+            <a:endParaRPr lang="nl-BE"/>
+          </a:p>
+        </p:txBody>
+      </p:sp>
+      <p:sp>
+        <p:nvSpPr>
+          <p:cNvPr id="4" name="TextBox 3">
+            <a:extLst>
+              <a:ext uri="{FF2B5EF4-FFF2-40B4-BE49-F238E27FC236}">
+                <a16:creationId xmlns:a16="http://schemas.microsoft.com/office/drawing/2014/main" id="{5F95816C-FDAC-4DB3-9F0C-823698C82BAA}"/>
+              </a:ext>
+            </a:extLst>
+          </p:cNvPr>
+          <p:cNvSpPr txBox="1"/>
+          <p:nvPr/>
+        </p:nvSpPr>
+        <p:spPr>
+          <a:xfrm>
+            <a:off x="5603845" y="1660912"/>
+            <a:ext cx="2248250" cy="369332"/>
+          </a:xfrm>
+          <a:prstGeom prst="rect">
+            <a:avLst/>
+          </a:prstGeom>
+          <a:noFill/>
+        </p:spPr>
+        <p:txBody>
+          <a:bodyPr wrap="square" rtlCol="0">
+            <a:spAutoFit/>
+          </a:bodyPr>
           <a:lstStyle/>
           <a:p>
             <a:r>
               <a:rPr lang="en-US" dirty="0"/>
-              <a:t>Optional tool</a:t>
-            </a:r>
-          </a:p>
-          <a:p>
-            <a:r>
-              <a:rPr lang="en-US" dirty="0"/>
-              <a:t>Central place to manage the creation of your dependencies</a:t>
-            </a:r>
-          </a:p>
-          <a:p>
-            <a:r>
-              <a:rPr lang="en-US" dirty="0"/>
-              <a:t>Umbraco 8 and mvc.net core have it baked in</a:t>
+              <a:t>Construction yard</a:t>
             </a:r>
             <a:endParaRPr lang="nl-BE" dirty="0"/>
+          </a:p>
+        </p:txBody>
+      </p:sp>
+      <p:sp>
+        <p:nvSpPr>
+          <p:cNvPr id="5" name="Smiley Face 4">
+            <a:extLst>
+              <a:ext uri="{FF2B5EF4-FFF2-40B4-BE49-F238E27FC236}">
+                <a16:creationId xmlns:a16="http://schemas.microsoft.com/office/drawing/2014/main" id="{9B6DE02C-6B3A-434B-AD78-2ABAB091929F}"/>
+              </a:ext>
+            </a:extLst>
+          </p:cNvPr>
+          <p:cNvSpPr/>
+          <p:nvPr/>
+        </p:nvSpPr>
+        <p:spPr>
+          <a:xfrm>
+            <a:off x="3506600" y="2030244"/>
+            <a:ext cx="360726" cy="377505"/>
+          </a:xfrm>
+          <a:prstGeom prst="smileyFace">
+            <a:avLst>
+              <a:gd name="adj" fmla="val 4653"/>
+            </a:avLst>
+          </a:prstGeom>
+          <a:solidFill>
+            <a:schemeClr val="bg1"/>
+          </a:solidFill>
+          <a:ln>
+            <a:solidFill>
+              <a:schemeClr val="tx1"/>
+            </a:solidFill>
+          </a:ln>
+        </p:spPr>
+        <p:style>
+          <a:lnRef idx="2">
+            <a:schemeClr val="accent1">
+              <a:shade val="50000"/>
+            </a:schemeClr>
+          </a:lnRef>
+          <a:fillRef idx="1">
+            <a:schemeClr val="accent1"/>
+          </a:fillRef>
+          <a:effectRef idx="0">
+            <a:schemeClr val="accent1"/>
+          </a:effectRef>
+          <a:fontRef idx="minor">
+            <a:schemeClr val="lt1"/>
+          </a:fontRef>
+        </p:style>
+        <p:txBody>
+          <a:bodyPr rtlCol="0" anchor="ctr"/>
+          <a:lstStyle/>
+          <a:p>
+            <a:pPr algn="ctr"/>
+            <a:endParaRPr lang="nl-BE"/>
+          </a:p>
+        </p:txBody>
+      </p:sp>
+      <p:sp>
+        <p:nvSpPr>
+          <p:cNvPr id="7" name="Smiley Face 6">
+            <a:extLst>
+              <a:ext uri="{FF2B5EF4-FFF2-40B4-BE49-F238E27FC236}">
+                <a16:creationId xmlns:a16="http://schemas.microsoft.com/office/drawing/2014/main" id="{487F29D2-7F6E-4EAA-9DFC-53B7D4850756}"/>
+              </a:ext>
+            </a:extLst>
+          </p:cNvPr>
+          <p:cNvSpPr/>
+          <p:nvPr/>
+        </p:nvSpPr>
+        <p:spPr>
+          <a:xfrm>
+            <a:off x="704677" y="2030243"/>
+            <a:ext cx="360726" cy="377505"/>
+          </a:xfrm>
+          <a:prstGeom prst="smileyFace">
+            <a:avLst>
+              <a:gd name="adj" fmla="val 4653"/>
+            </a:avLst>
+          </a:prstGeom>
+          <a:solidFill>
+            <a:schemeClr val="bg1">
+              <a:lumMod val="85000"/>
+            </a:schemeClr>
+          </a:solidFill>
+          <a:ln>
+            <a:solidFill>
+              <a:schemeClr val="tx1"/>
+            </a:solidFill>
+          </a:ln>
+        </p:spPr>
+        <p:style>
+          <a:lnRef idx="2">
+            <a:schemeClr val="accent1">
+              <a:shade val="50000"/>
+            </a:schemeClr>
+          </a:lnRef>
+          <a:fillRef idx="1">
+            <a:schemeClr val="accent1"/>
+          </a:fillRef>
+          <a:effectRef idx="0">
+            <a:schemeClr val="accent1"/>
+          </a:effectRef>
+          <a:fontRef idx="minor">
+            <a:schemeClr val="lt1"/>
+          </a:fontRef>
+        </p:style>
+        <p:txBody>
+          <a:bodyPr rtlCol="0" anchor="ctr"/>
+          <a:lstStyle/>
+          <a:p>
+            <a:pPr algn="ctr"/>
+            <a:endParaRPr lang="nl-BE"/>
+          </a:p>
+        </p:txBody>
+      </p:sp>
+      <p:sp>
+        <p:nvSpPr>
+          <p:cNvPr id="8" name="Smiley Face 7">
+            <a:extLst>
+              <a:ext uri="{FF2B5EF4-FFF2-40B4-BE49-F238E27FC236}">
+                <a16:creationId xmlns:a16="http://schemas.microsoft.com/office/drawing/2014/main" id="{AD56CAEB-F057-4E7F-9E69-5FF8BB98861C}"/>
+              </a:ext>
+            </a:extLst>
+          </p:cNvPr>
+          <p:cNvSpPr/>
+          <p:nvPr/>
+        </p:nvSpPr>
+        <p:spPr>
+          <a:xfrm>
+            <a:off x="998292" y="3429000"/>
+            <a:ext cx="360726" cy="377505"/>
+          </a:xfrm>
+          <a:prstGeom prst="smileyFace">
+            <a:avLst>
+              <a:gd name="adj" fmla="val 4653"/>
+            </a:avLst>
+          </a:prstGeom>
+          <a:solidFill>
+            <a:srgbClr val="CC99FF"/>
+          </a:solidFill>
+          <a:ln>
+            <a:solidFill>
+              <a:schemeClr val="tx1"/>
+            </a:solidFill>
+          </a:ln>
+        </p:spPr>
+        <p:style>
+          <a:lnRef idx="2">
+            <a:schemeClr val="accent1">
+              <a:shade val="50000"/>
+            </a:schemeClr>
+          </a:lnRef>
+          <a:fillRef idx="1">
+            <a:schemeClr val="accent1"/>
+          </a:fillRef>
+          <a:effectRef idx="0">
+            <a:schemeClr val="accent1"/>
+          </a:effectRef>
+          <a:fontRef idx="minor">
+            <a:schemeClr val="lt1"/>
+          </a:fontRef>
+        </p:style>
+        <p:txBody>
+          <a:bodyPr rtlCol="0" anchor="ctr"/>
+          <a:lstStyle/>
+          <a:p>
+            <a:pPr algn="ctr"/>
+            <a:endParaRPr lang="nl-BE"/>
+          </a:p>
+        </p:txBody>
+      </p:sp>
+      <p:sp>
+        <p:nvSpPr>
+          <p:cNvPr id="9" name="Smiley Face 8">
+            <a:extLst>
+              <a:ext uri="{FF2B5EF4-FFF2-40B4-BE49-F238E27FC236}">
+                <a16:creationId xmlns:a16="http://schemas.microsoft.com/office/drawing/2014/main" id="{1E5E5087-3247-4942-B2C4-58363806702B}"/>
+              </a:ext>
+            </a:extLst>
+          </p:cNvPr>
+          <p:cNvSpPr/>
+          <p:nvPr/>
+        </p:nvSpPr>
+        <p:spPr>
+          <a:xfrm>
+            <a:off x="5100508" y="2548154"/>
+            <a:ext cx="360726" cy="377505"/>
+          </a:xfrm>
+          <a:prstGeom prst="smileyFace">
+            <a:avLst>
+              <a:gd name="adj" fmla="val 4653"/>
+            </a:avLst>
+          </a:prstGeom>
+          <a:solidFill>
+            <a:schemeClr val="bg1">
+              <a:lumMod val="85000"/>
+            </a:schemeClr>
+          </a:solidFill>
+          <a:ln>
+            <a:solidFill>
+              <a:schemeClr val="tx1"/>
+            </a:solidFill>
+          </a:ln>
+        </p:spPr>
+        <p:style>
+          <a:lnRef idx="2">
+            <a:schemeClr val="accent1">
+              <a:shade val="50000"/>
+            </a:schemeClr>
+          </a:lnRef>
+          <a:fillRef idx="1">
+            <a:schemeClr val="accent1"/>
+          </a:fillRef>
+          <a:effectRef idx="0">
+            <a:schemeClr val="accent1"/>
+          </a:effectRef>
+          <a:fontRef idx="minor">
+            <a:schemeClr val="lt1"/>
+          </a:fontRef>
+        </p:style>
+        <p:txBody>
+          <a:bodyPr rtlCol="0" anchor="ctr"/>
+          <a:lstStyle/>
+          <a:p>
+            <a:pPr algn="ctr"/>
+            <a:endParaRPr lang="nl-BE"/>
+          </a:p>
+        </p:txBody>
+      </p:sp>
+      <p:sp>
+        <p:nvSpPr>
+          <p:cNvPr id="14" name="Speech Bubble: Rectangle 13">
+            <a:extLst>
+              <a:ext uri="{FF2B5EF4-FFF2-40B4-BE49-F238E27FC236}">
+                <a16:creationId xmlns:a16="http://schemas.microsoft.com/office/drawing/2014/main" id="{8C1D01B8-17BB-406C-B974-235CA6654C6B}"/>
+              </a:ext>
+            </a:extLst>
+          </p:cNvPr>
+          <p:cNvSpPr/>
+          <p:nvPr/>
+        </p:nvSpPr>
+        <p:spPr>
+          <a:xfrm>
+            <a:off x="3219275" y="1084293"/>
+            <a:ext cx="1430321" cy="693140"/>
+          </a:xfrm>
+          <a:prstGeom prst="wedgeRectCallout">
+            <a:avLst/>
+          </a:prstGeom>
+          <a:solidFill>
+            <a:schemeClr val="bg1"/>
+          </a:solidFill>
+        </p:spPr>
+        <p:style>
+          <a:lnRef idx="2">
+            <a:schemeClr val="accent1">
+              <a:shade val="50000"/>
+            </a:schemeClr>
+          </a:lnRef>
+          <a:fillRef idx="1">
+            <a:schemeClr val="accent1"/>
+          </a:fillRef>
+          <a:effectRef idx="0">
+            <a:schemeClr val="accent1"/>
+          </a:effectRef>
+          <a:fontRef idx="minor">
+            <a:schemeClr val="lt1"/>
+          </a:fontRef>
+        </p:style>
+        <p:txBody>
+          <a:bodyPr rtlCol="0" anchor="ctr"/>
+          <a:lstStyle/>
+          <a:p>
+            <a:pPr algn="ctr"/>
+            <a:r>
+              <a:rPr lang="en-US" dirty="0">
+                <a:solidFill>
+                  <a:schemeClr val="tx1"/>
+                </a:solidFill>
+              </a:rPr>
+              <a:t>I need a new worker</a:t>
+            </a:r>
+            <a:endParaRPr lang="nl-BE" dirty="0">
+              <a:solidFill>
+                <a:schemeClr val="tx1"/>
+              </a:solidFill>
+            </a:endParaRPr>
+          </a:p>
+        </p:txBody>
+      </p:sp>
+      <p:sp>
+        <p:nvSpPr>
+          <p:cNvPr id="15" name="Speech Bubble: Rectangle 14">
+            <a:extLst>
+              <a:ext uri="{FF2B5EF4-FFF2-40B4-BE49-F238E27FC236}">
+                <a16:creationId xmlns:a16="http://schemas.microsoft.com/office/drawing/2014/main" id="{7B9C1EDE-8A8F-4778-A91F-652B3E39FCCC}"/>
+              </a:ext>
+            </a:extLst>
+          </p:cNvPr>
+          <p:cNvSpPr/>
+          <p:nvPr/>
+        </p:nvSpPr>
+        <p:spPr>
+          <a:xfrm>
+            <a:off x="3219275" y="1126046"/>
+            <a:ext cx="1652631" cy="693140"/>
+          </a:xfrm>
+          <a:prstGeom prst="wedgeRectCallout">
+            <a:avLst/>
+          </a:prstGeom>
+          <a:solidFill>
+            <a:schemeClr val="bg1"/>
+          </a:solidFill>
+        </p:spPr>
+        <p:style>
+          <a:lnRef idx="2">
+            <a:schemeClr val="accent1">
+              <a:shade val="50000"/>
+            </a:schemeClr>
+          </a:lnRef>
+          <a:fillRef idx="1">
+            <a:schemeClr val="accent1"/>
+          </a:fillRef>
+          <a:effectRef idx="0">
+            <a:schemeClr val="accent1"/>
+          </a:effectRef>
+          <a:fontRef idx="minor">
+            <a:schemeClr val="lt1"/>
+          </a:fontRef>
+        </p:style>
+        <p:txBody>
+          <a:bodyPr rtlCol="0" anchor="ctr"/>
+          <a:lstStyle/>
+          <a:p>
+            <a:pPr algn="ctr"/>
+            <a:r>
+              <a:rPr lang="en-US" dirty="0">
+                <a:solidFill>
+                  <a:schemeClr val="tx1"/>
+                </a:solidFill>
+              </a:rPr>
+              <a:t>I need another worker</a:t>
+            </a:r>
+            <a:endParaRPr lang="nl-BE" dirty="0">
+              <a:solidFill>
+                <a:schemeClr val="tx1"/>
+              </a:solidFill>
+            </a:endParaRPr>
+          </a:p>
+        </p:txBody>
+      </p:sp>
+      <p:sp>
+        <p:nvSpPr>
+          <p:cNvPr id="16" name="Speech Bubble: Rectangle 15">
+            <a:extLst>
+              <a:ext uri="{FF2B5EF4-FFF2-40B4-BE49-F238E27FC236}">
+                <a16:creationId xmlns:a16="http://schemas.microsoft.com/office/drawing/2014/main" id="{B7EE4373-89BB-43EA-ADDD-4ACC5D40438B}"/>
+              </a:ext>
+            </a:extLst>
+          </p:cNvPr>
+          <p:cNvSpPr/>
+          <p:nvPr/>
+        </p:nvSpPr>
+        <p:spPr>
+          <a:xfrm>
+            <a:off x="286447" y="1151992"/>
+            <a:ext cx="2114024" cy="693140"/>
+          </a:xfrm>
+          <a:prstGeom prst="wedgeRectCallout">
+            <a:avLst/>
+          </a:prstGeom>
+          <a:solidFill>
+            <a:schemeClr val="bg1"/>
+          </a:solidFill>
+        </p:spPr>
+        <p:style>
+          <a:lnRef idx="2">
+            <a:schemeClr val="accent1">
+              <a:shade val="50000"/>
+            </a:schemeClr>
+          </a:lnRef>
+          <a:fillRef idx="1">
+            <a:schemeClr val="accent1"/>
+          </a:fillRef>
+          <a:effectRef idx="0">
+            <a:schemeClr val="accent1"/>
+          </a:effectRef>
+          <a:fontRef idx="minor">
+            <a:schemeClr val="lt1"/>
+          </a:fontRef>
+        </p:style>
+        <p:txBody>
+          <a:bodyPr rtlCol="0" anchor="ctr"/>
+          <a:lstStyle/>
+          <a:p>
+            <a:pPr algn="ctr"/>
+            <a:r>
+              <a:rPr lang="en-US" dirty="0">
+                <a:solidFill>
+                  <a:schemeClr val="tx1"/>
+                </a:solidFill>
+              </a:rPr>
+              <a:t>Sup boss, Can I have the tools I need?</a:t>
+            </a:r>
+            <a:endParaRPr lang="nl-BE" dirty="0">
+              <a:solidFill>
+                <a:schemeClr val="tx1"/>
+              </a:solidFill>
+            </a:endParaRPr>
+          </a:p>
+        </p:txBody>
+      </p:sp>
+      <p:sp>
+        <p:nvSpPr>
+          <p:cNvPr id="17" name="Speech Bubble: Rectangle 16">
+            <a:extLst>
+              <a:ext uri="{FF2B5EF4-FFF2-40B4-BE49-F238E27FC236}">
+                <a16:creationId xmlns:a16="http://schemas.microsoft.com/office/drawing/2014/main" id="{A4524628-C6E9-4945-9025-62291C68407E}"/>
+              </a:ext>
+            </a:extLst>
+          </p:cNvPr>
+          <p:cNvSpPr/>
+          <p:nvPr/>
+        </p:nvSpPr>
+        <p:spPr>
+          <a:xfrm>
+            <a:off x="713067" y="2592859"/>
+            <a:ext cx="1652631" cy="693140"/>
+          </a:xfrm>
+          <a:prstGeom prst="wedgeRectCallout">
+            <a:avLst/>
+          </a:prstGeom>
+          <a:solidFill>
+            <a:schemeClr val="bg1"/>
+          </a:solidFill>
+        </p:spPr>
+        <p:style>
+          <a:lnRef idx="2">
+            <a:schemeClr val="accent1">
+              <a:shade val="50000"/>
+            </a:schemeClr>
+          </a:lnRef>
+          <a:fillRef idx="1">
+            <a:schemeClr val="accent1"/>
+          </a:fillRef>
+          <a:effectRef idx="0">
+            <a:schemeClr val="accent1"/>
+          </a:effectRef>
+          <a:fontRef idx="minor">
+            <a:schemeClr val="lt1"/>
+          </a:fontRef>
+        </p:style>
+        <p:txBody>
+          <a:bodyPr rtlCol="0" anchor="ctr"/>
+          <a:lstStyle/>
+          <a:p>
+            <a:pPr algn="ctr"/>
+            <a:r>
+              <a:rPr lang="en-US" dirty="0">
+                <a:solidFill>
+                  <a:schemeClr val="tx1"/>
+                </a:solidFill>
+              </a:rPr>
+              <a:t>Ready to work if I get my tools</a:t>
+            </a:r>
+            <a:endParaRPr lang="nl-BE" dirty="0">
+              <a:solidFill>
+                <a:schemeClr val="tx1"/>
+              </a:solidFill>
+            </a:endParaRPr>
+          </a:p>
+        </p:txBody>
+      </p:sp>
+      <p:sp>
+        <p:nvSpPr>
+          <p:cNvPr id="18" name="Smiley Face 17">
+            <a:extLst>
+              <a:ext uri="{FF2B5EF4-FFF2-40B4-BE49-F238E27FC236}">
+                <a16:creationId xmlns:a16="http://schemas.microsoft.com/office/drawing/2014/main" id="{07E55897-D22C-4124-B72B-F4E833CB6A36}"/>
+              </a:ext>
+            </a:extLst>
+          </p:cNvPr>
+          <p:cNvSpPr/>
+          <p:nvPr/>
+        </p:nvSpPr>
+        <p:spPr>
+          <a:xfrm>
+            <a:off x="6346271" y="3504501"/>
+            <a:ext cx="360726" cy="377505"/>
+          </a:xfrm>
+          <a:prstGeom prst="smileyFace">
+            <a:avLst>
+              <a:gd name="adj" fmla="val 4653"/>
+            </a:avLst>
+          </a:prstGeom>
+          <a:solidFill>
+            <a:srgbClr val="CC99FF"/>
+          </a:solidFill>
+          <a:ln>
+            <a:solidFill>
+              <a:schemeClr val="tx1"/>
+            </a:solidFill>
+          </a:ln>
+        </p:spPr>
+        <p:style>
+          <a:lnRef idx="2">
+            <a:schemeClr val="accent1">
+              <a:shade val="50000"/>
+            </a:schemeClr>
+          </a:lnRef>
+          <a:fillRef idx="1">
+            <a:schemeClr val="accent1"/>
+          </a:fillRef>
+          <a:effectRef idx="0">
+            <a:schemeClr val="accent1"/>
+          </a:effectRef>
+          <a:fontRef idx="minor">
+            <a:schemeClr val="lt1"/>
+          </a:fontRef>
+        </p:style>
+        <p:txBody>
+          <a:bodyPr rtlCol="0" anchor="ctr"/>
+          <a:lstStyle/>
+          <a:p>
+            <a:pPr algn="ctr"/>
+            <a:endParaRPr lang="nl-BE"/>
+          </a:p>
+        </p:txBody>
+      </p:sp>
+      <p:cxnSp>
+        <p:nvCxnSpPr>
+          <p:cNvPr id="20" name="Straight Connector 19">
+            <a:extLst>
+              <a:ext uri="{FF2B5EF4-FFF2-40B4-BE49-F238E27FC236}">
+                <a16:creationId xmlns:a16="http://schemas.microsoft.com/office/drawing/2014/main" id="{EA3FD00A-E989-4416-884A-F2D2BABC3FC9}"/>
+              </a:ext>
+            </a:extLst>
+          </p:cNvPr>
+          <p:cNvCxnSpPr>
+            <a:cxnSpLocks/>
+          </p:cNvCxnSpPr>
+          <p:nvPr/>
+        </p:nvCxnSpPr>
+        <p:spPr>
+          <a:xfrm flipH="1">
+            <a:off x="3333576" y="3245872"/>
+            <a:ext cx="585219" cy="466258"/>
+          </a:xfrm>
+          <a:prstGeom prst="line">
+            <a:avLst/>
+          </a:prstGeom>
+        </p:spPr>
+        <p:style>
+          <a:lnRef idx="1">
+            <a:schemeClr val="accent1"/>
+          </a:lnRef>
+          <a:fillRef idx="0">
+            <a:schemeClr val="accent1"/>
+          </a:fillRef>
+          <a:effectRef idx="0">
+            <a:schemeClr val="accent1"/>
+          </a:effectRef>
+          <a:fontRef idx="minor">
+            <a:schemeClr val="tx1"/>
+          </a:fontRef>
+        </p:style>
+      </p:cxnSp>
+      <p:sp>
+        <p:nvSpPr>
+          <p:cNvPr id="21" name="Smiley Face 20">
+            <a:extLst>
+              <a:ext uri="{FF2B5EF4-FFF2-40B4-BE49-F238E27FC236}">
+                <a16:creationId xmlns:a16="http://schemas.microsoft.com/office/drawing/2014/main" id="{33A49058-5B2B-4DD1-9BC0-7502A0405B52}"/>
+              </a:ext>
+            </a:extLst>
+          </p:cNvPr>
+          <p:cNvSpPr/>
+          <p:nvPr/>
+        </p:nvSpPr>
+        <p:spPr>
+          <a:xfrm>
+            <a:off x="3506599" y="2030568"/>
+            <a:ext cx="360726" cy="377505"/>
+          </a:xfrm>
+          <a:prstGeom prst="smileyFace">
+            <a:avLst>
+              <a:gd name="adj" fmla="val 4653"/>
+            </a:avLst>
+          </a:prstGeom>
+          <a:solidFill>
+            <a:srgbClr val="92D050"/>
+          </a:solidFill>
+          <a:ln>
+            <a:solidFill>
+              <a:schemeClr val="tx1"/>
+            </a:solidFill>
+          </a:ln>
+        </p:spPr>
+        <p:style>
+          <a:lnRef idx="2">
+            <a:schemeClr val="accent1">
+              <a:shade val="50000"/>
+            </a:schemeClr>
+          </a:lnRef>
+          <a:fillRef idx="1">
+            <a:schemeClr val="accent1"/>
+          </a:fillRef>
+          <a:effectRef idx="0">
+            <a:schemeClr val="accent1"/>
+          </a:effectRef>
+          <a:fontRef idx="minor">
+            <a:schemeClr val="lt1"/>
+          </a:fontRef>
+        </p:style>
+        <p:txBody>
+          <a:bodyPr rtlCol="0" anchor="ctr"/>
+          <a:lstStyle/>
+          <a:p>
+            <a:pPr algn="ctr"/>
+            <a:endParaRPr lang="nl-BE"/>
+          </a:p>
+        </p:txBody>
+      </p:sp>
+      <p:sp>
+        <p:nvSpPr>
+          <p:cNvPr id="19" name="Speech Bubble: Rectangle 18">
+            <a:extLst>
+              <a:ext uri="{FF2B5EF4-FFF2-40B4-BE49-F238E27FC236}">
+                <a16:creationId xmlns:a16="http://schemas.microsoft.com/office/drawing/2014/main" id="{43BD48A2-5EBD-4494-8272-742483876A15}"/>
+              </a:ext>
+            </a:extLst>
+          </p:cNvPr>
+          <p:cNvSpPr/>
+          <p:nvPr/>
+        </p:nvSpPr>
+        <p:spPr>
+          <a:xfrm>
+            <a:off x="3185719" y="1255032"/>
+            <a:ext cx="1881233" cy="1300954"/>
+          </a:xfrm>
+          <a:prstGeom prst="wedgeRectCallout">
+            <a:avLst/>
+          </a:prstGeom>
+          <a:solidFill>
+            <a:schemeClr val="bg1"/>
+          </a:solidFill>
+        </p:spPr>
+        <p:style>
+          <a:lnRef idx="2">
+            <a:schemeClr val="accent1">
+              <a:shade val="50000"/>
+            </a:schemeClr>
+          </a:lnRef>
+          <a:fillRef idx="1">
+            <a:schemeClr val="accent1"/>
+          </a:fillRef>
+          <a:effectRef idx="0">
+            <a:schemeClr val="accent1"/>
+          </a:effectRef>
+          <a:fontRef idx="minor">
+            <a:schemeClr val="lt1"/>
+          </a:fontRef>
+        </p:style>
+        <p:txBody>
+          <a:bodyPr rtlCol="0" anchor="ctr"/>
+          <a:lstStyle/>
+          <a:p>
+            <a:pPr algn="ctr"/>
+            <a:r>
+              <a:rPr lang="en-US" dirty="0">
+                <a:solidFill>
+                  <a:schemeClr val="tx1"/>
+                </a:solidFill>
+              </a:rPr>
+              <a:t>Here are your drill bits, a drill with the power cord and fuse installed</a:t>
+            </a:r>
+            <a:endParaRPr lang="nl-BE" dirty="0">
+              <a:solidFill>
+                <a:schemeClr val="tx1"/>
+              </a:solidFill>
+            </a:endParaRPr>
+          </a:p>
+        </p:txBody>
+      </p:sp>
+      <p:sp>
+        <p:nvSpPr>
+          <p:cNvPr id="11" name="Rectangle: Rounded Corners 10">
+            <a:extLst>
+              <a:ext uri="{FF2B5EF4-FFF2-40B4-BE49-F238E27FC236}">
+                <a16:creationId xmlns:a16="http://schemas.microsoft.com/office/drawing/2014/main" id="{A4473A1F-62B5-437F-91D8-2C9BB825A5F1}"/>
+              </a:ext>
+            </a:extLst>
+          </p:cNvPr>
+          <p:cNvSpPr/>
+          <p:nvPr/>
+        </p:nvSpPr>
+        <p:spPr>
+          <a:xfrm>
+            <a:off x="3312219" y="3055742"/>
+            <a:ext cx="380311" cy="140129"/>
+          </a:xfrm>
+          <a:prstGeom prst="roundRect">
+            <a:avLst/>
+          </a:prstGeom>
+        </p:spPr>
+        <p:style>
+          <a:lnRef idx="2">
+            <a:schemeClr val="accent1">
+              <a:shade val="50000"/>
+            </a:schemeClr>
+          </a:lnRef>
+          <a:fillRef idx="1">
+            <a:schemeClr val="accent1"/>
+          </a:fillRef>
+          <a:effectRef idx="0">
+            <a:schemeClr val="accent1"/>
+          </a:effectRef>
+          <a:fontRef idx="minor">
+            <a:schemeClr val="lt1"/>
+          </a:fontRef>
+        </p:style>
+        <p:txBody>
+          <a:bodyPr rtlCol="0" anchor="ctr"/>
+          <a:lstStyle/>
+          <a:p>
+            <a:pPr algn="ctr"/>
+            <a:endParaRPr lang="nl-BE"/>
+          </a:p>
+        </p:txBody>
+      </p:sp>
+      <p:sp>
+        <p:nvSpPr>
+          <p:cNvPr id="6" name="Smiley Face 5">
+            <a:extLst>
+              <a:ext uri="{FF2B5EF4-FFF2-40B4-BE49-F238E27FC236}">
+                <a16:creationId xmlns:a16="http://schemas.microsoft.com/office/drawing/2014/main" id="{5F6B08CD-DDA5-412B-A08C-949305FB178B}"/>
+              </a:ext>
+            </a:extLst>
+          </p:cNvPr>
+          <p:cNvSpPr/>
+          <p:nvPr/>
+        </p:nvSpPr>
+        <p:spPr>
+          <a:xfrm>
+            <a:off x="3506600" y="2768366"/>
+            <a:ext cx="360726" cy="377505"/>
+          </a:xfrm>
+          <a:prstGeom prst="smileyFace">
+            <a:avLst>
+              <a:gd name="adj" fmla="val 4653"/>
+            </a:avLst>
+          </a:prstGeom>
+          <a:solidFill>
+            <a:schemeClr val="accent1">
+              <a:lumMod val="60000"/>
+              <a:lumOff val="40000"/>
+            </a:schemeClr>
+          </a:solidFill>
+          <a:ln>
+            <a:solidFill>
+              <a:schemeClr val="tx1"/>
+            </a:solidFill>
+          </a:ln>
+        </p:spPr>
+        <p:style>
+          <a:lnRef idx="2">
+            <a:schemeClr val="accent1">
+              <a:shade val="50000"/>
+            </a:schemeClr>
+          </a:lnRef>
+          <a:fillRef idx="1">
+            <a:schemeClr val="accent1"/>
+          </a:fillRef>
+          <a:effectRef idx="0">
+            <a:schemeClr val="accent1"/>
+          </a:effectRef>
+          <a:fontRef idx="minor">
+            <a:schemeClr val="lt1"/>
+          </a:fontRef>
+        </p:style>
+        <p:txBody>
+          <a:bodyPr rtlCol="0" anchor="ctr"/>
+          <a:lstStyle/>
+          <a:p>
+            <a:pPr algn="ctr"/>
+            <a:endParaRPr lang="nl-BE"/>
           </a:p>
         </p:txBody>
       </p:sp>
     </p:spTree>
     <p:extLst>
       <p:ext uri="{BB962C8B-B14F-4D97-AF65-F5344CB8AC3E}">
-        <p14:creationId xmlns:p14="http://schemas.microsoft.com/office/powerpoint/2010/main" val="3804878652"/>
+        <p14:creationId xmlns:p14="http://schemas.microsoft.com/office/powerpoint/2010/main" val="1875005659"/>
       </p:ext>
     </p:extLst>
   </p:cSld>
   <p:clrMapOvr>
     <a:masterClrMapping/>
   </p:clrMapOvr>
+  <p:timing>
+    <p:tnLst>
+      <p:par>
+        <p:cTn id="1" dur="indefinite" restart="never" nodeType="tmRoot">
+          <p:childTnLst>
+            <p:seq concurrent="1" nextAc="seek">
+              <p:cTn id="2" dur="indefinite" nodeType="mainSeq">
+                <p:childTnLst>
+                  <p:par>
+                    <p:cTn id="3" fill="hold">
+                      <p:stCondLst>
+                        <p:cond delay="indefinite"/>
+                      </p:stCondLst>
+                      <p:childTnLst>
+                        <p:par>
+                          <p:cTn id="4" fill="hold">
+                            <p:stCondLst>
+                              <p:cond delay="0"/>
+                            </p:stCondLst>
+                            <p:childTnLst>
+                              <p:par>
+                                <p:cTn id="5" presetID="1" presetClass="entr" presetSubtype="0" fill="hold" grpId="0" nodeType="clickEffect">
+                                  <p:stCondLst>
+                                    <p:cond delay="0"/>
+                                  </p:stCondLst>
+                                  <p:childTnLst>
+                                    <p:set>
+                                      <p:cBhvr>
+                                        <p:cTn id="6" dur="1" fill="hold">
+                                          <p:stCondLst>
+                                            <p:cond delay="0"/>
+                                          </p:stCondLst>
+                                        </p:cTn>
+                                        <p:tgtEl>
+                                          <p:spTgt spid="14"/>
+                                        </p:tgtEl>
+                                        <p:attrNameLst>
+                                          <p:attrName>style.visibility</p:attrName>
+                                        </p:attrNameLst>
+                                      </p:cBhvr>
+                                      <p:to>
+                                        <p:strVal val="visible"/>
+                                      </p:to>
+                                    </p:set>
+                                  </p:childTnLst>
+                                </p:cTn>
+                              </p:par>
+                            </p:childTnLst>
+                          </p:cTn>
+                        </p:par>
+                      </p:childTnLst>
+                    </p:cTn>
+                  </p:par>
+                  <p:par>
+                    <p:cTn id="7" fill="hold">
+                      <p:stCondLst>
+                        <p:cond delay="indefinite"/>
+                      </p:stCondLst>
+                      <p:childTnLst>
+                        <p:par>
+                          <p:cTn id="8" fill="hold">
+                            <p:stCondLst>
+                              <p:cond delay="0"/>
+                            </p:stCondLst>
+                            <p:childTnLst>
+                              <p:par>
+                                <p:cTn id="9" presetID="1" presetClass="exit" presetSubtype="0" fill="hold" grpId="1" nodeType="clickEffect">
+                                  <p:stCondLst>
+                                    <p:cond delay="0"/>
+                                  </p:stCondLst>
+                                  <p:childTnLst>
+                                    <p:set>
+                                      <p:cBhvr>
+                                        <p:cTn id="10" dur="1" fill="hold">
+                                          <p:stCondLst>
+                                            <p:cond delay="0"/>
+                                          </p:stCondLst>
+                                        </p:cTn>
+                                        <p:tgtEl>
+                                          <p:spTgt spid="14"/>
+                                        </p:tgtEl>
+                                        <p:attrNameLst>
+                                          <p:attrName>style.visibility</p:attrName>
+                                        </p:attrNameLst>
+                                      </p:cBhvr>
+                                      <p:to>
+                                        <p:strVal val="hidden"/>
+                                      </p:to>
+                                    </p:set>
+                                  </p:childTnLst>
+                                </p:cTn>
+                              </p:par>
+                              <p:par>
+                                <p:cTn id="11" presetID="1" presetClass="entr" presetSubtype="0" fill="hold" grpId="0" nodeType="withEffect">
+                                  <p:stCondLst>
+                                    <p:cond delay="0"/>
+                                  </p:stCondLst>
+                                  <p:childTnLst>
+                                    <p:set>
+                                      <p:cBhvr>
+                                        <p:cTn id="12" dur="1" fill="hold">
+                                          <p:stCondLst>
+                                            <p:cond delay="0"/>
+                                          </p:stCondLst>
+                                        </p:cTn>
+                                        <p:tgtEl>
+                                          <p:spTgt spid="7"/>
+                                        </p:tgtEl>
+                                        <p:attrNameLst>
+                                          <p:attrName>style.visibility</p:attrName>
+                                        </p:attrNameLst>
+                                      </p:cBhvr>
+                                      <p:to>
+                                        <p:strVal val="visible"/>
+                                      </p:to>
+                                    </p:set>
+                                  </p:childTnLst>
+                                </p:cTn>
+                              </p:par>
+                              <p:par>
+                                <p:cTn id="13" presetID="1" presetClass="entr" presetSubtype="0" fill="hold" grpId="0" nodeType="withEffect">
+                                  <p:stCondLst>
+                                    <p:cond delay="0"/>
+                                  </p:stCondLst>
+                                  <p:childTnLst>
+                                    <p:set>
+                                      <p:cBhvr>
+                                        <p:cTn id="14" dur="1" fill="hold">
+                                          <p:stCondLst>
+                                            <p:cond delay="0"/>
+                                          </p:stCondLst>
+                                        </p:cTn>
+                                        <p:tgtEl>
+                                          <p:spTgt spid="16"/>
+                                        </p:tgtEl>
+                                        <p:attrNameLst>
+                                          <p:attrName>style.visibility</p:attrName>
+                                        </p:attrNameLst>
+                                      </p:cBhvr>
+                                      <p:to>
+                                        <p:strVal val="visible"/>
+                                      </p:to>
+                                    </p:set>
+                                  </p:childTnLst>
+                                </p:cTn>
+                              </p:par>
+                            </p:childTnLst>
+                          </p:cTn>
+                        </p:par>
+                      </p:childTnLst>
+                    </p:cTn>
+                  </p:par>
+                  <p:par>
+                    <p:cTn id="15" fill="hold">
+                      <p:stCondLst>
+                        <p:cond delay="indefinite"/>
+                      </p:stCondLst>
+                      <p:childTnLst>
+                        <p:par>
+                          <p:cTn id="16" fill="hold">
+                            <p:stCondLst>
+                              <p:cond delay="0"/>
+                            </p:stCondLst>
+                            <p:childTnLst>
+                              <p:par>
+                                <p:cTn id="17" presetID="1" presetClass="exit" presetSubtype="0" fill="hold" grpId="1" nodeType="clickEffect">
+                                  <p:stCondLst>
+                                    <p:cond delay="0"/>
+                                  </p:stCondLst>
+                                  <p:childTnLst>
+                                    <p:set>
+                                      <p:cBhvr>
+                                        <p:cTn id="18" dur="1" fill="hold">
+                                          <p:stCondLst>
+                                            <p:cond delay="0"/>
+                                          </p:stCondLst>
+                                        </p:cTn>
+                                        <p:tgtEl>
+                                          <p:spTgt spid="16"/>
+                                        </p:tgtEl>
+                                        <p:attrNameLst>
+                                          <p:attrName>style.visibility</p:attrName>
+                                        </p:attrNameLst>
+                                      </p:cBhvr>
+                                      <p:to>
+                                        <p:strVal val="hidden"/>
+                                      </p:to>
+                                    </p:set>
+                                  </p:childTnLst>
+                                </p:cTn>
+                              </p:par>
+                              <p:par>
+                                <p:cTn id="19" presetID="1" presetClass="entr" presetSubtype="0" fill="hold" grpId="0" nodeType="withEffect">
+                                  <p:stCondLst>
+                                    <p:cond delay="0"/>
+                                  </p:stCondLst>
+                                  <p:childTnLst>
+                                    <p:set>
+                                      <p:cBhvr>
+                                        <p:cTn id="20" dur="1" fill="hold">
+                                          <p:stCondLst>
+                                            <p:cond delay="0"/>
+                                          </p:stCondLst>
+                                        </p:cTn>
+                                        <p:tgtEl>
+                                          <p:spTgt spid="19"/>
+                                        </p:tgtEl>
+                                        <p:attrNameLst>
+                                          <p:attrName>style.visibility</p:attrName>
+                                        </p:attrNameLst>
+                                      </p:cBhvr>
+                                      <p:to>
+                                        <p:strVal val="visible"/>
+                                      </p:to>
+                                    </p:set>
+                                  </p:childTnLst>
+                                </p:cTn>
+                              </p:par>
+                            </p:childTnLst>
+                          </p:cTn>
+                        </p:par>
+                      </p:childTnLst>
+                    </p:cTn>
+                  </p:par>
+                  <p:par>
+                    <p:cTn id="21" fill="hold">
+                      <p:stCondLst>
+                        <p:cond delay="indefinite"/>
+                      </p:stCondLst>
+                      <p:childTnLst>
+                        <p:par>
+                          <p:cTn id="22" fill="hold">
+                            <p:stCondLst>
+                              <p:cond delay="0"/>
+                            </p:stCondLst>
+                            <p:childTnLst>
+                              <p:par>
+                                <p:cTn id="23" presetID="1" presetClass="exit" presetSubtype="0" fill="hold" grpId="1" nodeType="clickEffect">
+                                  <p:stCondLst>
+                                    <p:cond delay="0"/>
+                                  </p:stCondLst>
+                                  <p:childTnLst>
+                                    <p:set>
+                                      <p:cBhvr>
+                                        <p:cTn id="24" dur="1" fill="hold">
+                                          <p:stCondLst>
+                                            <p:cond delay="0"/>
+                                          </p:stCondLst>
+                                        </p:cTn>
+                                        <p:tgtEl>
+                                          <p:spTgt spid="7"/>
+                                        </p:tgtEl>
+                                        <p:attrNameLst>
+                                          <p:attrName>style.visibility</p:attrName>
+                                        </p:attrNameLst>
+                                      </p:cBhvr>
+                                      <p:to>
+                                        <p:strVal val="hidden"/>
+                                      </p:to>
+                                    </p:set>
+                                  </p:childTnLst>
+                                </p:cTn>
+                              </p:par>
+                              <p:par>
+                                <p:cTn id="25" presetID="1" presetClass="exit" presetSubtype="0" fill="hold" grpId="1" nodeType="withEffect">
+                                  <p:stCondLst>
+                                    <p:cond delay="0"/>
+                                  </p:stCondLst>
+                                  <p:childTnLst>
+                                    <p:set>
+                                      <p:cBhvr>
+                                        <p:cTn id="26" dur="1" fill="hold">
+                                          <p:stCondLst>
+                                            <p:cond delay="0"/>
+                                          </p:stCondLst>
+                                        </p:cTn>
+                                        <p:tgtEl>
+                                          <p:spTgt spid="19"/>
+                                        </p:tgtEl>
+                                        <p:attrNameLst>
+                                          <p:attrName>style.visibility</p:attrName>
+                                        </p:attrNameLst>
+                                      </p:cBhvr>
+                                      <p:to>
+                                        <p:strVal val="hidden"/>
+                                      </p:to>
+                                    </p:set>
+                                  </p:childTnLst>
+                                </p:cTn>
+                              </p:par>
+                              <p:par>
+                                <p:cTn id="27" presetID="1" presetClass="entr" presetSubtype="0" fill="hold" grpId="0" nodeType="withEffect">
+                                  <p:stCondLst>
+                                    <p:cond delay="0"/>
+                                  </p:stCondLst>
+                                  <p:childTnLst>
+                                    <p:set>
+                                      <p:cBhvr>
+                                        <p:cTn id="28" dur="1" fill="hold">
+                                          <p:stCondLst>
+                                            <p:cond delay="0"/>
+                                          </p:stCondLst>
+                                        </p:cTn>
+                                        <p:tgtEl>
+                                          <p:spTgt spid="9"/>
+                                        </p:tgtEl>
+                                        <p:attrNameLst>
+                                          <p:attrName>style.visibility</p:attrName>
+                                        </p:attrNameLst>
+                                      </p:cBhvr>
+                                      <p:to>
+                                        <p:strVal val="visible"/>
+                                      </p:to>
+                                    </p:set>
+                                  </p:childTnLst>
+                                </p:cTn>
+                              </p:par>
+                            </p:childTnLst>
+                          </p:cTn>
+                        </p:par>
+                      </p:childTnLst>
+                    </p:cTn>
+                  </p:par>
+                  <p:par>
+                    <p:cTn id="29" fill="hold">
+                      <p:stCondLst>
+                        <p:cond delay="indefinite"/>
+                      </p:stCondLst>
+                      <p:childTnLst>
+                        <p:par>
+                          <p:cTn id="30" fill="hold">
+                            <p:stCondLst>
+                              <p:cond delay="0"/>
+                            </p:stCondLst>
+                            <p:childTnLst>
+                              <p:par>
+                                <p:cTn id="31" presetID="1" presetClass="entr" presetSubtype="0" fill="hold" grpId="0" nodeType="clickEffect">
+                                  <p:stCondLst>
+                                    <p:cond delay="0"/>
+                                  </p:stCondLst>
+                                  <p:childTnLst>
+                                    <p:set>
+                                      <p:cBhvr>
+                                        <p:cTn id="32" dur="1" fill="hold">
+                                          <p:stCondLst>
+                                            <p:cond delay="0"/>
+                                          </p:stCondLst>
+                                        </p:cTn>
+                                        <p:tgtEl>
+                                          <p:spTgt spid="15"/>
+                                        </p:tgtEl>
+                                        <p:attrNameLst>
+                                          <p:attrName>style.visibility</p:attrName>
+                                        </p:attrNameLst>
+                                      </p:cBhvr>
+                                      <p:to>
+                                        <p:strVal val="visible"/>
+                                      </p:to>
+                                    </p:set>
+                                  </p:childTnLst>
+                                </p:cTn>
+                              </p:par>
+                            </p:childTnLst>
+                          </p:cTn>
+                        </p:par>
+                      </p:childTnLst>
+                    </p:cTn>
+                  </p:par>
+                  <p:par>
+                    <p:cTn id="33" fill="hold">
+                      <p:stCondLst>
+                        <p:cond delay="indefinite"/>
+                      </p:stCondLst>
+                      <p:childTnLst>
+                        <p:par>
+                          <p:cTn id="34" fill="hold">
+                            <p:stCondLst>
+                              <p:cond delay="0"/>
+                            </p:stCondLst>
+                            <p:childTnLst>
+                              <p:par>
+                                <p:cTn id="35" presetID="1" presetClass="exit" presetSubtype="0" fill="hold" grpId="1" nodeType="clickEffect">
+                                  <p:stCondLst>
+                                    <p:cond delay="0"/>
+                                  </p:stCondLst>
+                                  <p:childTnLst>
+                                    <p:set>
+                                      <p:cBhvr>
+                                        <p:cTn id="36" dur="1" fill="hold">
+                                          <p:stCondLst>
+                                            <p:cond delay="0"/>
+                                          </p:stCondLst>
+                                        </p:cTn>
+                                        <p:tgtEl>
+                                          <p:spTgt spid="15"/>
+                                        </p:tgtEl>
+                                        <p:attrNameLst>
+                                          <p:attrName>style.visibility</p:attrName>
+                                        </p:attrNameLst>
+                                      </p:cBhvr>
+                                      <p:to>
+                                        <p:strVal val="hidden"/>
+                                      </p:to>
+                                    </p:set>
+                                  </p:childTnLst>
+                                </p:cTn>
+                              </p:par>
+                              <p:par>
+                                <p:cTn id="37" presetID="1" presetClass="entr" presetSubtype="0" fill="hold" grpId="0" nodeType="withEffect">
+                                  <p:stCondLst>
+                                    <p:cond delay="0"/>
+                                  </p:stCondLst>
+                                  <p:childTnLst>
+                                    <p:set>
+                                      <p:cBhvr>
+                                        <p:cTn id="38" dur="1" fill="hold">
+                                          <p:stCondLst>
+                                            <p:cond delay="0"/>
+                                          </p:stCondLst>
+                                        </p:cTn>
+                                        <p:tgtEl>
+                                          <p:spTgt spid="17"/>
+                                        </p:tgtEl>
+                                        <p:attrNameLst>
+                                          <p:attrName>style.visibility</p:attrName>
+                                        </p:attrNameLst>
+                                      </p:cBhvr>
+                                      <p:to>
+                                        <p:strVal val="visible"/>
+                                      </p:to>
+                                    </p:set>
+                                  </p:childTnLst>
+                                </p:cTn>
+                              </p:par>
+                              <p:par>
+                                <p:cTn id="39" presetID="1" presetClass="entr" presetSubtype="0" fill="hold" grpId="0" nodeType="withEffect">
+                                  <p:stCondLst>
+                                    <p:cond delay="0"/>
+                                  </p:stCondLst>
+                                  <p:childTnLst>
+                                    <p:set>
+                                      <p:cBhvr>
+                                        <p:cTn id="40" dur="1" fill="hold">
+                                          <p:stCondLst>
+                                            <p:cond delay="0"/>
+                                          </p:stCondLst>
+                                        </p:cTn>
+                                        <p:tgtEl>
+                                          <p:spTgt spid="8"/>
+                                        </p:tgtEl>
+                                        <p:attrNameLst>
+                                          <p:attrName>style.visibility</p:attrName>
+                                        </p:attrNameLst>
+                                      </p:cBhvr>
+                                      <p:to>
+                                        <p:strVal val="visible"/>
+                                      </p:to>
+                                    </p:set>
+                                  </p:childTnLst>
+                                </p:cTn>
+                              </p:par>
+                            </p:childTnLst>
+                          </p:cTn>
+                        </p:par>
+                      </p:childTnLst>
+                    </p:cTn>
+                  </p:par>
+                  <p:par>
+                    <p:cTn id="41" fill="hold">
+                      <p:stCondLst>
+                        <p:cond delay="indefinite"/>
+                      </p:stCondLst>
+                      <p:childTnLst>
+                        <p:par>
+                          <p:cTn id="42" fill="hold">
+                            <p:stCondLst>
+                              <p:cond delay="0"/>
+                            </p:stCondLst>
+                            <p:childTnLst>
+                              <p:par>
+                                <p:cTn id="43" presetID="1" presetClass="exit" presetSubtype="0" fill="hold" grpId="1" nodeType="clickEffect">
+                                  <p:stCondLst>
+                                    <p:cond delay="0"/>
+                                  </p:stCondLst>
+                                  <p:childTnLst>
+                                    <p:set>
+                                      <p:cBhvr>
+                                        <p:cTn id="44" dur="1" fill="hold">
+                                          <p:stCondLst>
+                                            <p:cond delay="0"/>
+                                          </p:stCondLst>
+                                        </p:cTn>
+                                        <p:tgtEl>
+                                          <p:spTgt spid="17"/>
+                                        </p:tgtEl>
+                                        <p:attrNameLst>
+                                          <p:attrName>style.visibility</p:attrName>
+                                        </p:attrNameLst>
+                                      </p:cBhvr>
+                                      <p:to>
+                                        <p:strVal val="hidden"/>
+                                      </p:to>
+                                    </p:set>
+                                  </p:childTnLst>
+                                </p:cTn>
+                              </p:par>
+                              <p:par>
+                                <p:cTn id="45" presetID="1" presetClass="entr" presetSubtype="0" fill="hold" grpId="2" nodeType="withEffect">
+                                  <p:stCondLst>
+                                    <p:cond delay="0"/>
+                                  </p:stCondLst>
+                                  <p:childTnLst>
+                                    <p:set>
+                                      <p:cBhvr>
+                                        <p:cTn id="46" dur="1" fill="hold">
+                                          <p:stCondLst>
+                                            <p:cond delay="0"/>
+                                          </p:stCondLst>
+                                        </p:cTn>
+                                        <p:tgtEl>
+                                          <p:spTgt spid="19"/>
+                                        </p:tgtEl>
+                                        <p:attrNameLst>
+                                          <p:attrName>style.visibility</p:attrName>
+                                        </p:attrNameLst>
+                                      </p:cBhvr>
+                                      <p:to>
+                                        <p:strVal val="visible"/>
+                                      </p:to>
+                                    </p:set>
+                                  </p:childTnLst>
+                                </p:cTn>
+                              </p:par>
+                            </p:childTnLst>
+                          </p:cTn>
+                        </p:par>
+                      </p:childTnLst>
+                    </p:cTn>
+                  </p:par>
+                  <p:par>
+                    <p:cTn id="47" fill="hold">
+                      <p:stCondLst>
+                        <p:cond delay="indefinite"/>
+                      </p:stCondLst>
+                      <p:childTnLst>
+                        <p:par>
+                          <p:cTn id="48" fill="hold">
+                            <p:stCondLst>
+                              <p:cond delay="0"/>
+                            </p:stCondLst>
+                            <p:childTnLst>
+                              <p:par>
+                                <p:cTn id="49" presetID="1" presetClass="exit" presetSubtype="0" fill="hold" grpId="3" nodeType="clickEffect">
+                                  <p:stCondLst>
+                                    <p:cond delay="0"/>
+                                  </p:stCondLst>
+                                  <p:childTnLst>
+                                    <p:set>
+                                      <p:cBhvr>
+                                        <p:cTn id="50" dur="1" fill="hold">
+                                          <p:stCondLst>
+                                            <p:cond delay="0"/>
+                                          </p:stCondLst>
+                                        </p:cTn>
+                                        <p:tgtEl>
+                                          <p:spTgt spid="19"/>
+                                        </p:tgtEl>
+                                        <p:attrNameLst>
+                                          <p:attrName>style.visibility</p:attrName>
+                                        </p:attrNameLst>
+                                      </p:cBhvr>
+                                      <p:to>
+                                        <p:strVal val="hidden"/>
+                                      </p:to>
+                                    </p:set>
+                                  </p:childTnLst>
+                                </p:cTn>
+                              </p:par>
+                              <p:par>
+                                <p:cTn id="51" presetID="1" presetClass="exit" presetSubtype="0" fill="hold" grpId="1" nodeType="withEffect">
+                                  <p:stCondLst>
+                                    <p:cond delay="0"/>
+                                  </p:stCondLst>
+                                  <p:childTnLst>
+                                    <p:set>
+                                      <p:cBhvr>
+                                        <p:cTn id="52" dur="1" fill="hold">
+                                          <p:stCondLst>
+                                            <p:cond delay="0"/>
+                                          </p:stCondLst>
+                                        </p:cTn>
+                                        <p:tgtEl>
+                                          <p:spTgt spid="8"/>
+                                        </p:tgtEl>
+                                        <p:attrNameLst>
+                                          <p:attrName>style.visibility</p:attrName>
+                                        </p:attrNameLst>
+                                      </p:cBhvr>
+                                      <p:to>
+                                        <p:strVal val="hidden"/>
+                                      </p:to>
+                                    </p:set>
+                                  </p:childTnLst>
+                                </p:cTn>
+                              </p:par>
+                              <p:par>
+                                <p:cTn id="53" presetID="1" presetClass="entr" presetSubtype="0" fill="hold" grpId="0" nodeType="withEffect">
+                                  <p:stCondLst>
+                                    <p:cond delay="0"/>
+                                  </p:stCondLst>
+                                  <p:childTnLst>
+                                    <p:set>
+                                      <p:cBhvr>
+                                        <p:cTn id="54" dur="1" fill="hold">
+                                          <p:stCondLst>
+                                            <p:cond delay="0"/>
+                                          </p:stCondLst>
+                                        </p:cTn>
+                                        <p:tgtEl>
+                                          <p:spTgt spid="18"/>
+                                        </p:tgtEl>
+                                        <p:attrNameLst>
+                                          <p:attrName>style.visibility</p:attrName>
+                                        </p:attrNameLst>
+                                      </p:cBhvr>
+                                      <p:to>
+                                        <p:strVal val="visible"/>
+                                      </p:to>
+                                    </p:set>
+                                  </p:childTnLst>
+                                </p:cTn>
+                              </p:par>
+                            </p:childTnLst>
+                          </p:cTn>
+                        </p:par>
+                      </p:childTnLst>
+                    </p:cTn>
+                  </p:par>
+                  <p:par>
+                    <p:cTn id="55" fill="hold">
+                      <p:stCondLst>
+                        <p:cond delay="indefinite"/>
+                      </p:stCondLst>
+                      <p:childTnLst>
+                        <p:par>
+                          <p:cTn id="56" fill="hold">
+                            <p:stCondLst>
+                              <p:cond delay="0"/>
+                            </p:stCondLst>
+                            <p:childTnLst>
+                              <p:par>
+                                <p:cTn id="57" presetID="10" presetClass="exit" presetSubtype="0" fill="hold" grpId="0" nodeType="clickEffect">
+                                  <p:stCondLst>
+                                    <p:cond delay="0"/>
+                                  </p:stCondLst>
+                                  <p:childTnLst>
+                                    <p:animEffect transition="out" filter="fade">
+                                      <p:cBhvr>
+                                        <p:cTn id="58" dur="500"/>
+                                        <p:tgtEl>
+                                          <p:spTgt spid="5"/>
+                                        </p:tgtEl>
+                                      </p:cBhvr>
+                                    </p:animEffect>
+                                    <p:set>
+                                      <p:cBhvr>
+                                        <p:cTn id="59" dur="1" fill="hold">
+                                          <p:stCondLst>
+                                            <p:cond delay="499"/>
+                                          </p:stCondLst>
+                                        </p:cTn>
+                                        <p:tgtEl>
+                                          <p:spTgt spid="5"/>
+                                        </p:tgtEl>
+                                        <p:attrNameLst>
+                                          <p:attrName>style.visibility</p:attrName>
+                                        </p:attrNameLst>
+                                      </p:cBhvr>
+                                      <p:to>
+                                        <p:strVal val="hidden"/>
+                                      </p:to>
+                                    </p:set>
+                                  </p:childTnLst>
+                                </p:cTn>
+                              </p:par>
+                              <p:par>
+                                <p:cTn id="60" presetID="10" presetClass="entr" presetSubtype="0" fill="hold" grpId="0" nodeType="withEffect">
+                                  <p:stCondLst>
+                                    <p:cond delay="0"/>
+                                  </p:stCondLst>
+                                  <p:childTnLst>
+                                    <p:set>
+                                      <p:cBhvr>
+                                        <p:cTn id="61" dur="1" fill="hold">
+                                          <p:stCondLst>
+                                            <p:cond delay="0"/>
+                                          </p:stCondLst>
+                                        </p:cTn>
+                                        <p:tgtEl>
+                                          <p:spTgt spid="21"/>
+                                        </p:tgtEl>
+                                        <p:attrNameLst>
+                                          <p:attrName>style.visibility</p:attrName>
+                                        </p:attrNameLst>
+                                      </p:cBhvr>
+                                      <p:to>
+                                        <p:strVal val="visible"/>
+                                      </p:to>
+                                    </p:set>
+                                    <p:animEffect transition="in" filter="fade">
+                                      <p:cBhvr>
+                                        <p:cTn id="62" dur="500"/>
+                                        <p:tgtEl>
+                                          <p:spTgt spid="21"/>
+                                        </p:tgtEl>
+                                      </p:cBhvr>
+                                    </p:animEffect>
+                                  </p:childTnLst>
+                                </p:cTn>
+                              </p:par>
+                            </p:childTnLst>
+                          </p:cTn>
+                        </p:par>
+                      </p:childTnLst>
+                    </p:cTn>
+                  </p:par>
+                </p:childTnLst>
+              </p:cTn>
+              <p:prevCondLst>
+                <p:cond evt="onPrev" delay="0">
+                  <p:tgtEl>
+                    <p:sldTgt/>
+                  </p:tgtEl>
+                </p:cond>
+              </p:prevCondLst>
+              <p:nextCondLst>
+                <p:cond evt="onNext" delay="0">
+                  <p:tgtEl>
+                    <p:sldTgt/>
+                  </p:tgtEl>
+                </p:cond>
+              </p:nextCondLst>
+            </p:seq>
+          </p:childTnLst>
+        </p:cTn>
+      </p:par>
+    </p:tnLst>
+    <p:bldLst>
+      <p:bldP spid="5" grpId="0" animBg="1"/>
+      <p:bldP spid="7" grpId="0" animBg="1"/>
+      <p:bldP spid="7" grpId="1" animBg="1"/>
+      <p:bldP spid="8" grpId="0" animBg="1"/>
+      <p:bldP spid="8" grpId="1" animBg="1"/>
+      <p:bldP spid="9" grpId="0" animBg="1"/>
+      <p:bldP spid="14" grpId="0" animBg="1"/>
+      <p:bldP spid="14" grpId="1" animBg="1"/>
+      <p:bldP spid="15" grpId="0" animBg="1"/>
+      <p:bldP spid="15" grpId="1" animBg="1"/>
+      <p:bldP spid="16" grpId="0" animBg="1"/>
+      <p:bldP spid="16" grpId="1" animBg="1"/>
+      <p:bldP spid="17" grpId="0" animBg="1"/>
+      <p:bldP spid="17" grpId="1" animBg="1"/>
+      <p:bldP spid="18" grpId="0" animBg="1"/>
+      <p:bldP spid="21" grpId="0" animBg="1"/>
+      <p:bldP spid="19" grpId="0" animBg="1"/>
+      <p:bldP spid="19" grpId="1" animBg="1"/>
+      <p:bldP spid="19" grpId="2" animBg="1"/>
+      <p:bldP spid="19" grpId="3" animBg="1"/>
+    </p:bldLst>
+  </p:timing>
 </p:sld>
 </file>
 
@@ -3804,7 +6728,7 @@
           <p:cNvPr id="2" name="Title 1">
             <a:extLst>
               <a:ext uri="{FF2B5EF4-FFF2-40B4-BE49-F238E27FC236}">
-                <a16:creationId xmlns:a16="http://schemas.microsoft.com/office/drawing/2014/main" id="{A1794EBB-F0E7-4F82-B3D5-95C4654C00DC}"/>
+                <a16:creationId xmlns:a16="http://schemas.microsoft.com/office/drawing/2014/main" id="{D9EC165F-ACC2-4E74-AD68-984B43F5522C}"/>
               </a:ext>
             </a:extLst>
           </p:cNvPr>
@@ -3815,7 +6739,12 @@
             <p:ph type="title"/>
           </p:nvPr>
         </p:nvSpPr>
-        <p:spPr/>
+        <p:spPr>
+          <a:xfrm>
+            <a:off x="2610195" y="512749"/>
+            <a:ext cx="9134392" cy="636559"/>
+          </a:xfrm>
+        </p:spPr>
         <p:txBody>
           <a:bodyPr>
             <a:normAutofit fontScale="90000"/>
@@ -3824,7 +6753,7 @@
           <a:p>
             <a:r>
               <a:rPr lang="en-US" dirty="0"/>
-              <a:t>DI in Umbraco 8</a:t>
+              <a:t>DI and Inversion Of Control containers (IOC)</a:t>
             </a:r>
             <a:endParaRPr lang="nl-BE" dirty="0"/>
           </a:p>
@@ -3835,7 +6764,7 @@
           <p:cNvPr id="3" name="Content Placeholder 2">
             <a:extLst>
               <a:ext uri="{FF2B5EF4-FFF2-40B4-BE49-F238E27FC236}">
-                <a16:creationId xmlns:a16="http://schemas.microsoft.com/office/drawing/2014/main" id="{20B8399C-30A7-4950-B55B-11E45F8A0621}"/>
+                <a16:creationId xmlns:a16="http://schemas.microsoft.com/office/drawing/2014/main" id="{AB274DF0-3CA1-45BD-B8AF-C79B08964714}"/>
               </a:ext>
             </a:extLst>
           </p:cNvPr>
@@ -3853,27 +6782,28 @@
           <a:p>
             <a:r>
               <a:rPr lang="en-US" dirty="0"/>
-              <a:t>Register implementations into Umbraco</a:t>
+              <a:t>Optional tool</a:t>
             </a:r>
           </a:p>
           <a:p>
             <a:r>
               <a:rPr lang="en-US" dirty="0"/>
-              <a:t>Requesting dependencies in Umbraco</a:t>
-            </a:r>
-          </a:p>
-          <a:p>
-            <a:r>
-              <a:rPr lang="nl-BE" dirty="0"/>
-              <a:t>A demo!</a:t>
-            </a:r>
+              <a:t>Central place to manage the creation of your dependencies</a:t>
+            </a:r>
+          </a:p>
+          <a:p>
+            <a:r>
+              <a:rPr lang="en-US" dirty="0"/>
+              <a:t>Umbraco 8 and mvc.net core have it baked in</a:t>
+            </a:r>
+            <a:endParaRPr lang="nl-BE" dirty="0"/>
           </a:p>
         </p:txBody>
       </p:sp>
     </p:spTree>
     <p:extLst>
       <p:ext uri="{BB962C8B-B14F-4D97-AF65-F5344CB8AC3E}">
-        <p14:creationId xmlns:p14="http://schemas.microsoft.com/office/powerpoint/2010/main" val="3460799248"/>
+        <p14:creationId xmlns:p14="http://schemas.microsoft.com/office/powerpoint/2010/main" val="3804878652"/>
       </p:ext>
     </p:extLst>
   </p:cSld>
@@ -3905,6 +6835,107 @@
           <p:cNvPr id="2" name="Title 1">
             <a:extLst>
               <a:ext uri="{FF2B5EF4-FFF2-40B4-BE49-F238E27FC236}">
+                <a16:creationId xmlns:a16="http://schemas.microsoft.com/office/drawing/2014/main" id="{A1794EBB-F0E7-4F82-B3D5-95C4654C00DC}"/>
+              </a:ext>
+            </a:extLst>
+          </p:cNvPr>
+          <p:cNvSpPr>
+            <a:spLocks noGrp="1"/>
+          </p:cNvSpPr>
+          <p:nvPr>
+            <p:ph type="title"/>
+          </p:nvPr>
+        </p:nvSpPr>
+        <p:spPr/>
+        <p:txBody>
+          <a:bodyPr>
+            <a:normAutofit fontScale="90000"/>
+          </a:bodyPr>
+          <a:lstStyle/>
+          <a:p>
+            <a:r>
+              <a:rPr lang="en-US" dirty="0"/>
+              <a:t>DI in Umbraco 8</a:t>
+            </a:r>
+            <a:endParaRPr lang="nl-BE" dirty="0"/>
+          </a:p>
+        </p:txBody>
+      </p:sp>
+      <p:sp>
+        <p:nvSpPr>
+          <p:cNvPr id="3" name="Content Placeholder 2">
+            <a:extLst>
+              <a:ext uri="{FF2B5EF4-FFF2-40B4-BE49-F238E27FC236}">
+                <a16:creationId xmlns:a16="http://schemas.microsoft.com/office/drawing/2014/main" id="{20B8399C-30A7-4950-B55B-11E45F8A0621}"/>
+              </a:ext>
+            </a:extLst>
+          </p:cNvPr>
+          <p:cNvSpPr>
+            <a:spLocks noGrp="1"/>
+          </p:cNvSpPr>
+          <p:nvPr>
+            <p:ph idx="1"/>
+          </p:nvPr>
+        </p:nvSpPr>
+        <p:spPr/>
+        <p:txBody>
+          <a:bodyPr/>
+          <a:lstStyle/>
+          <a:p>
+            <a:r>
+              <a:rPr lang="en-US" dirty="0"/>
+              <a:t>Register implementations into Umbraco</a:t>
+            </a:r>
+          </a:p>
+          <a:p>
+            <a:r>
+              <a:rPr lang="en-US" dirty="0"/>
+              <a:t>Requesting dependencies in Umbraco</a:t>
+            </a:r>
+          </a:p>
+          <a:p>
+            <a:r>
+              <a:rPr lang="nl-BE" dirty="0"/>
+              <a:t>A demo!</a:t>
+            </a:r>
+          </a:p>
+        </p:txBody>
+      </p:sp>
+    </p:spTree>
+    <p:extLst>
+      <p:ext uri="{BB962C8B-B14F-4D97-AF65-F5344CB8AC3E}">
+        <p14:creationId xmlns:p14="http://schemas.microsoft.com/office/powerpoint/2010/main" val="3460799248"/>
+      </p:ext>
+    </p:extLst>
+  </p:cSld>
+  <p:clrMapOvr>
+    <a:masterClrMapping/>
+  </p:clrMapOvr>
+</p:sld>
+</file>
+
+<file path=ppt/slides/slide7.xml><?xml version="1.0" encoding="utf-8"?>
+<p:sld xmlns:a="http://schemas.openxmlformats.org/drawingml/2006/main" xmlns:r="http://schemas.openxmlformats.org/officeDocument/2006/relationships" xmlns:p="http://schemas.openxmlformats.org/presentationml/2006/main">
+  <p:cSld>
+    <p:spTree>
+      <p:nvGrpSpPr>
+        <p:cNvPr id="1" name=""/>
+        <p:cNvGrpSpPr/>
+        <p:nvPr/>
+      </p:nvGrpSpPr>
+      <p:grpSpPr>
+        <a:xfrm>
+          <a:off x="0" y="0"/>
+          <a:ext cx="0" cy="0"/>
+          <a:chOff x="0" y="0"/>
+          <a:chExt cx="0" cy="0"/>
+        </a:xfrm>
+      </p:grpSpPr>
+      <p:sp>
+        <p:nvSpPr>
+          <p:cNvPr id="2" name="Title 1">
+            <a:extLst>
+              <a:ext uri="{FF2B5EF4-FFF2-40B4-BE49-F238E27FC236}">
                 <a16:creationId xmlns:a16="http://schemas.microsoft.com/office/drawing/2014/main" id="{4EE80496-1F3C-4AA7-ABB5-106A7D407F8F}"/>
               </a:ext>
             </a:extLst>
@@ -4075,7 +7106,7 @@
 </p:sld>
 </file>
 
-<file path=ppt/slides/slide7.xml><?xml version="1.0" encoding="utf-8"?>
+<file path=ppt/slides/slide8.xml><?xml version="1.0" encoding="utf-8"?>
 <p:sld xmlns:a="http://schemas.openxmlformats.org/drawingml/2006/main" xmlns:r="http://schemas.openxmlformats.org/officeDocument/2006/relationships" xmlns:p="http://schemas.openxmlformats.org/presentationml/2006/main">
   <p:cSld>
     <p:spTree>

--- a/Introduction to Dependency injection.pptx
+++ b/Introduction to Dependency injection.pptx
@@ -4,15 +4,19 @@
   <p:sldMasterIdLst>
     <p:sldMasterId id="2147483648" r:id="rId1"/>
   </p:sldMasterIdLst>
+  <p:notesMasterIdLst>
+    <p:notesMasterId r:id="rId11"/>
+  </p:notesMasterIdLst>
   <p:sldIdLst>
     <p:sldId id="257" r:id="rId2"/>
     <p:sldId id="258" r:id="rId3"/>
     <p:sldId id="265" r:id="rId4"/>
     <p:sldId id="264" r:id="rId5"/>
     <p:sldId id="260" r:id="rId6"/>
-    <p:sldId id="261" r:id="rId7"/>
-    <p:sldId id="262" r:id="rId8"/>
-    <p:sldId id="263" r:id="rId9"/>
+    <p:sldId id="266" r:id="rId7"/>
+    <p:sldId id="261" r:id="rId8"/>
+    <p:sldId id="262" r:id="rId9"/>
+    <p:sldId id="263" r:id="rId10"/>
   </p:sldIdLst>
   <p:sldSz cx="12192000" cy="6858000"/>
   <p:notesSz cx="6858000" cy="9144000"/>
@@ -117,6 +121,917 @@
     </p:ext>
   </p:extLst>
 </p:presentation>
+</file>
+
+<file path=ppt/notesMasters/notesMaster1.xml><?xml version="1.0" encoding="utf-8"?>
+<p:notesMaster xmlns:a="http://schemas.openxmlformats.org/drawingml/2006/main" xmlns:r="http://schemas.openxmlformats.org/officeDocument/2006/relationships" xmlns:p="http://schemas.openxmlformats.org/presentationml/2006/main">
+  <p:cSld>
+    <p:bg>
+      <p:bgRef idx="1001">
+        <a:schemeClr val="bg1"/>
+      </p:bgRef>
+    </p:bg>
+    <p:spTree>
+      <p:nvGrpSpPr>
+        <p:cNvPr id="1" name=""/>
+        <p:cNvGrpSpPr/>
+        <p:nvPr/>
+      </p:nvGrpSpPr>
+      <p:grpSpPr>
+        <a:xfrm>
+          <a:off x="0" y="0"/>
+          <a:ext cx="0" cy="0"/>
+          <a:chOff x="0" y="0"/>
+          <a:chExt cx="0" cy="0"/>
+        </a:xfrm>
+      </p:grpSpPr>
+      <p:sp>
+        <p:nvSpPr>
+          <p:cNvPr id="2" name="Header Placeholder 1"/>
+          <p:cNvSpPr>
+            <a:spLocks noGrp="1"/>
+          </p:cNvSpPr>
+          <p:nvPr>
+            <p:ph type="hdr" sz="quarter"/>
+          </p:nvPr>
+        </p:nvSpPr>
+        <p:spPr>
+          <a:xfrm>
+            <a:off x="0" y="0"/>
+            <a:ext cx="2971800" cy="458788"/>
+          </a:xfrm>
+          <a:prstGeom prst="rect">
+            <a:avLst/>
+          </a:prstGeom>
+        </p:spPr>
+        <p:txBody>
+          <a:bodyPr vert="horz" lIns="91440" tIns="45720" rIns="91440" bIns="45720" rtlCol="0"/>
+          <a:lstStyle>
+            <a:lvl1pPr algn="l">
+              <a:defRPr sz="1200"/>
+            </a:lvl1pPr>
+          </a:lstStyle>
+          <a:p>
+            <a:endParaRPr lang="nl-BE"/>
+          </a:p>
+        </p:txBody>
+      </p:sp>
+      <p:sp>
+        <p:nvSpPr>
+          <p:cNvPr id="3" name="Date Placeholder 2"/>
+          <p:cNvSpPr>
+            <a:spLocks noGrp="1"/>
+          </p:cNvSpPr>
+          <p:nvPr>
+            <p:ph type="dt" idx="1"/>
+          </p:nvPr>
+        </p:nvSpPr>
+        <p:spPr>
+          <a:xfrm>
+            <a:off x="3884613" y="0"/>
+            <a:ext cx="2971800" cy="458788"/>
+          </a:xfrm>
+          <a:prstGeom prst="rect">
+            <a:avLst/>
+          </a:prstGeom>
+        </p:spPr>
+        <p:txBody>
+          <a:bodyPr vert="horz" lIns="91440" tIns="45720" rIns="91440" bIns="45720" rtlCol="0"/>
+          <a:lstStyle>
+            <a:lvl1pPr algn="r">
+              <a:defRPr sz="1200"/>
+            </a:lvl1pPr>
+          </a:lstStyle>
+          <a:p>
+            <a:fld id="{3CF3118F-4CDE-47A0-A229-5E0F37F3687F}" type="datetimeFigureOut">
+              <a:rPr lang="nl-BE" smtClean="0"/>
+              <a:t>30/05/2020</a:t>
+            </a:fld>
+            <a:endParaRPr lang="nl-BE"/>
+          </a:p>
+        </p:txBody>
+      </p:sp>
+      <p:sp>
+        <p:nvSpPr>
+          <p:cNvPr id="4" name="Slide Image Placeholder 3"/>
+          <p:cNvSpPr>
+            <a:spLocks noGrp="1" noRot="1" noChangeAspect="1"/>
+          </p:cNvSpPr>
+          <p:nvPr>
+            <p:ph type="sldImg" idx="2"/>
+          </p:nvPr>
+        </p:nvSpPr>
+        <p:spPr>
+          <a:xfrm>
+            <a:off x="685800" y="1143000"/>
+            <a:ext cx="5486400" cy="3086100"/>
+          </a:xfrm>
+          <a:prstGeom prst="rect">
+            <a:avLst/>
+          </a:prstGeom>
+          <a:noFill/>
+          <a:ln w="12700">
+            <a:solidFill>
+              <a:prstClr val="black"/>
+            </a:solidFill>
+          </a:ln>
+        </p:spPr>
+        <p:txBody>
+          <a:bodyPr vert="horz" lIns="91440" tIns="45720" rIns="91440" bIns="45720" rtlCol="0" anchor="ctr"/>
+          <a:lstStyle/>
+          <a:p>
+            <a:endParaRPr lang="nl-BE"/>
+          </a:p>
+        </p:txBody>
+      </p:sp>
+      <p:sp>
+        <p:nvSpPr>
+          <p:cNvPr id="5" name="Notes Placeholder 4"/>
+          <p:cNvSpPr>
+            <a:spLocks noGrp="1"/>
+          </p:cNvSpPr>
+          <p:nvPr>
+            <p:ph type="body" sz="quarter" idx="3"/>
+          </p:nvPr>
+        </p:nvSpPr>
+        <p:spPr>
+          <a:xfrm>
+            <a:off x="685800" y="4400550"/>
+            <a:ext cx="5486400" cy="3600450"/>
+          </a:xfrm>
+          <a:prstGeom prst="rect">
+            <a:avLst/>
+          </a:prstGeom>
+        </p:spPr>
+        <p:txBody>
+          <a:bodyPr vert="horz" lIns="91440" tIns="45720" rIns="91440" bIns="45720" rtlCol="0"/>
+          <a:lstStyle/>
+          <a:p>
+            <a:pPr lvl="0"/>
+            <a:r>
+              <a:rPr lang="en-US"/>
+              <a:t>Click to edit Master text styles</a:t>
+            </a:r>
+          </a:p>
+          <a:p>
+            <a:pPr lvl="1"/>
+            <a:r>
+              <a:rPr lang="en-US"/>
+              <a:t>Second level</a:t>
+            </a:r>
+          </a:p>
+          <a:p>
+            <a:pPr lvl="2"/>
+            <a:r>
+              <a:rPr lang="en-US"/>
+              <a:t>Third level</a:t>
+            </a:r>
+          </a:p>
+          <a:p>
+            <a:pPr lvl="3"/>
+            <a:r>
+              <a:rPr lang="en-US"/>
+              <a:t>Fourth level</a:t>
+            </a:r>
+          </a:p>
+          <a:p>
+            <a:pPr lvl="4"/>
+            <a:r>
+              <a:rPr lang="en-US"/>
+              <a:t>Fifth level</a:t>
+            </a:r>
+            <a:endParaRPr lang="nl-BE"/>
+          </a:p>
+        </p:txBody>
+      </p:sp>
+      <p:sp>
+        <p:nvSpPr>
+          <p:cNvPr id="6" name="Footer Placeholder 5"/>
+          <p:cNvSpPr>
+            <a:spLocks noGrp="1"/>
+          </p:cNvSpPr>
+          <p:nvPr>
+            <p:ph type="ftr" sz="quarter" idx="4"/>
+          </p:nvPr>
+        </p:nvSpPr>
+        <p:spPr>
+          <a:xfrm>
+            <a:off x="0" y="8685213"/>
+            <a:ext cx="2971800" cy="458787"/>
+          </a:xfrm>
+          <a:prstGeom prst="rect">
+            <a:avLst/>
+          </a:prstGeom>
+        </p:spPr>
+        <p:txBody>
+          <a:bodyPr vert="horz" lIns="91440" tIns="45720" rIns="91440" bIns="45720" rtlCol="0" anchor="b"/>
+          <a:lstStyle>
+            <a:lvl1pPr algn="l">
+              <a:defRPr sz="1200"/>
+            </a:lvl1pPr>
+          </a:lstStyle>
+          <a:p>
+            <a:endParaRPr lang="nl-BE"/>
+          </a:p>
+        </p:txBody>
+      </p:sp>
+      <p:sp>
+        <p:nvSpPr>
+          <p:cNvPr id="7" name="Slide Number Placeholder 6"/>
+          <p:cNvSpPr>
+            <a:spLocks noGrp="1"/>
+          </p:cNvSpPr>
+          <p:nvPr>
+            <p:ph type="sldNum" sz="quarter" idx="5"/>
+          </p:nvPr>
+        </p:nvSpPr>
+        <p:spPr>
+          <a:xfrm>
+            <a:off x="3884613" y="8685213"/>
+            <a:ext cx="2971800" cy="458787"/>
+          </a:xfrm>
+          <a:prstGeom prst="rect">
+            <a:avLst/>
+          </a:prstGeom>
+        </p:spPr>
+        <p:txBody>
+          <a:bodyPr vert="horz" lIns="91440" tIns="45720" rIns="91440" bIns="45720" rtlCol="0" anchor="b"/>
+          <a:lstStyle>
+            <a:lvl1pPr algn="r">
+              <a:defRPr sz="1200"/>
+            </a:lvl1pPr>
+          </a:lstStyle>
+          <a:p>
+            <a:fld id="{AA2C553F-A3E2-4401-AC73-236D0F7EA617}" type="slidenum">
+              <a:rPr lang="nl-BE" smtClean="0"/>
+              <a:t>‹#›</a:t>
+            </a:fld>
+            <a:endParaRPr lang="nl-BE"/>
+          </a:p>
+        </p:txBody>
+      </p:sp>
+    </p:spTree>
+    <p:extLst>
+      <p:ext uri="{BB962C8B-B14F-4D97-AF65-F5344CB8AC3E}">
+        <p14:creationId xmlns:p14="http://schemas.microsoft.com/office/powerpoint/2010/main" val="2491736422"/>
+      </p:ext>
+    </p:extLst>
+  </p:cSld>
+  <p:clrMap bg1="lt1" tx1="dk1" bg2="lt2" tx2="dk2" accent1="accent1" accent2="accent2" accent3="accent3" accent4="accent4" accent5="accent5" accent6="accent6" hlink="hlink" folHlink="folHlink"/>
+  <p:notesStyle>
+    <a:lvl1pPr marL="0" algn="l" defTabSz="914400" rtl="0" eaLnBrk="1" latinLnBrk="0" hangingPunct="1">
+      <a:defRPr sz="1200" kern="1200">
+        <a:solidFill>
+          <a:schemeClr val="tx1"/>
+        </a:solidFill>
+        <a:latin typeface="+mn-lt"/>
+        <a:ea typeface="+mn-ea"/>
+        <a:cs typeface="+mn-cs"/>
+      </a:defRPr>
+    </a:lvl1pPr>
+    <a:lvl2pPr marL="457200" algn="l" defTabSz="914400" rtl="0" eaLnBrk="1" latinLnBrk="0" hangingPunct="1">
+      <a:defRPr sz="1200" kern="1200">
+        <a:solidFill>
+          <a:schemeClr val="tx1"/>
+        </a:solidFill>
+        <a:latin typeface="+mn-lt"/>
+        <a:ea typeface="+mn-ea"/>
+        <a:cs typeface="+mn-cs"/>
+      </a:defRPr>
+    </a:lvl2pPr>
+    <a:lvl3pPr marL="914400" algn="l" defTabSz="914400" rtl="0" eaLnBrk="1" latinLnBrk="0" hangingPunct="1">
+      <a:defRPr sz="1200" kern="1200">
+        <a:solidFill>
+          <a:schemeClr val="tx1"/>
+        </a:solidFill>
+        <a:latin typeface="+mn-lt"/>
+        <a:ea typeface="+mn-ea"/>
+        <a:cs typeface="+mn-cs"/>
+      </a:defRPr>
+    </a:lvl3pPr>
+    <a:lvl4pPr marL="1371600" algn="l" defTabSz="914400" rtl="0" eaLnBrk="1" latinLnBrk="0" hangingPunct="1">
+      <a:defRPr sz="1200" kern="1200">
+        <a:solidFill>
+          <a:schemeClr val="tx1"/>
+        </a:solidFill>
+        <a:latin typeface="+mn-lt"/>
+        <a:ea typeface="+mn-ea"/>
+        <a:cs typeface="+mn-cs"/>
+      </a:defRPr>
+    </a:lvl4pPr>
+    <a:lvl5pPr marL="1828800" algn="l" defTabSz="914400" rtl="0" eaLnBrk="1" latinLnBrk="0" hangingPunct="1">
+      <a:defRPr sz="1200" kern="1200">
+        <a:solidFill>
+          <a:schemeClr val="tx1"/>
+        </a:solidFill>
+        <a:latin typeface="+mn-lt"/>
+        <a:ea typeface="+mn-ea"/>
+        <a:cs typeface="+mn-cs"/>
+      </a:defRPr>
+    </a:lvl5pPr>
+    <a:lvl6pPr marL="2286000" algn="l" defTabSz="914400" rtl="0" eaLnBrk="1" latinLnBrk="0" hangingPunct="1">
+      <a:defRPr sz="1200" kern="1200">
+        <a:solidFill>
+          <a:schemeClr val="tx1"/>
+        </a:solidFill>
+        <a:latin typeface="+mn-lt"/>
+        <a:ea typeface="+mn-ea"/>
+        <a:cs typeface="+mn-cs"/>
+      </a:defRPr>
+    </a:lvl6pPr>
+    <a:lvl7pPr marL="2743200" algn="l" defTabSz="914400" rtl="0" eaLnBrk="1" latinLnBrk="0" hangingPunct="1">
+      <a:defRPr sz="1200" kern="1200">
+        <a:solidFill>
+          <a:schemeClr val="tx1"/>
+        </a:solidFill>
+        <a:latin typeface="+mn-lt"/>
+        <a:ea typeface="+mn-ea"/>
+        <a:cs typeface="+mn-cs"/>
+      </a:defRPr>
+    </a:lvl7pPr>
+    <a:lvl8pPr marL="3200400" algn="l" defTabSz="914400" rtl="0" eaLnBrk="1" latinLnBrk="0" hangingPunct="1">
+      <a:defRPr sz="1200" kern="1200">
+        <a:solidFill>
+          <a:schemeClr val="tx1"/>
+        </a:solidFill>
+        <a:latin typeface="+mn-lt"/>
+        <a:ea typeface="+mn-ea"/>
+        <a:cs typeface="+mn-cs"/>
+      </a:defRPr>
+    </a:lvl8pPr>
+    <a:lvl9pPr marL="3657600" algn="l" defTabSz="914400" rtl="0" eaLnBrk="1" latinLnBrk="0" hangingPunct="1">
+      <a:defRPr sz="1200" kern="1200">
+        <a:solidFill>
+          <a:schemeClr val="tx1"/>
+        </a:solidFill>
+        <a:latin typeface="+mn-lt"/>
+        <a:ea typeface="+mn-ea"/>
+        <a:cs typeface="+mn-cs"/>
+      </a:defRPr>
+    </a:lvl9pPr>
+  </p:notesStyle>
+</p:notesMaster>
+</file>
+
+<file path=ppt/notesSlides/notesSlide1.xml><?xml version="1.0" encoding="utf-8"?>
+<p:notes xmlns:a="http://schemas.openxmlformats.org/drawingml/2006/main" xmlns:r="http://schemas.openxmlformats.org/officeDocument/2006/relationships" xmlns:p="http://schemas.openxmlformats.org/presentationml/2006/main">
+  <p:cSld>
+    <p:spTree>
+      <p:nvGrpSpPr>
+        <p:cNvPr id="1" name=""/>
+        <p:cNvGrpSpPr/>
+        <p:nvPr/>
+      </p:nvGrpSpPr>
+      <p:grpSpPr>
+        <a:xfrm>
+          <a:off x="0" y="0"/>
+          <a:ext cx="0" cy="0"/>
+          <a:chOff x="0" y="0"/>
+          <a:chExt cx="0" cy="0"/>
+        </a:xfrm>
+      </p:grpSpPr>
+      <p:sp>
+        <p:nvSpPr>
+          <p:cNvPr id="2" name="Slide Image Placeholder 1"/>
+          <p:cNvSpPr>
+            <a:spLocks noGrp="1" noRot="1" noChangeAspect="1"/>
+          </p:cNvSpPr>
+          <p:nvPr>
+            <p:ph type="sldImg"/>
+          </p:nvPr>
+        </p:nvSpPr>
+        <p:spPr/>
+      </p:sp>
+      <p:sp>
+        <p:nvSpPr>
+          <p:cNvPr id="3" name="Notes Placeholder 2"/>
+          <p:cNvSpPr>
+            <a:spLocks noGrp="1"/>
+          </p:cNvSpPr>
+          <p:nvPr>
+            <p:ph type="body" idx="1"/>
+          </p:nvPr>
+        </p:nvSpPr>
+        <p:spPr/>
+        <p:txBody>
+          <a:bodyPr/>
+          <a:lstStyle/>
+          <a:p>
+            <a:r>
+              <a:rPr lang="en-US" sz="1200" kern="1200" dirty="0">
+                <a:solidFill>
+                  <a:schemeClr val="tx1"/>
+                </a:solidFill>
+                <a:effectLst/>
+                <a:latin typeface="+mn-lt"/>
+                <a:ea typeface="+mn-ea"/>
+                <a:cs typeface="+mn-cs"/>
+              </a:rPr>
+              <a:t>In my own words, Dependency injection is a software technique/pattern that supplies an object with every other object it needs (depends on) to execute its own logic. </a:t>
+            </a:r>
+            <a:endParaRPr lang="nl-BE" sz="1200" kern="1200" dirty="0">
+              <a:solidFill>
+                <a:schemeClr val="tx1"/>
+              </a:solidFill>
+              <a:effectLst/>
+              <a:latin typeface="+mn-lt"/>
+              <a:ea typeface="+mn-ea"/>
+              <a:cs typeface="+mn-cs"/>
+            </a:endParaRPr>
+          </a:p>
+          <a:p>
+            <a:r>
+              <a:rPr lang="en-US" sz="1200" kern="1200" dirty="0">
+                <a:solidFill>
+                  <a:schemeClr val="tx1"/>
+                </a:solidFill>
+                <a:effectLst/>
+                <a:latin typeface="+mn-lt"/>
+                <a:ea typeface="+mn-ea"/>
+                <a:cs typeface="+mn-cs"/>
+              </a:rPr>
+              <a:t>This helps with enforcing the “Single-responsibility principle” of SOLID and if used in conjunction with Interfaces, it also helps with enforcing the “Dependency inversion principle” of SOLID</a:t>
+            </a:r>
+            <a:endParaRPr lang="nl-BE" sz="1200" kern="1200" dirty="0">
+              <a:solidFill>
+                <a:schemeClr val="tx1"/>
+              </a:solidFill>
+              <a:effectLst/>
+              <a:latin typeface="+mn-lt"/>
+              <a:ea typeface="+mn-ea"/>
+              <a:cs typeface="+mn-cs"/>
+            </a:endParaRPr>
+          </a:p>
+          <a:p>
+            <a:r>
+              <a:rPr lang="en-US" sz="1200" kern="1200" dirty="0">
+                <a:solidFill>
+                  <a:schemeClr val="tx1"/>
+                </a:solidFill>
+                <a:effectLst/>
+                <a:latin typeface="+mn-lt"/>
+                <a:ea typeface="+mn-ea"/>
+                <a:cs typeface="+mn-cs"/>
+              </a:rPr>
+              <a:t>It can also help you keep your code DRY as you reduce the chance of duplicating the logic to instantiate the dependency objects.</a:t>
+            </a:r>
+            <a:endParaRPr lang="nl-BE" sz="1200" kern="1200" dirty="0">
+              <a:solidFill>
+                <a:schemeClr val="tx1"/>
+              </a:solidFill>
+              <a:effectLst/>
+              <a:latin typeface="+mn-lt"/>
+              <a:ea typeface="+mn-ea"/>
+              <a:cs typeface="+mn-cs"/>
+            </a:endParaRPr>
+          </a:p>
+        </p:txBody>
+      </p:sp>
+      <p:sp>
+        <p:nvSpPr>
+          <p:cNvPr id="4" name="Slide Number Placeholder 3"/>
+          <p:cNvSpPr>
+            <a:spLocks noGrp="1"/>
+          </p:cNvSpPr>
+          <p:nvPr>
+            <p:ph type="sldNum" sz="quarter" idx="5"/>
+          </p:nvPr>
+        </p:nvSpPr>
+        <p:spPr/>
+        <p:txBody>
+          <a:bodyPr/>
+          <a:lstStyle/>
+          <a:p>
+            <a:fld id="{AA2C553F-A3E2-4401-AC73-236D0F7EA617}" type="slidenum">
+              <a:rPr lang="nl-BE" smtClean="0"/>
+              <a:t>2</a:t>
+            </a:fld>
+            <a:endParaRPr lang="nl-BE"/>
+          </a:p>
+        </p:txBody>
+      </p:sp>
+    </p:spTree>
+    <p:extLst>
+      <p:ext uri="{BB962C8B-B14F-4D97-AF65-F5344CB8AC3E}">
+        <p14:creationId xmlns:p14="http://schemas.microsoft.com/office/powerpoint/2010/main" val="832406574"/>
+      </p:ext>
+    </p:extLst>
+  </p:cSld>
+  <p:clrMapOvr>
+    <a:masterClrMapping/>
+  </p:clrMapOvr>
+</p:notes>
+</file>
+
+<file path=ppt/notesSlides/notesSlide2.xml><?xml version="1.0" encoding="utf-8"?>
+<p:notes xmlns:a="http://schemas.openxmlformats.org/drawingml/2006/main" xmlns:r="http://schemas.openxmlformats.org/officeDocument/2006/relationships" xmlns:p="http://schemas.openxmlformats.org/presentationml/2006/main">
+  <p:cSld>
+    <p:spTree>
+      <p:nvGrpSpPr>
+        <p:cNvPr id="1" name=""/>
+        <p:cNvGrpSpPr/>
+        <p:nvPr/>
+      </p:nvGrpSpPr>
+      <p:grpSpPr>
+        <a:xfrm>
+          <a:off x="0" y="0"/>
+          <a:ext cx="0" cy="0"/>
+          <a:chOff x="0" y="0"/>
+          <a:chExt cx="0" cy="0"/>
+        </a:xfrm>
+      </p:grpSpPr>
+      <p:sp>
+        <p:nvSpPr>
+          <p:cNvPr id="2" name="Slide Image Placeholder 1"/>
+          <p:cNvSpPr>
+            <a:spLocks noGrp="1" noRot="1" noChangeAspect="1"/>
+          </p:cNvSpPr>
+          <p:nvPr>
+            <p:ph type="sldImg"/>
+          </p:nvPr>
+        </p:nvSpPr>
+        <p:spPr/>
+      </p:sp>
+      <p:sp>
+        <p:nvSpPr>
+          <p:cNvPr id="3" name="Notes Placeholder 2"/>
+          <p:cNvSpPr>
+            <a:spLocks noGrp="1"/>
+          </p:cNvSpPr>
+          <p:nvPr>
+            <p:ph type="body" idx="1"/>
+          </p:nvPr>
+        </p:nvSpPr>
+        <p:spPr/>
+        <p:txBody>
+          <a:bodyPr/>
+          <a:lstStyle/>
+          <a:p>
+            <a:pPr marL="0" marR="0" lvl="0" indent="0" algn="l" defTabSz="914400" rtl="0" eaLnBrk="1" fontAlgn="auto" latinLnBrk="0" hangingPunct="1">
+              <a:lnSpc>
+                <a:spcPct val="100000"/>
+              </a:lnSpc>
+              <a:spcBef>
+                <a:spcPts val="0"/>
+              </a:spcBef>
+              <a:spcAft>
+                <a:spcPts val="0"/>
+              </a:spcAft>
+              <a:buClrTx/>
+              <a:buSzTx/>
+              <a:buFontTx/>
+              <a:buNone/>
+              <a:tabLst/>
+              <a:defRPr/>
+            </a:pPr>
+            <a:r>
+              <a:rPr lang="en-US" sz="1200" kern="1200" dirty="0">
+                <a:solidFill>
+                  <a:schemeClr val="tx1"/>
+                </a:solidFill>
+                <a:effectLst/>
+                <a:latin typeface="+mn-lt"/>
+                <a:ea typeface="+mn-ea"/>
+                <a:cs typeface="+mn-cs"/>
+              </a:rPr>
+              <a:t>Inversion of Control containers are an optional tool that can be used by a framework (</a:t>
+            </a:r>
+            <a:r>
+              <a:rPr lang="en-US" sz="1200" kern="1200" dirty="0" err="1">
+                <a:solidFill>
+                  <a:schemeClr val="tx1"/>
+                </a:solidFill>
+                <a:effectLst/>
+                <a:latin typeface="+mn-lt"/>
+                <a:ea typeface="+mn-ea"/>
+                <a:cs typeface="+mn-cs"/>
+              </a:rPr>
+              <a:t>mvc</a:t>
+            </a:r>
+            <a:r>
+              <a:rPr lang="en-US" sz="1200" kern="1200" dirty="0">
+                <a:solidFill>
+                  <a:schemeClr val="tx1"/>
+                </a:solidFill>
+                <a:effectLst/>
+                <a:latin typeface="+mn-lt"/>
+                <a:ea typeface="+mn-ea"/>
+                <a:cs typeface="+mn-cs"/>
+              </a:rPr>
+              <a:t>, </a:t>
+            </a:r>
+            <a:r>
+              <a:rPr lang="en-US" sz="1200" kern="1200" dirty="0" err="1">
+                <a:solidFill>
+                  <a:schemeClr val="tx1"/>
+                </a:solidFill>
+                <a:effectLst/>
+                <a:latin typeface="+mn-lt"/>
+                <a:ea typeface="+mn-ea"/>
+                <a:cs typeface="+mn-cs"/>
+              </a:rPr>
+              <a:t>umbraco</a:t>
+            </a:r>
+            <a:r>
+              <a:rPr lang="en-US" sz="1200" kern="1200" dirty="0">
+                <a:solidFill>
+                  <a:schemeClr val="tx1"/>
+                </a:solidFill>
+                <a:effectLst/>
+                <a:latin typeface="+mn-lt"/>
+                <a:ea typeface="+mn-ea"/>
+                <a:cs typeface="+mn-cs"/>
+              </a:rPr>
+              <a:t>, …) to grab the implementation of a dependency and supply it to the objects defined by your custom code (controllers). Both the framework and the application that uses the framework can add implementations to the container to satisfy all dependencies in the application.</a:t>
+            </a:r>
+            <a:endParaRPr lang="nl-BE" sz="1200" kern="1200" dirty="0">
+              <a:solidFill>
+                <a:schemeClr val="tx1"/>
+              </a:solidFill>
+              <a:effectLst/>
+              <a:latin typeface="+mn-lt"/>
+              <a:ea typeface="+mn-ea"/>
+              <a:cs typeface="+mn-cs"/>
+            </a:endParaRPr>
+          </a:p>
+        </p:txBody>
+      </p:sp>
+      <p:sp>
+        <p:nvSpPr>
+          <p:cNvPr id="4" name="Slide Number Placeholder 3"/>
+          <p:cNvSpPr>
+            <a:spLocks noGrp="1"/>
+          </p:cNvSpPr>
+          <p:nvPr>
+            <p:ph type="sldNum" sz="quarter" idx="5"/>
+          </p:nvPr>
+        </p:nvSpPr>
+        <p:spPr/>
+        <p:txBody>
+          <a:bodyPr/>
+          <a:lstStyle/>
+          <a:p>
+            <a:fld id="{AA2C553F-A3E2-4401-AC73-236D0F7EA617}" type="slidenum">
+              <a:rPr lang="nl-BE" smtClean="0"/>
+              <a:t>5</a:t>
+            </a:fld>
+            <a:endParaRPr lang="nl-BE"/>
+          </a:p>
+        </p:txBody>
+      </p:sp>
+    </p:spTree>
+    <p:extLst>
+      <p:ext uri="{BB962C8B-B14F-4D97-AF65-F5344CB8AC3E}">
+        <p14:creationId xmlns:p14="http://schemas.microsoft.com/office/powerpoint/2010/main" val="2138981299"/>
+      </p:ext>
+    </p:extLst>
+  </p:cSld>
+  <p:clrMapOvr>
+    <a:masterClrMapping/>
+  </p:clrMapOvr>
+</p:notes>
+</file>
+
+<file path=ppt/notesSlides/notesSlide3.xml><?xml version="1.0" encoding="utf-8"?>
+<p:notes xmlns:a="http://schemas.openxmlformats.org/drawingml/2006/main" xmlns:r="http://schemas.openxmlformats.org/officeDocument/2006/relationships" xmlns:p="http://schemas.openxmlformats.org/presentationml/2006/main">
+  <p:cSld>
+    <p:spTree>
+      <p:nvGrpSpPr>
+        <p:cNvPr id="1" name=""/>
+        <p:cNvGrpSpPr/>
+        <p:nvPr/>
+      </p:nvGrpSpPr>
+      <p:grpSpPr>
+        <a:xfrm>
+          <a:off x="0" y="0"/>
+          <a:ext cx="0" cy="0"/>
+          <a:chOff x="0" y="0"/>
+          <a:chExt cx="0" cy="0"/>
+        </a:xfrm>
+      </p:grpSpPr>
+      <p:sp>
+        <p:nvSpPr>
+          <p:cNvPr id="2" name="Slide Image Placeholder 1"/>
+          <p:cNvSpPr>
+            <a:spLocks noGrp="1" noRot="1" noChangeAspect="1"/>
+          </p:cNvSpPr>
+          <p:nvPr>
+            <p:ph type="sldImg"/>
+          </p:nvPr>
+        </p:nvSpPr>
+        <p:spPr/>
+      </p:sp>
+      <p:sp>
+        <p:nvSpPr>
+          <p:cNvPr id="3" name="Notes Placeholder 2"/>
+          <p:cNvSpPr>
+            <a:spLocks noGrp="1"/>
+          </p:cNvSpPr>
+          <p:nvPr>
+            <p:ph type="body" idx="1"/>
+          </p:nvPr>
+        </p:nvSpPr>
+        <p:spPr/>
+        <p:txBody>
+          <a:bodyPr/>
+          <a:lstStyle/>
+          <a:p>
+            <a:pPr marL="0" marR="0" lvl="0" indent="0" algn="l" defTabSz="914400" rtl="0" eaLnBrk="1" fontAlgn="auto" latinLnBrk="0" hangingPunct="1">
+              <a:lnSpc>
+                <a:spcPct val="100000"/>
+              </a:lnSpc>
+              <a:spcBef>
+                <a:spcPts val="0"/>
+              </a:spcBef>
+              <a:spcAft>
+                <a:spcPts val="0"/>
+              </a:spcAft>
+              <a:buClrTx/>
+              <a:buSzTx/>
+              <a:buFontTx/>
+              <a:buNone/>
+              <a:tabLst/>
+              <a:defRPr/>
+            </a:pPr>
+            <a:r>
+              <a:rPr lang="en-US" sz="1200" kern="1200" dirty="0">
+                <a:solidFill>
+                  <a:schemeClr val="tx1"/>
+                </a:solidFill>
+                <a:effectLst/>
+                <a:latin typeface="+mn-lt"/>
+                <a:ea typeface="+mn-ea"/>
+                <a:cs typeface="+mn-cs"/>
+              </a:rPr>
+              <a:t>Usually registration into the IOC container is done somewhere in your app startup, however. Because we typically want to register things after Umbraco has registered its own implementations, Umbraco supplies the ability to trigger a registration in a component. So the steps we need to take are</a:t>
+            </a:r>
+            <a:endParaRPr lang="nl-BE" sz="1200" kern="1200" dirty="0">
+              <a:solidFill>
+                <a:schemeClr val="tx1"/>
+              </a:solidFill>
+              <a:effectLst/>
+              <a:latin typeface="+mn-lt"/>
+              <a:ea typeface="+mn-ea"/>
+              <a:cs typeface="+mn-cs"/>
+            </a:endParaRPr>
+          </a:p>
+        </p:txBody>
+      </p:sp>
+      <p:sp>
+        <p:nvSpPr>
+          <p:cNvPr id="4" name="Slide Number Placeholder 3"/>
+          <p:cNvSpPr>
+            <a:spLocks noGrp="1"/>
+          </p:cNvSpPr>
+          <p:nvPr>
+            <p:ph type="sldNum" sz="quarter" idx="5"/>
+          </p:nvPr>
+        </p:nvSpPr>
+        <p:spPr/>
+        <p:txBody>
+          <a:bodyPr/>
+          <a:lstStyle/>
+          <a:p>
+            <a:fld id="{AA2C553F-A3E2-4401-AC73-236D0F7EA617}" type="slidenum">
+              <a:rPr lang="nl-BE" smtClean="0"/>
+              <a:t>8</a:t>
+            </a:fld>
+            <a:endParaRPr lang="nl-BE"/>
+          </a:p>
+        </p:txBody>
+      </p:sp>
+    </p:spTree>
+    <p:extLst>
+      <p:ext uri="{BB962C8B-B14F-4D97-AF65-F5344CB8AC3E}">
+        <p14:creationId xmlns:p14="http://schemas.microsoft.com/office/powerpoint/2010/main" val="589064076"/>
+      </p:ext>
+    </p:extLst>
+  </p:cSld>
+  <p:clrMapOvr>
+    <a:masterClrMapping/>
+  </p:clrMapOvr>
+</p:notes>
+</file>
+
+<file path=ppt/notesSlides/notesSlide4.xml><?xml version="1.0" encoding="utf-8"?>
+<p:notes xmlns:a="http://schemas.openxmlformats.org/drawingml/2006/main" xmlns:r="http://schemas.openxmlformats.org/officeDocument/2006/relationships" xmlns:p="http://schemas.openxmlformats.org/presentationml/2006/main">
+  <p:cSld>
+    <p:spTree>
+      <p:nvGrpSpPr>
+        <p:cNvPr id="1" name=""/>
+        <p:cNvGrpSpPr/>
+        <p:nvPr/>
+      </p:nvGrpSpPr>
+      <p:grpSpPr>
+        <a:xfrm>
+          <a:off x="0" y="0"/>
+          <a:ext cx="0" cy="0"/>
+          <a:chOff x="0" y="0"/>
+          <a:chExt cx="0" cy="0"/>
+        </a:xfrm>
+      </p:grpSpPr>
+      <p:sp>
+        <p:nvSpPr>
+          <p:cNvPr id="2" name="Slide Image Placeholder 1"/>
+          <p:cNvSpPr>
+            <a:spLocks noGrp="1" noRot="1" noChangeAspect="1"/>
+          </p:cNvSpPr>
+          <p:nvPr>
+            <p:ph type="sldImg"/>
+          </p:nvPr>
+        </p:nvSpPr>
+        <p:spPr/>
+      </p:sp>
+      <p:sp>
+        <p:nvSpPr>
+          <p:cNvPr id="3" name="Notes Placeholder 2"/>
+          <p:cNvSpPr>
+            <a:spLocks noGrp="1"/>
+          </p:cNvSpPr>
+          <p:nvPr>
+            <p:ph type="body" idx="1"/>
+          </p:nvPr>
+        </p:nvSpPr>
+        <p:spPr/>
+        <p:txBody>
+          <a:bodyPr/>
+          <a:lstStyle/>
+          <a:p>
+            <a:pPr marL="0" marR="0" lvl="0" indent="0" algn="l" defTabSz="914400" rtl="0" eaLnBrk="1" fontAlgn="auto" latinLnBrk="0" hangingPunct="1">
+              <a:lnSpc>
+                <a:spcPct val="100000"/>
+              </a:lnSpc>
+              <a:spcBef>
+                <a:spcPts val="0"/>
+              </a:spcBef>
+              <a:spcAft>
+                <a:spcPts val="0"/>
+              </a:spcAft>
+              <a:buClrTx/>
+              <a:buSzTx/>
+              <a:buFontTx/>
+              <a:buNone/>
+              <a:tabLst/>
+              <a:defRPr/>
+            </a:pPr>
+            <a:r>
+              <a:rPr lang="en-US" sz="1200" kern="1200" dirty="0">
+                <a:solidFill>
+                  <a:schemeClr val="tx1"/>
+                </a:solidFill>
+                <a:effectLst/>
+                <a:latin typeface="+mn-lt"/>
+                <a:ea typeface="+mn-ea"/>
+                <a:cs typeface="+mn-cs"/>
+              </a:rPr>
+              <a:t>So, how do we request our dependencies in a controller? The easiest way is to use constructor injection, by defining the type and variable in the constructor. Umbraco will take it from there.</a:t>
+            </a:r>
+            <a:endParaRPr lang="nl-BE" sz="1200" kern="1200" dirty="0">
+              <a:solidFill>
+                <a:schemeClr val="tx1"/>
+              </a:solidFill>
+              <a:effectLst/>
+              <a:latin typeface="+mn-lt"/>
+              <a:ea typeface="+mn-ea"/>
+              <a:cs typeface="+mn-cs"/>
+            </a:endParaRPr>
+          </a:p>
+        </p:txBody>
+      </p:sp>
+      <p:sp>
+        <p:nvSpPr>
+          <p:cNvPr id="4" name="Slide Number Placeholder 3"/>
+          <p:cNvSpPr>
+            <a:spLocks noGrp="1"/>
+          </p:cNvSpPr>
+          <p:nvPr>
+            <p:ph type="sldNum" sz="quarter" idx="5"/>
+          </p:nvPr>
+        </p:nvSpPr>
+        <p:spPr/>
+        <p:txBody>
+          <a:bodyPr/>
+          <a:lstStyle/>
+          <a:p>
+            <a:fld id="{AA2C553F-A3E2-4401-AC73-236D0F7EA617}" type="slidenum">
+              <a:rPr lang="nl-BE" smtClean="0"/>
+              <a:t>9</a:t>
+            </a:fld>
+            <a:endParaRPr lang="nl-BE"/>
+          </a:p>
+        </p:txBody>
+      </p:sp>
+    </p:spTree>
+    <p:extLst>
+      <p:ext uri="{BB962C8B-B14F-4D97-AF65-F5344CB8AC3E}">
+        <p14:creationId xmlns:p14="http://schemas.microsoft.com/office/powerpoint/2010/main" val="62586006"/>
+      </p:ext>
+    </p:extLst>
+  </p:cSld>
+  <p:clrMapOvr>
+    <a:masterClrMapping/>
+  </p:clrMapOvr>
+</p:notes>
 </file>
 
 <file path=ppt/slideLayouts/slideLayout1.xml><?xml version="1.0" encoding="utf-8"?>
@@ -3456,13 +4371,6 @@
           <a:p>
             <a:r>
               <a:rPr lang="nl-BE" dirty="0" err="1"/>
-              <a:t>Advantages</a:t>
-            </a:r>
-            <a:endParaRPr lang="nl-BE" dirty="0"/>
-          </a:p>
-          <a:p>
-            <a:r>
-              <a:rPr lang="nl-BE" dirty="0" err="1"/>
               <a:t>What</a:t>
             </a:r>
             <a:r>
@@ -3475,11 +4383,11 @@
             </a:r>
             <a:r>
               <a:rPr lang="nl-BE" dirty="0"/>
-              <a:t> </a:t>
+              <a:t> to </a:t>
             </a:r>
             <a:r>
               <a:rPr lang="nl-BE" dirty="0" err="1"/>
-              <a:t>to</a:t>
+              <a:t>the</a:t>
             </a:r>
             <a:r>
               <a:rPr lang="nl-BE" dirty="0"/>
@@ -3487,15 +4395,14 @@
             </a:r>
             <a:r>
               <a:rPr lang="nl-BE" dirty="0" err="1"/>
-              <a:t>the</a:t>
-            </a:r>
-            <a:r>
-              <a:rPr lang="nl-BE" dirty="0"/>
-              <a:t> </a:t>
-            </a:r>
+              <a:t>table</a:t>
+            </a:r>
+            <a:endParaRPr lang="nl-BE" dirty="0"/>
+          </a:p>
+          <a:p>
             <a:r>
               <a:rPr lang="nl-BE" dirty="0" err="1"/>
-              <a:t>table</a:t>
+              <a:t>Advantages</a:t>
             </a:r>
             <a:endParaRPr lang="nl-BE" dirty="0"/>
           </a:p>
@@ -3584,12 +4491,8 @@
           <a:lstStyle/>
           <a:p>
             <a:r>
-              <a:rPr lang="en-US" dirty="0" err="1"/>
-              <a:t>Sofware</a:t>
-            </a:r>
-            <a:r>
               <a:rPr lang="en-US" dirty="0"/>
-              <a:t> pattern</a:t>
+              <a:t>Software pattern</a:t>
             </a:r>
           </a:p>
           <a:p>
@@ -6835,7 +7738,7 @@
           <p:cNvPr id="2" name="Title 1">
             <a:extLst>
               <a:ext uri="{FF2B5EF4-FFF2-40B4-BE49-F238E27FC236}">
-                <a16:creationId xmlns:a16="http://schemas.microsoft.com/office/drawing/2014/main" id="{A1794EBB-F0E7-4F82-B3D5-95C4654C00DC}"/>
+                <a16:creationId xmlns:a16="http://schemas.microsoft.com/office/drawing/2014/main" id="{D9EC165F-ACC2-4E74-AD68-984B43F5522C}"/>
               </a:ext>
             </a:extLst>
           </p:cNvPr>
@@ -6846,7 +7749,12 @@
             <p:ph type="title"/>
           </p:nvPr>
         </p:nvSpPr>
-        <p:spPr/>
+        <p:spPr>
+          <a:xfrm>
+            <a:off x="2610195" y="512749"/>
+            <a:ext cx="9134392" cy="636559"/>
+          </a:xfrm>
+        </p:spPr>
         <p:txBody>
           <a:bodyPr>
             <a:normAutofit fontScale="90000"/>
@@ -6855,7 +7763,7 @@
           <a:p>
             <a:r>
               <a:rPr lang="en-US" dirty="0"/>
-              <a:t>DI in Umbraco 8</a:t>
+              <a:t>Advantages of Di (and IOC)</a:t>
             </a:r>
             <a:endParaRPr lang="nl-BE" dirty="0"/>
           </a:p>
@@ -6866,7 +7774,7 @@
           <p:cNvPr id="3" name="Content Placeholder 2">
             <a:extLst>
               <a:ext uri="{FF2B5EF4-FFF2-40B4-BE49-F238E27FC236}">
-                <a16:creationId xmlns:a16="http://schemas.microsoft.com/office/drawing/2014/main" id="{20B8399C-30A7-4950-B55B-11E45F8A0621}"/>
+                <a16:creationId xmlns:a16="http://schemas.microsoft.com/office/drawing/2014/main" id="{AB274DF0-3CA1-45BD-B8AF-C79B08964714}"/>
               </a:ext>
             </a:extLst>
           </p:cNvPr>
@@ -6882,21 +7790,40 @@
           <a:bodyPr/>
           <a:lstStyle/>
           <a:p>
+            <a:pPr lvl="0"/>
             <a:r>
               <a:rPr lang="en-US" dirty="0"/>
-              <a:t>Register implementations into Umbraco</a:t>
-            </a:r>
-          </a:p>
-          <a:p>
+              <a:t>Easier to maintain code because the creation of the same object is not spread out over multiple other objects</a:t>
+            </a:r>
+            <a:endParaRPr lang="nl-BE" dirty="0"/>
+          </a:p>
+          <a:p>
+            <a:pPr lvl="0"/>
             <a:r>
               <a:rPr lang="en-US" dirty="0"/>
-              <a:t>Requesting dependencies in Umbraco</a:t>
-            </a:r>
-          </a:p>
-          <a:p>
+              <a:t>Easier to swap out implementations because of the above statement</a:t>
+            </a:r>
+            <a:endParaRPr lang="nl-BE" dirty="0"/>
+          </a:p>
+          <a:p>
+            <a:pPr lvl="0"/>
+            <a:r>
+              <a:rPr lang="en-US" dirty="0"/>
+              <a:t>Easier to unit test because of the above statement</a:t>
+            </a:r>
+          </a:p>
+          <a:p>
+            <a:pPr lvl="0"/>
+            <a:r>
+              <a:rPr lang="en-US" dirty="0"/>
+              <a:t>Easier to build up complex dependency chains</a:t>
+            </a:r>
+          </a:p>
+          <a:p>
+            <a:pPr lvl="0"/>
             <a:r>
               <a:rPr lang="nl-BE" dirty="0"/>
-              <a:t>A demo!</a:t>
+              <a:t>Easier to plug things into existing frameworks</a:t>
             </a:r>
           </a:p>
         </p:txBody>
@@ -6904,7 +7831,7 @@
     </p:spTree>
     <p:extLst>
       <p:ext uri="{BB962C8B-B14F-4D97-AF65-F5344CB8AC3E}">
-        <p14:creationId xmlns:p14="http://schemas.microsoft.com/office/powerpoint/2010/main" val="3460799248"/>
+        <p14:creationId xmlns:p14="http://schemas.microsoft.com/office/powerpoint/2010/main" val="3522066905"/>
       </p:ext>
     </p:extLst>
   </p:cSld>
@@ -6936,6 +7863,107 @@
           <p:cNvPr id="2" name="Title 1">
             <a:extLst>
               <a:ext uri="{FF2B5EF4-FFF2-40B4-BE49-F238E27FC236}">
+                <a16:creationId xmlns:a16="http://schemas.microsoft.com/office/drawing/2014/main" id="{A1794EBB-F0E7-4F82-B3D5-95C4654C00DC}"/>
+              </a:ext>
+            </a:extLst>
+          </p:cNvPr>
+          <p:cNvSpPr>
+            <a:spLocks noGrp="1"/>
+          </p:cNvSpPr>
+          <p:nvPr>
+            <p:ph type="title"/>
+          </p:nvPr>
+        </p:nvSpPr>
+        <p:spPr/>
+        <p:txBody>
+          <a:bodyPr>
+            <a:normAutofit fontScale="90000"/>
+          </a:bodyPr>
+          <a:lstStyle/>
+          <a:p>
+            <a:r>
+              <a:rPr lang="en-US" dirty="0"/>
+              <a:t>DI in Umbraco 8</a:t>
+            </a:r>
+            <a:endParaRPr lang="nl-BE" dirty="0"/>
+          </a:p>
+        </p:txBody>
+      </p:sp>
+      <p:sp>
+        <p:nvSpPr>
+          <p:cNvPr id="3" name="Content Placeholder 2">
+            <a:extLst>
+              <a:ext uri="{FF2B5EF4-FFF2-40B4-BE49-F238E27FC236}">
+                <a16:creationId xmlns:a16="http://schemas.microsoft.com/office/drawing/2014/main" id="{20B8399C-30A7-4950-B55B-11E45F8A0621}"/>
+              </a:ext>
+            </a:extLst>
+          </p:cNvPr>
+          <p:cNvSpPr>
+            <a:spLocks noGrp="1"/>
+          </p:cNvSpPr>
+          <p:nvPr>
+            <p:ph idx="1"/>
+          </p:nvPr>
+        </p:nvSpPr>
+        <p:spPr/>
+        <p:txBody>
+          <a:bodyPr/>
+          <a:lstStyle/>
+          <a:p>
+            <a:r>
+              <a:rPr lang="en-US" dirty="0"/>
+              <a:t>Register implementations into Umbraco</a:t>
+            </a:r>
+          </a:p>
+          <a:p>
+            <a:r>
+              <a:rPr lang="en-US" dirty="0"/>
+              <a:t>Requesting dependencies in Umbraco</a:t>
+            </a:r>
+          </a:p>
+          <a:p>
+            <a:r>
+              <a:rPr lang="nl-BE" dirty="0"/>
+              <a:t>A demo!</a:t>
+            </a:r>
+          </a:p>
+        </p:txBody>
+      </p:sp>
+    </p:spTree>
+    <p:extLst>
+      <p:ext uri="{BB962C8B-B14F-4D97-AF65-F5344CB8AC3E}">
+        <p14:creationId xmlns:p14="http://schemas.microsoft.com/office/powerpoint/2010/main" val="3460799248"/>
+      </p:ext>
+    </p:extLst>
+  </p:cSld>
+  <p:clrMapOvr>
+    <a:masterClrMapping/>
+  </p:clrMapOvr>
+</p:sld>
+</file>
+
+<file path=ppt/slides/slide8.xml><?xml version="1.0" encoding="utf-8"?>
+<p:sld xmlns:a="http://schemas.openxmlformats.org/drawingml/2006/main" xmlns:r="http://schemas.openxmlformats.org/officeDocument/2006/relationships" xmlns:p="http://schemas.openxmlformats.org/presentationml/2006/main">
+  <p:cSld>
+    <p:spTree>
+      <p:nvGrpSpPr>
+        <p:cNvPr id="1" name=""/>
+        <p:cNvGrpSpPr/>
+        <p:nvPr/>
+      </p:nvGrpSpPr>
+      <p:grpSpPr>
+        <a:xfrm>
+          <a:off x="0" y="0"/>
+          <a:ext cx="0" cy="0"/>
+          <a:chOff x="0" y="0"/>
+          <a:chExt cx="0" cy="0"/>
+        </a:xfrm>
+      </p:grpSpPr>
+      <p:sp>
+        <p:nvSpPr>
+          <p:cNvPr id="2" name="Title 1">
+            <a:extLst>
+              <a:ext uri="{FF2B5EF4-FFF2-40B4-BE49-F238E27FC236}">
                 <a16:creationId xmlns:a16="http://schemas.microsoft.com/office/drawing/2014/main" id="{4EE80496-1F3C-4AA7-ABB5-106A7D407F8F}"/>
               </a:ext>
             </a:extLst>
@@ -7106,7 +8134,7 @@
 </p:sld>
 </file>
 
-<file path=ppt/slides/slide8.xml><?xml version="1.0" encoding="utf-8"?>
+<file path=ppt/slides/slide9.xml><?xml version="1.0" encoding="utf-8"?>
 <p:sld xmlns:a="http://schemas.openxmlformats.org/drawingml/2006/main" xmlns:r="http://schemas.openxmlformats.org/officeDocument/2006/relationships" xmlns:p="http://schemas.openxmlformats.org/presentationml/2006/main">
   <p:cSld>
     <p:spTree>
@@ -7590,4 +8618,299 @@
     </a:ext>
   </a:extLst>
 </a:theme>
+</file>
+
+<file path=ppt/theme/theme2.xml><?xml version="1.0" encoding="utf-8"?>
+<a:theme xmlns:a="http://schemas.openxmlformats.org/drawingml/2006/main" name="Office Theme">
+  <a:themeElements>
+    <a:clrScheme name="Office">
+      <a:dk1>
+        <a:sysClr val="windowText" lastClr="000000"/>
+      </a:dk1>
+      <a:lt1>
+        <a:sysClr val="window" lastClr="FFFFFF"/>
+      </a:lt1>
+      <a:dk2>
+        <a:srgbClr val="44546A"/>
+      </a:dk2>
+      <a:lt2>
+        <a:srgbClr val="E7E6E6"/>
+      </a:lt2>
+      <a:accent1>
+        <a:srgbClr val="4472C4"/>
+      </a:accent1>
+      <a:accent2>
+        <a:srgbClr val="ED7D31"/>
+      </a:accent2>
+      <a:accent3>
+        <a:srgbClr val="A5A5A5"/>
+      </a:accent3>
+      <a:accent4>
+        <a:srgbClr val="FFC000"/>
+      </a:accent4>
+      <a:accent5>
+        <a:srgbClr val="5B9BD5"/>
+      </a:accent5>
+      <a:accent6>
+        <a:srgbClr val="70AD47"/>
+      </a:accent6>
+      <a:hlink>
+        <a:srgbClr val="0563C1"/>
+      </a:hlink>
+      <a:folHlink>
+        <a:srgbClr val="954F72"/>
+      </a:folHlink>
+    </a:clrScheme>
+    <a:fontScheme name="Office">
+      <a:majorFont>
+        <a:latin typeface="Calibri Light" panose="020F0302020204030204"/>
+        <a:ea typeface=""/>
+        <a:cs typeface=""/>
+        <a:font script="Jpan" typeface="游ゴシック Light"/>
+        <a:font script="Hang" typeface="맑은 고딕"/>
+        <a:font script="Hans" typeface="等线 Light"/>
+        <a:font script="Hant" typeface="新細明體"/>
+        <a:font script="Arab" typeface="Times New Roman"/>
+        <a:font script="Hebr" typeface="Times New Roman"/>
+        <a:font script="Thai" typeface="Angsana New"/>
+        <a:font script="Ethi" typeface="Nyala"/>
+        <a:font script="Beng" typeface="Vrinda"/>
+        <a:font script="Gujr" typeface="Shruti"/>
+        <a:font script="Khmr" typeface="MoolBoran"/>
+        <a:font script="Knda" typeface="Tunga"/>
+        <a:font script="Guru" typeface="Raavi"/>
+        <a:font script="Cans" typeface="Euphemia"/>
+        <a:font script="Cher" typeface="Plantagenet Cherokee"/>
+        <a:font script="Yiii" typeface="Microsoft Yi Baiti"/>
+        <a:font script="Tibt" typeface="Microsoft Himalaya"/>
+        <a:font script="Thaa" typeface="MV Boli"/>
+        <a:font script="Deva" typeface="Mangal"/>
+        <a:font script="Telu" typeface="Gautami"/>
+        <a:font script="Taml" typeface="Latha"/>
+        <a:font script="Syrc" typeface="Estrangelo Edessa"/>
+        <a:font script="Orya" typeface="Kalinga"/>
+        <a:font script="Mlym" typeface="Kartika"/>
+        <a:font script="Laoo" typeface="DokChampa"/>
+        <a:font script="Sinh" typeface="Iskoola Pota"/>
+        <a:font script="Mong" typeface="Mongolian Baiti"/>
+        <a:font script="Viet" typeface="Times New Roman"/>
+        <a:font script="Uigh" typeface="Microsoft Uighur"/>
+        <a:font script="Geor" typeface="Sylfaen"/>
+        <a:font script="Armn" typeface="Arial"/>
+        <a:font script="Bugi" typeface="Leelawadee UI"/>
+        <a:font script="Bopo" typeface="Microsoft JhengHei"/>
+        <a:font script="Java" typeface="Javanese Text"/>
+        <a:font script="Lisu" typeface="Segoe UI"/>
+        <a:font script="Mymr" typeface="Myanmar Text"/>
+        <a:font script="Nkoo" typeface="Ebrima"/>
+        <a:font script="Olck" typeface="Nirmala UI"/>
+        <a:font script="Osma" typeface="Ebrima"/>
+        <a:font script="Phag" typeface="Phagspa"/>
+        <a:font script="Syrn" typeface="Estrangelo Edessa"/>
+        <a:font script="Syrj" typeface="Estrangelo Edessa"/>
+        <a:font script="Syre" typeface="Estrangelo Edessa"/>
+        <a:font script="Sora" typeface="Nirmala UI"/>
+        <a:font script="Tale" typeface="Microsoft Tai Le"/>
+        <a:font script="Talu" typeface="Microsoft New Tai Lue"/>
+        <a:font script="Tfng" typeface="Ebrima"/>
+      </a:majorFont>
+      <a:minorFont>
+        <a:latin typeface="Calibri" panose="020F0502020204030204"/>
+        <a:ea typeface=""/>
+        <a:cs typeface=""/>
+        <a:font script="Jpan" typeface="游ゴシック"/>
+        <a:font script="Hang" typeface="맑은 고딕"/>
+        <a:font script="Hans" typeface="等线"/>
+        <a:font script="Hant" typeface="新細明體"/>
+        <a:font script="Arab" typeface="Arial"/>
+        <a:font script="Hebr" typeface="Arial"/>
+        <a:font script="Thai" typeface="Cordia New"/>
+        <a:font script="Ethi" typeface="Nyala"/>
+        <a:font script="Beng" typeface="Vrinda"/>
+        <a:font script="Gujr" typeface="Shruti"/>
+        <a:font script="Khmr" typeface="DaunPenh"/>
+        <a:font script="Knda" typeface="Tunga"/>
+        <a:font script="Guru" typeface="Raavi"/>
+        <a:font script="Cans" typeface="Euphemia"/>
+        <a:font script="Cher" typeface="Plantagenet Cherokee"/>
+        <a:font script="Yiii" typeface="Microsoft Yi Baiti"/>
+        <a:font script="Tibt" typeface="Microsoft Himalaya"/>
+        <a:font script="Thaa" typeface="MV Boli"/>
+        <a:font script="Deva" typeface="Mangal"/>
+        <a:font script="Telu" typeface="Gautami"/>
+        <a:font script="Taml" typeface="Latha"/>
+        <a:font script="Syrc" typeface="Estrangelo Edessa"/>
+        <a:font script="Orya" typeface="Kalinga"/>
+        <a:font script="Mlym" typeface="Kartika"/>
+        <a:font script="Laoo" typeface="DokChampa"/>
+        <a:font script="Sinh" typeface="Iskoola Pota"/>
+        <a:font script="Mong" typeface="Mongolian Baiti"/>
+        <a:font script="Viet" typeface="Arial"/>
+        <a:font script="Uigh" typeface="Microsoft Uighur"/>
+        <a:font script="Geor" typeface="Sylfaen"/>
+        <a:font script="Armn" typeface="Arial"/>
+        <a:font script="Bugi" typeface="Leelawadee UI"/>
+        <a:font script="Bopo" typeface="Microsoft JhengHei"/>
+        <a:font script="Java" typeface="Javanese Text"/>
+        <a:font script="Lisu" typeface="Segoe UI"/>
+        <a:font script="Mymr" typeface="Myanmar Text"/>
+        <a:font script="Nkoo" typeface="Ebrima"/>
+        <a:font script="Olck" typeface="Nirmala UI"/>
+        <a:font script="Osma" typeface="Ebrima"/>
+        <a:font script="Phag" typeface="Phagspa"/>
+        <a:font script="Syrn" typeface="Estrangelo Edessa"/>
+        <a:font script="Syrj" typeface="Estrangelo Edessa"/>
+        <a:font script="Syre" typeface="Estrangelo Edessa"/>
+        <a:font script="Sora" typeface="Nirmala UI"/>
+        <a:font script="Tale" typeface="Microsoft Tai Le"/>
+        <a:font script="Talu" typeface="Microsoft New Tai Lue"/>
+        <a:font script="Tfng" typeface="Ebrima"/>
+      </a:minorFont>
+    </a:fontScheme>
+    <a:fmtScheme name="Office">
+      <a:fillStyleLst>
+        <a:solidFill>
+          <a:schemeClr val="phClr"/>
+        </a:solidFill>
+        <a:gradFill rotWithShape="1">
+          <a:gsLst>
+            <a:gs pos="0">
+              <a:schemeClr val="phClr">
+                <a:lumMod val="110000"/>
+                <a:satMod val="105000"/>
+                <a:tint val="67000"/>
+              </a:schemeClr>
+            </a:gs>
+            <a:gs pos="50000">
+              <a:schemeClr val="phClr">
+                <a:lumMod val="105000"/>
+                <a:satMod val="103000"/>
+                <a:tint val="73000"/>
+              </a:schemeClr>
+            </a:gs>
+            <a:gs pos="100000">
+              <a:schemeClr val="phClr">
+                <a:lumMod val="105000"/>
+                <a:satMod val="109000"/>
+                <a:tint val="81000"/>
+              </a:schemeClr>
+            </a:gs>
+          </a:gsLst>
+          <a:lin ang="5400000" scaled="0"/>
+        </a:gradFill>
+        <a:gradFill rotWithShape="1">
+          <a:gsLst>
+            <a:gs pos="0">
+              <a:schemeClr val="phClr">
+                <a:satMod val="103000"/>
+                <a:lumMod val="102000"/>
+                <a:tint val="94000"/>
+              </a:schemeClr>
+            </a:gs>
+            <a:gs pos="50000">
+              <a:schemeClr val="phClr">
+                <a:satMod val="110000"/>
+                <a:lumMod val="100000"/>
+                <a:shade val="100000"/>
+              </a:schemeClr>
+            </a:gs>
+            <a:gs pos="100000">
+              <a:schemeClr val="phClr">
+                <a:lumMod val="99000"/>
+                <a:satMod val="120000"/>
+                <a:shade val="78000"/>
+              </a:schemeClr>
+            </a:gs>
+          </a:gsLst>
+          <a:lin ang="5400000" scaled="0"/>
+        </a:gradFill>
+      </a:fillStyleLst>
+      <a:lnStyleLst>
+        <a:ln w="6350" cap="flat" cmpd="sng" algn="ctr">
+          <a:solidFill>
+            <a:schemeClr val="phClr"/>
+          </a:solidFill>
+          <a:prstDash val="solid"/>
+          <a:miter lim="800000"/>
+        </a:ln>
+        <a:ln w="12700" cap="flat" cmpd="sng" algn="ctr">
+          <a:solidFill>
+            <a:schemeClr val="phClr"/>
+          </a:solidFill>
+          <a:prstDash val="solid"/>
+          <a:miter lim="800000"/>
+        </a:ln>
+        <a:ln w="19050" cap="flat" cmpd="sng" algn="ctr">
+          <a:solidFill>
+            <a:schemeClr val="phClr"/>
+          </a:solidFill>
+          <a:prstDash val="solid"/>
+          <a:miter lim="800000"/>
+        </a:ln>
+      </a:lnStyleLst>
+      <a:effectStyleLst>
+        <a:effectStyle>
+          <a:effectLst/>
+        </a:effectStyle>
+        <a:effectStyle>
+          <a:effectLst/>
+        </a:effectStyle>
+        <a:effectStyle>
+          <a:effectLst>
+            <a:outerShdw blurRad="57150" dist="19050" dir="5400000" algn="ctr" rotWithShape="0">
+              <a:srgbClr val="000000">
+                <a:alpha val="63000"/>
+              </a:srgbClr>
+            </a:outerShdw>
+          </a:effectLst>
+        </a:effectStyle>
+      </a:effectStyleLst>
+      <a:bgFillStyleLst>
+        <a:solidFill>
+          <a:schemeClr val="phClr"/>
+        </a:solidFill>
+        <a:solidFill>
+          <a:schemeClr val="phClr">
+            <a:tint val="95000"/>
+            <a:satMod val="170000"/>
+          </a:schemeClr>
+        </a:solidFill>
+        <a:gradFill rotWithShape="1">
+          <a:gsLst>
+            <a:gs pos="0">
+              <a:schemeClr val="phClr">
+                <a:tint val="93000"/>
+                <a:satMod val="150000"/>
+                <a:shade val="98000"/>
+                <a:lumMod val="102000"/>
+              </a:schemeClr>
+            </a:gs>
+            <a:gs pos="50000">
+              <a:schemeClr val="phClr">
+                <a:tint val="98000"/>
+                <a:satMod val="130000"/>
+                <a:shade val="90000"/>
+                <a:lumMod val="103000"/>
+              </a:schemeClr>
+            </a:gs>
+            <a:gs pos="100000">
+              <a:schemeClr val="phClr">
+                <a:shade val="63000"/>
+                <a:satMod val="120000"/>
+              </a:schemeClr>
+            </a:gs>
+          </a:gsLst>
+          <a:lin ang="5400000" scaled="0"/>
+        </a:gradFill>
+      </a:bgFillStyleLst>
+    </a:fmtScheme>
+  </a:themeElements>
+  <a:objectDefaults/>
+  <a:extraClrSchemeLst/>
+  <a:extLst>
+    <a:ext uri="{05A4C25C-085E-4340-85A3-A5531E510DB2}">
+      <thm15:themeFamily xmlns:thm15="http://schemas.microsoft.com/office/thememl/2012/main" name="Office Theme" id="{62F939B6-93AF-4DB8-9C6B-D6C7DFDC589F}" vid="{4A3C46E8-61CC-4603-A589-7422A47A8E4A}"/>
+    </a:ext>
+  </a:extLst>
+</a:theme>
 </file>
--- a/Introduction to Dependency injection.pptx
+++ b/Introduction to Dependency injection.pptx
@@ -5,18 +5,19 @@
     <p:sldMasterId id="2147483648" r:id="rId1"/>
   </p:sldMasterIdLst>
   <p:notesMasterIdLst>
-    <p:notesMasterId r:id="rId11"/>
+    <p:notesMasterId r:id="rId12"/>
   </p:notesMasterIdLst>
   <p:sldIdLst>
-    <p:sldId id="257" r:id="rId2"/>
-    <p:sldId id="258" r:id="rId3"/>
-    <p:sldId id="265" r:id="rId4"/>
-    <p:sldId id="264" r:id="rId5"/>
-    <p:sldId id="260" r:id="rId6"/>
-    <p:sldId id="266" r:id="rId7"/>
-    <p:sldId id="261" r:id="rId8"/>
-    <p:sldId id="262" r:id="rId9"/>
-    <p:sldId id="263" r:id="rId10"/>
+    <p:sldId id="267" r:id="rId2"/>
+    <p:sldId id="257" r:id="rId3"/>
+    <p:sldId id="258" r:id="rId4"/>
+    <p:sldId id="265" r:id="rId5"/>
+    <p:sldId id="264" r:id="rId6"/>
+    <p:sldId id="260" r:id="rId7"/>
+    <p:sldId id="266" r:id="rId8"/>
+    <p:sldId id="261" r:id="rId9"/>
+    <p:sldId id="262" r:id="rId10"/>
+    <p:sldId id="263" r:id="rId11"/>
   </p:sldIdLst>
   <p:sldSz cx="12192000" cy="6858000"/>
   <p:notesSz cx="6858000" cy="9144000"/>
@@ -604,7 +605,7 @@
           <a:p>
             <a:fld id="{AA2C553F-A3E2-4401-AC73-236D0F7EA617}" type="slidenum">
               <a:rPr lang="nl-BE" smtClean="0"/>
-              <a:t>2</a:t>
+              <a:t>3</a:t>
             </a:fld>
             <a:endParaRPr lang="nl-BE"/>
           </a:p>
@@ -773,7 +774,7 @@
           <a:p>
             <a:fld id="{AA2C553F-A3E2-4401-AC73-236D0F7EA617}" type="slidenum">
               <a:rPr lang="nl-BE" smtClean="0"/>
-              <a:t>5</a:t>
+              <a:t>6</a:t>
             </a:fld>
             <a:endParaRPr lang="nl-BE"/>
           </a:p>
@@ -894,7 +895,7 @@
           <a:p>
             <a:fld id="{AA2C553F-A3E2-4401-AC73-236D0F7EA617}" type="slidenum">
               <a:rPr lang="nl-BE" smtClean="0"/>
-              <a:t>8</a:t>
+              <a:t>9</a:t>
             </a:fld>
             <a:endParaRPr lang="nl-BE"/>
           </a:p>
@@ -1015,7 +1016,7 @@
           <a:p>
             <a:fld id="{AA2C553F-A3E2-4401-AC73-236D0F7EA617}" type="slidenum">
               <a:rPr lang="nl-BE" smtClean="0"/>
-              <a:t>9</a:t>
+              <a:t>10</a:t>
             </a:fld>
             <a:endParaRPr lang="nl-BE"/>
           </a:p>
@@ -1795,7 +1796,7 @@
               <a:rPr lang="nl-BE" smtClean="0"/>
               <a:t>30/05/2020</a:t>
             </a:fld>
-            <a:endParaRPr lang="nl-BE"/>
+            <a:endParaRPr lang="nl-BE" dirty="0"/>
           </a:p>
         </p:txBody>
       </p:sp>
@@ -1818,9 +1819,23 @@
         <p:spPr/>
         <p:txBody>
           <a:bodyPr/>
-          <a:lstStyle/>
-          <a:p>
-            <a:endParaRPr lang="nl-BE"/>
+          <a:lstStyle>
+            <a:lvl1pPr>
+              <a:defRPr sz="1400">
+                <a:solidFill>
+                  <a:schemeClr val="bg1">
+                    <a:lumMod val="95000"/>
+                  </a:schemeClr>
+                </a:solidFill>
+              </a:defRPr>
+            </a:lvl1pPr>
+          </a:lstStyle>
+          <a:p>
+            <a:r>
+              <a:rPr lang="en-US" dirty="0"/>
+              <a:t>@Migaroez</a:t>
+            </a:r>
+            <a:endParaRPr lang="nl-BE" dirty="0"/>
           </a:p>
         </p:txBody>
       </p:sp>
@@ -4307,10 +4322,10 @@
       </p:grpSpPr>
       <p:sp>
         <p:nvSpPr>
-          <p:cNvPr id="2" name="Title 1">
-            <a:extLst>
-              <a:ext uri="{FF2B5EF4-FFF2-40B4-BE49-F238E27FC236}">
-                <a16:creationId xmlns:a16="http://schemas.microsoft.com/office/drawing/2014/main" id="{758A5D8C-10A0-4A97-93EC-9DB9B623E116}"/>
+          <p:cNvPr id="5" name="Title 4">
+            <a:extLst>
+              <a:ext uri="{FF2B5EF4-FFF2-40B4-BE49-F238E27FC236}">
+                <a16:creationId xmlns:a16="http://schemas.microsoft.com/office/drawing/2014/main" id="{794FBC69-F0F6-4980-8AC3-1192EE079A4A}"/>
               </a:ext>
             </a:extLst>
           </p:cNvPr>
@@ -4321,16 +4336,22 @@
             <p:ph type="title"/>
           </p:nvPr>
         </p:nvSpPr>
-        <p:spPr/>
+        <p:spPr>
+          <a:xfrm>
+            <a:off x="1478082" y="1662281"/>
+            <a:ext cx="8743604" cy="636559"/>
+          </a:xfrm>
+        </p:spPr>
         <p:txBody>
           <a:bodyPr>
             <a:normAutofit fontScale="90000"/>
           </a:bodyPr>
           <a:lstStyle/>
           <a:p>
+            <a:pPr algn="ctr"/>
             <a:r>
               <a:rPr lang="en-US" dirty="0"/>
-              <a:t>Introduction to Dependency injection</a:t>
+              <a:t>An introduction to Dependency Injection in Umbraco 8</a:t>
             </a:r>
             <a:endParaRPr lang="nl-BE" dirty="0"/>
           </a:p>
@@ -4338,80 +4359,513 @@
       </p:sp>
       <p:sp>
         <p:nvSpPr>
-          <p:cNvPr id="3" name="Content Placeholder 2">
-            <a:extLst>
-              <a:ext uri="{FF2B5EF4-FFF2-40B4-BE49-F238E27FC236}">
-                <a16:creationId xmlns:a16="http://schemas.microsoft.com/office/drawing/2014/main" id="{E9A9DF60-B1FB-4AEA-8B0C-03D1AF9F45B3}"/>
-              </a:ext>
-            </a:extLst>
-          </p:cNvPr>
-          <p:cNvSpPr>
-            <a:spLocks noGrp="1"/>
-          </p:cNvSpPr>
-          <p:nvPr>
-            <p:ph idx="1"/>
-          </p:nvPr>
-        </p:nvSpPr>
-        <p:spPr/>
-        <p:txBody>
-          <a:bodyPr/>
-          <a:lstStyle/>
-          <a:p>
-            <a:r>
-              <a:rPr lang="en-US" dirty="0"/>
-              <a:t>What is dependency injection</a:t>
-            </a:r>
-          </a:p>
-          <a:p>
-            <a:r>
-              <a:rPr lang="en-US" dirty="0"/>
-              <a:t>A real-life analogy</a:t>
-            </a:r>
-          </a:p>
-          <a:p>
-            <a:r>
-              <a:rPr lang="nl-BE" dirty="0" err="1"/>
-              <a:t>What</a:t>
-            </a:r>
-            <a:r>
-              <a:rPr lang="nl-BE" dirty="0"/>
-              <a:t> do IOC containers </a:t>
-            </a:r>
-            <a:r>
-              <a:rPr lang="nl-BE" dirty="0" err="1"/>
-              <a:t>bring</a:t>
-            </a:r>
-            <a:r>
-              <a:rPr lang="nl-BE" dirty="0"/>
-              <a:t> to </a:t>
-            </a:r>
-            <a:r>
-              <a:rPr lang="nl-BE" dirty="0" err="1"/>
-              <a:t>the</a:t>
-            </a:r>
-            <a:r>
-              <a:rPr lang="nl-BE" dirty="0"/>
-              <a:t> </a:t>
-            </a:r>
-            <a:r>
-              <a:rPr lang="nl-BE" dirty="0" err="1"/>
-              <a:t>table</a:t>
-            </a:r>
-            <a:endParaRPr lang="nl-BE" dirty="0"/>
-          </a:p>
-          <a:p>
-            <a:r>
-              <a:rPr lang="nl-BE" dirty="0" err="1"/>
-              <a:t>Advantages</a:t>
-            </a:r>
-            <a:endParaRPr lang="nl-BE" dirty="0"/>
-          </a:p>
-        </p:txBody>
-      </p:sp>
+          <p:cNvPr id="6" name="Rectangle 5">
+            <a:extLst>
+              <a:ext uri="{FF2B5EF4-FFF2-40B4-BE49-F238E27FC236}">
+                <a16:creationId xmlns:a16="http://schemas.microsoft.com/office/drawing/2014/main" id="{07EAE507-0A6A-465E-8E3C-D4F57CF9D362}"/>
+              </a:ext>
+            </a:extLst>
+          </p:cNvPr>
+          <p:cNvSpPr/>
+          <p:nvPr/>
+        </p:nvSpPr>
+        <p:spPr>
+          <a:xfrm>
+            <a:off x="5220064" y="6422962"/>
+            <a:ext cx="1259640" cy="369332"/>
+          </a:xfrm>
+          <a:prstGeom prst="rect">
+            <a:avLst/>
+          </a:prstGeom>
+        </p:spPr>
+        <p:txBody>
+          <a:bodyPr wrap="none">
+            <a:spAutoFit/>
+          </a:bodyPr>
+          <a:lstStyle/>
+          <a:p>
+            <a:r>
+              <a:rPr lang="en-US" dirty="0">
+                <a:solidFill>
+                  <a:schemeClr val="bg1">
+                    <a:lumMod val="95000"/>
+                  </a:schemeClr>
+                </a:solidFill>
+              </a:rPr>
+              <a:t>@Migaroez</a:t>
+            </a:r>
+            <a:endParaRPr lang="nl-BE" dirty="0">
+              <a:solidFill>
+                <a:schemeClr val="bg1">
+                  <a:lumMod val="95000"/>
+                </a:schemeClr>
+              </a:solidFill>
+            </a:endParaRPr>
+          </a:p>
+        </p:txBody>
+      </p:sp>
+      <p:pic>
+        <p:nvPicPr>
+          <p:cNvPr id="8" name="Picture 7">
+            <a:extLst>
+              <a:ext uri="{FF2B5EF4-FFF2-40B4-BE49-F238E27FC236}">
+                <a16:creationId xmlns:a16="http://schemas.microsoft.com/office/drawing/2014/main" id="{70714EE0-96C5-4DE0-ABE6-09C673AF890F}"/>
+              </a:ext>
+            </a:extLst>
+          </p:cNvPr>
+          <p:cNvPicPr>
+            <a:picLocks noChangeAspect="1"/>
+          </p:cNvPicPr>
+          <p:nvPr/>
+        </p:nvPicPr>
+        <p:blipFill>
+          <a:blip r:embed="rId2"/>
+          <a:stretch>
+            <a:fillRect/>
+          </a:stretch>
+        </p:blipFill>
+        <p:spPr>
+          <a:xfrm>
+            <a:off x="1051150" y="2700337"/>
+            <a:ext cx="1685925" cy="1457325"/>
+          </a:xfrm>
+          <a:prstGeom prst="rect">
+            <a:avLst/>
+          </a:prstGeom>
+        </p:spPr>
+      </p:pic>
+      <p:pic>
+        <p:nvPicPr>
+          <p:cNvPr id="10" name="Picture 9" descr="A close up of a logo&#10;&#10;Description automatically generated">
+            <a:extLst>
+              <a:ext uri="{FF2B5EF4-FFF2-40B4-BE49-F238E27FC236}">
+                <a16:creationId xmlns:a16="http://schemas.microsoft.com/office/drawing/2014/main" id="{4C08B57D-F9A5-4F78-9A46-60424A9020EF}"/>
+              </a:ext>
+            </a:extLst>
+          </p:cNvPr>
+          <p:cNvPicPr>
+            <a:picLocks noChangeAspect="1"/>
+          </p:cNvPicPr>
+          <p:nvPr/>
+        </p:nvPicPr>
+        <p:blipFill>
+          <a:blip r:embed="rId3">
+            <a:extLst>
+              <a:ext uri="{28A0092B-C50C-407E-A947-70E740481C1C}">
+                <a14:useLocalDpi xmlns:a14="http://schemas.microsoft.com/office/drawing/2010/main" val="0"/>
+              </a:ext>
+            </a:extLst>
+          </a:blip>
+          <a:stretch>
+            <a:fillRect/>
+          </a:stretch>
+        </p:blipFill>
+        <p:spPr>
+          <a:xfrm>
+            <a:off x="4686608" y="2019608"/>
+            <a:ext cx="2818784" cy="2818784"/>
+          </a:xfrm>
+          <a:prstGeom prst="rect">
+            <a:avLst/>
+          </a:prstGeom>
+        </p:spPr>
+      </p:pic>
+      <p:pic>
+        <p:nvPicPr>
+          <p:cNvPr id="14" name="Picture 13" descr="A picture containing food&#10;&#10;Description automatically generated">
+            <a:extLst>
+              <a:ext uri="{FF2B5EF4-FFF2-40B4-BE49-F238E27FC236}">
+                <a16:creationId xmlns:a16="http://schemas.microsoft.com/office/drawing/2014/main" id="{8C6B2A3B-6A42-4F39-9B9F-4604C6AED75B}"/>
+              </a:ext>
+            </a:extLst>
+          </p:cNvPr>
+          <p:cNvPicPr>
+            <a:picLocks noChangeAspect="1"/>
+          </p:cNvPicPr>
+          <p:nvPr/>
+        </p:nvPicPr>
+        <p:blipFill>
+          <a:blip r:embed="rId4">
+            <a:extLst>
+              <a:ext uri="{28A0092B-C50C-407E-A947-70E740481C1C}">
+                <a14:useLocalDpi xmlns:a14="http://schemas.microsoft.com/office/drawing/2010/main" val="0"/>
+              </a:ext>
+            </a:extLst>
+          </a:blip>
+          <a:stretch>
+            <a:fillRect/>
+          </a:stretch>
+        </p:blipFill>
+        <p:spPr>
+          <a:xfrm>
+            <a:off x="9075173" y="2700337"/>
+            <a:ext cx="1638745" cy="1453828"/>
+          </a:xfrm>
+          <a:prstGeom prst="rect">
+            <a:avLst/>
+          </a:prstGeom>
+        </p:spPr>
+      </p:pic>
     </p:spTree>
     <p:extLst>
       <p:ext uri="{BB962C8B-B14F-4D97-AF65-F5344CB8AC3E}">
-        <p14:creationId xmlns:p14="http://schemas.microsoft.com/office/powerpoint/2010/main" val="1130808643"/>
+        <p14:creationId xmlns:p14="http://schemas.microsoft.com/office/powerpoint/2010/main" val="3012197614"/>
+      </p:ext>
+    </p:extLst>
+  </p:cSld>
+  <p:clrMapOvr>
+    <a:masterClrMapping/>
+  </p:clrMapOvr>
+  <p:timing>
+    <p:tnLst>
+      <p:par>
+        <p:cTn id="1" dur="indefinite" restart="never" nodeType="tmRoot">
+          <p:childTnLst>
+            <p:seq concurrent="1" nextAc="seek">
+              <p:cTn id="2" dur="indefinite" nodeType="mainSeq">
+                <p:childTnLst>
+                  <p:par>
+                    <p:cTn id="3" fill="hold">
+                      <p:stCondLst>
+                        <p:cond delay="indefinite"/>
+                      </p:stCondLst>
+                      <p:childTnLst>
+                        <p:par>
+                          <p:cTn id="4" fill="hold">
+                            <p:stCondLst>
+                              <p:cond delay="0"/>
+                            </p:stCondLst>
+                            <p:childTnLst>
+                              <p:par>
+                                <p:cTn id="5" presetID="1" presetClass="entr" presetSubtype="0" fill="hold" nodeType="clickEffect">
+                                  <p:stCondLst>
+                                    <p:cond delay="0"/>
+                                  </p:stCondLst>
+                                  <p:childTnLst>
+                                    <p:set>
+                                      <p:cBhvr>
+                                        <p:cTn id="6" dur="1" fill="hold">
+                                          <p:stCondLst>
+                                            <p:cond delay="0"/>
+                                          </p:stCondLst>
+                                        </p:cTn>
+                                        <p:tgtEl>
+                                          <p:spTgt spid="8"/>
+                                        </p:tgtEl>
+                                        <p:attrNameLst>
+                                          <p:attrName>style.visibility</p:attrName>
+                                        </p:attrNameLst>
+                                      </p:cBhvr>
+                                      <p:to>
+                                        <p:strVal val="visible"/>
+                                      </p:to>
+                                    </p:set>
+                                  </p:childTnLst>
+                                </p:cTn>
+                              </p:par>
+                            </p:childTnLst>
+                          </p:cTn>
+                        </p:par>
+                      </p:childTnLst>
+                    </p:cTn>
+                  </p:par>
+                  <p:par>
+                    <p:cTn id="7" fill="hold">
+                      <p:stCondLst>
+                        <p:cond delay="indefinite"/>
+                      </p:stCondLst>
+                      <p:childTnLst>
+                        <p:par>
+                          <p:cTn id="8" fill="hold">
+                            <p:stCondLst>
+                              <p:cond delay="0"/>
+                            </p:stCondLst>
+                            <p:childTnLst>
+                              <p:par>
+                                <p:cTn id="9" presetID="1" presetClass="entr" presetSubtype="0" fill="hold" nodeType="clickEffect">
+                                  <p:stCondLst>
+                                    <p:cond delay="0"/>
+                                  </p:stCondLst>
+                                  <p:childTnLst>
+                                    <p:set>
+                                      <p:cBhvr>
+                                        <p:cTn id="10" dur="1" fill="hold">
+                                          <p:stCondLst>
+                                            <p:cond delay="0"/>
+                                          </p:stCondLst>
+                                        </p:cTn>
+                                        <p:tgtEl>
+                                          <p:spTgt spid="10"/>
+                                        </p:tgtEl>
+                                        <p:attrNameLst>
+                                          <p:attrName>style.visibility</p:attrName>
+                                        </p:attrNameLst>
+                                      </p:cBhvr>
+                                      <p:to>
+                                        <p:strVal val="visible"/>
+                                      </p:to>
+                                    </p:set>
+                                  </p:childTnLst>
+                                </p:cTn>
+                              </p:par>
+                            </p:childTnLst>
+                          </p:cTn>
+                        </p:par>
+                      </p:childTnLst>
+                    </p:cTn>
+                  </p:par>
+                  <p:par>
+                    <p:cTn id="11" fill="hold">
+                      <p:stCondLst>
+                        <p:cond delay="indefinite"/>
+                      </p:stCondLst>
+                      <p:childTnLst>
+                        <p:par>
+                          <p:cTn id="12" fill="hold">
+                            <p:stCondLst>
+                              <p:cond delay="0"/>
+                            </p:stCondLst>
+                            <p:childTnLst>
+                              <p:par>
+                                <p:cTn id="13" presetID="1" presetClass="entr" presetSubtype="0" fill="hold" nodeType="clickEffect">
+                                  <p:stCondLst>
+                                    <p:cond delay="0"/>
+                                  </p:stCondLst>
+                                  <p:childTnLst>
+                                    <p:set>
+                                      <p:cBhvr>
+                                        <p:cTn id="14" dur="1" fill="hold">
+                                          <p:stCondLst>
+                                            <p:cond delay="0"/>
+                                          </p:stCondLst>
+                                        </p:cTn>
+                                        <p:tgtEl>
+                                          <p:spTgt spid="14"/>
+                                        </p:tgtEl>
+                                        <p:attrNameLst>
+                                          <p:attrName>style.visibility</p:attrName>
+                                        </p:attrNameLst>
+                                      </p:cBhvr>
+                                      <p:to>
+                                        <p:strVal val="visible"/>
+                                      </p:to>
+                                    </p:set>
+                                  </p:childTnLst>
+                                </p:cTn>
+                              </p:par>
+                            </p:childTnLst>
+                          </p:cTn>
+                        </p:par>
+                      </p:childTnLst>
+                    </p:cTn>
+                  </p:par>
+                </p:childTnLst>
+              </p:cTn>
+              <p:prevCondLst>
+                <p:cond evt="onPrev" delay="0">
+                  <p:tgtEl>
+                    <p:sldTgt/>
+                  </p:tgtEl>
+                </p:cond>
+              </p:prevCondLst>
+              <p:nextCondLst>
+                <p:cond evt="onNext" delay="0">
+                  <p:tgtEl>
+                    <p:sldTgt/>
+                  </p:tgtEl>
+                </p:cond>
+              </p:nextCondLst>
+            </p:seq>
+          </p:childTnLst>
+        </p:cTn>
+      </p:par>
+    </p:tnLst>
+  </p:timing>
+</p:sld>
+</file>
+
+<file path=ppt/slides/slide10.xml><?xml version="1.0" encoding="utf-8"?>
+<p:sld xmlns:a="http://schemas.openxmlformats.org/drawingml/2006/main" xmlns:r="http://schemas.openxmlformats.org/officeDocument/2006/relationships" xmlns:p="http://schemas.openxmlformats.org/presentationml/2006/main">
+  <p:cSld>
+    <p:spTree>
+      <p:nvGrpSpPr>
+        <p:cNvPr id="1" name=""/>
+        <p:cNvGrpSpPr/>
+        <p:nvPr/>
+      </p:nvGrpSpPr>
+      <p:grpSpPr>
+        <a:xfrm>
+          <a:off x="0" y="0"/>
+          <a:ext cx="0" cy="0"/>
+          <a:chOff x="0" y="0"/>
+          <a:chExt cx="0" cy="0"/>
+        </a:xfrm>
+      </p:grpSpPr>
+      <p:sp>
+        <p:nvSpPr>
+          <p:cNvPr id="2" name="Title 1">
+            <a:extLst>
+              <a:ext uri="{FF2B5EF4-FFF2-40B4-BE49-F238E27FC236}">
+                <a16:creationId xmlns:a16="http://schemas.microsoft.com/office/drawing/2014/main" id="{A6B26AD7-A1BB-4F19-BF60-1A34331E8224}"/>
+              </a:ext>
+            </a:extLst>
+          </p:cNvPr>
+          <p:cNvSpPr>
+            <a:spLocks noGrp="1"/>
+          </p:cNvSpPr>
+          <p:nvPr>
+            <p:ph type="title"/>
+          </p:nvPr>
+        </p:nvSpPr>
+        <p:spPr/>
+        <p:txBody>
+          <a:bodyPr>
+            <a:normAutofit fontScale="90000"/>
+          </a:bodyPr>
+          <a:lstStyle/>
+          <a:p>
+            <a:r>
+              <a:rPr lang="en-US" dirty="0"/>
+              <a:t>Requesting dependencies in </a:t>
+            </a:r>
+            <a:r>
+              <a:rPr lang="en-US" dirty="0" err="1"/>
+              <a:t>umbraco</a:t>
+            </a:r>
+            <a:endParaRPr lang="nl-BE" dirty="0"/>
+          </a:p>
+        </p:txBody>
+      </p:sp>
+      <p:sp>
+        <p:nvSpPr>
+          <p:cNvPr id="3" name="Content Placeholder 2">
+            <a:extLst>
+              <a:ext uri="{FF2B5EF4-FFF2-40B4-BE49-F238E27FC236}">
+                <a16:creationId xmlns:a16="http://schemas.microsoft.com/office/drawing/2014/main" id="{43B6D2DD-E27C-43AC-9679-631E7122D737}"/>
+              </a:ext>
+            </a:extLst>
+          </p:cNvPr>
+          <p:cNvSpPr>
+            <a:spLocks noGrp="1"/>
+          </p:cNvSpPr>
+          <p:nvPr>
+            <p:ph idx="1"/>
+          </p:nvPr>
+        </p:nvSpPr>
+        <p:spPr>
+          <a:xfrm>
+            <a:off x="838200" y="1489104"/>
+            <a:ext cx="10515600" cy="532644"/>
+          </a:xfrm>
+        </p:spPr>
+        <p:txBody>
+          <a:bodyPr/>
+          <a:lstStyle/>
+          <a:p>
+            <a:r>
+              <a:rPr lang="en-US" dirty="0"/>
+              <a:t>Just use the constructor</a:t>
+            </a:r>
+          </a:p>
+        </p:txBody>
+      </p:sp>
+      <p:sp>
+        <p:nvSpPr>
+          <p:cNvPr id="4" name="TextBox 3">
+            <a:extLst>
+              <a:ext uri="{FF2B5EF4-FFF2-40B4-BE49-F238E27FC236}">
+                <a16:creationId xmlns:a16="http://schemas.microsoft.com/office/drawing/2014/main" id="{15B3581F-26B5-40AD-A116-5D90367395F8}"/>
+              </a:ext>
+            </a:extLst>
+          </p:cNvPr>
+          <p:cNvSpPr txBox="1"/>
+          <p:nvPr/>
+        </p:nvSpPr>
+        <p:spPr>
+          <a:xfrm>
+            <a:off x="906011" y="2130804"/>
+            <a:ext cx="5931018" cy="2585323"/>
+          </a:xfrm>
+          <a:prstGeom prst="rect">
+            <a:avLst/>
+          </a:prstGeom>
+        </p:spPr>
+        <p:style>
+          <a:lnRef idx="1">
+            <a:schemeClr val="accent3"/>
+          </a:lnRef>
+          <a:fillRef idx="2">
+            <a:schemeClr val="accent3"/>
+          </a:fillRef>
+          <a:effectRef idx="1">
+            <a:schemeClr val="accent3"/>
+          </a:effectRef>
+          <a:fontRef idx="minor">
+            <a:schemeClr val="dk1"/>
+          </a:fontRef>
+        </p:style>
+        <p:txBody>
+          <a:bodyPr wrap="square" rtlCol="0">
+            <a:spAutoFit/>
+          </a:bodyPr>
+          <a:lstStyle/>
+          <a:p>
+            <a:r>
+              <a:rPr lang="nl-BE" dirty="0"/>
+              <a:t>public class ExampleController : RenderMvcController</a:t>
+            </a:r>
+          </a:p>
+          <a:p>
+            <a:r>
+              <a:rPr lang="nl-BE" dirty="0"/>
+              <a:t>{</a:t>
+            </a:r>
+          </a:p>
+          <a:p>
+            <a:r>
+              <a:rPr lang="nl-BE" dirty="0"/>
+              <a:t>        private IDependency _myResolvedDependency;</a:t>
+            </a:r>
+          </a:p>
+          <a:p>
+            <a:endParaRPr lang="nl-BE" dirty="0"/>
+          </a:p>
+          <a:p>
+            <a:r>
+              <a:rPr lang="nl-BE" dirty="0"/>
+              <a:t>        public ExampleController(IDependency myDependency)</a:t>
+            </a:r>
+          </a:p>
+          <a:p>
+            <a:r>
+              <a:rPr lang="nl-BE" dirty="0"/>
+              <a:t>        {</a:t>
+            </a:r>
+          </a:p>
+          <a:p>
+            <a:r>
+              <a:rPr lang="nl-BE" dirty="0"/>
+              <a:t>            _ myResolvedDependency = myDependency;</a:t>
+            </a:r>
+          </a:p>
+          <a:p>
+            <a:r>
+              <a:rPr lang="nl-BE" dirty="0"/>
+              <a:t>        }</a:t>
+            </a:r>
+          </a:p>
+          <a:p>
+            <a:r>
+              <a:rPr lang="nl-BE" dirty="0"/>
+              <a:t>}</a:t>
+            </a:r>
+          </a:p>
+        </p:txBody>
+      </p:sp>
+    </p:spTree>
+    <p:extLst>
+      <p:ext uri="{BB962C8B-B14F-4D97-AF65-F5344CB8AC3E}">
+        <p14:creationId xmlns:p14="http://schemas.microsoft.com/office/powerpoint/2010/main" val="2646102938"/>
       </p:ext>
     </p:extLst>
   </p:cSld>
@@ -4443,6 +4897,139 @@
           <p:cNvPr id="2" name="Title 1">
             <a:extLst>
               <a:ext uri="{FF2B5EF4-FFF2-40B4-BE49-F238E27FC236}">
+                <a16:creationId xmlns:a16="http://schemas.microsoft.com/office/drawing/2014/main" id="{758A5D8C-10A0-4A97-93EC-9DB9B623E116}"/>
+              </a:ext>
+            </a:extLst>
+          </p:cNvPr>
+          <p:cNvSpPr>
+            <a:spLocks noGrp="1"/>
+          </p:cNvSpPr>
+          <p:nvPr>
+            <p:ph type="title"/>
+          </p:nvPr>
+        </p:nvSpPr>
+        <p:spPr/>
+        <p:txBody>
+          <a:bodyPr>
+            <a:normAutofit fontScale="90000"/>
+          </a:bodyPr>
+          <a:lstStyle/>
+          <a:p>
+            <a:r>
+              <a:rPr lang="en-US" dirty="0"/>
+              <a:t>Introduction to Dependency injection</a:t>
+            </a:r>
+            <a:endParaRPr lang="nl-BE" dirty="0"/>
+          </a:p>
+        </p:txBody>
+      </p:sp>
+      <p:sp>
+        <p:nvSpPr>
+          <p:cNvPr id="3" name="Content Placeholder 2">
+            <a:extLst>
+              <a:ext uri="{FF2B5EF4-FFF2-40B4-BE49-F238E27FC236}">
+                <a16:creationId xmlns:a16="http://schemas.microsoft.com/office/drawing/2014/main" id="{E9A9DF60-B1FB-4AEA-8B0C-03D1AF9F45B3}"/>
+              </a:ext>
+            </a:extLst>
+          </p:cNvPr>
+          <p:cNvSpPr>
+            <a:spLocks noGrp="1"/>
+          </p:cNvSpPr>
+          <p:nvPr>
+            <p:ph idx="1"/>
+          </p:nvPr>
+        </p:nvSpPr>
+        <p:spPr/>
+        <p:txBody>
+          <a:bodyPr/>
+          <a:lstStyle/>
+          <a:p>
+            <a:r>
+              <a:rPr lang="en-US" dirty="0"/>
+              <a:t>What is dependency injection</a:t>
+            </a:r>
+          </a:p>
+          <a:p>
+            <a:r>
+              <a:rPr lang="en-US" dirty="0"/>
+              <a:t>A real-life analogy</a:t>
+            </a:r>
+          </a:p>
+          <a:p>
+            <a:r>
+              <a:rPr lang="nl-BE" dirty="0" err="1"/>
+              <a:t>What</a:t>
+            </a:r>
+            <a:r>
+              <a:rPr lang="nl-BE" dirty="0"/>
+              <a:t> do IOC containers </a:t>
+            </a:r>
+            <a:r>
+              <a:rPr lang="nl-BE" dirty="0" err="1"/>
+              <a:t>bring</a:t>
+            </a:r>
+            <a:r>
+              <a:rPr lang="nl-BE" dirty="0"/>
+              <a:t> to </a:t>
+            </a:r>
+            <a:r>
+              <a:rPr lang="nl-BE" dirty="0" err="1"/>
+              <a:t>the</a:t>
+            </a:r>
+            <a:r>
+              <a:rPr lang="nl-BE" dirty="0"/>
+              <a:t> </a:t>
+            </a:r>
+            <a:r>
+              <a:rPr lang="nl-BE" dirty="0" err="1"/>
+              <a:t>table</a:t>
+            </a:r>
+            <a:endParaRPr lang="nl-BE" dirty="0"/>
+          </a:p>
+          <a:p>
+            <a:r>
+              <a:rPr lang="nl-BE" dirty="0" err="1"/>
+              <a:t>Advantages</a:t>
+            </a:r>
+            <a:endParaRPr lang="nl-BE" dirty="0"/>
+          </a:p>
+        </p:txBody>
+      </p:sp>
+    </p:spTree>
+    <p:extLst>
+      <p:ext uri="{BB962C8B-B14F-4D97-AF65-F5344CB8AC3E}">
+        <p14:creationId xmlns:p14="http://schemas.microsoft.com/office/powerpoint/2010/main" val="1130808643"/>
+      </p:ext>
+    </p:extLst>
+  </p:cSld>
+  <p:clrMapOvr>
+    <a:masterClrMapping/>
+  </p:clrMapOvr>
+</p:sld>
+</file>
+
+<file path=ppt/slides/slide3.xml><?xml version="1.0" encoding="utf-8"?>
+<p:sld xmlns:a="http://schemas.openxmlformats.org/drawingml/2006/main" xmlns:r="http://schemas.openxmlformats.org/officeDocument/2006/relationships" xmlns:p="http://schemas.openxmlformats.org/presentationml/2006/main">
+  <p:cSld>
+    <p:spTree>
+      <p:nvGrpSpPr>
+        <p:cNvPr id="1" name=""/>
+        <p:cNvGrpSpPr/>
+        <p:nvPr/>
+      </p:nvGrpSpPr>
+      <p:grpSpPr>
+        <a:xfrm>
+          <a:off x="0" y="0"/>
+          <a:ext cx="0" cy="0"/>
+          <a:chOff x="0" y="0"/>
+          <a:chExt cx="0" cy="0"/>
+        </a:xfrm>
+      </p:grpSpPr>
+      <p:sp>
+        <p:nvSpPr>
+          <p:cNvPr id="2" name="Title 1">
+            <a:extLst>
+              <a:ext uri="{FF2B5EF4-FFF2-40B4-BE49-F238E27FC236}">
                 <a16:creationId xmlns:a16="http://schemas.microsoft.com/office/drawing/2014/main" id="{DD853556-D76D-4F3D-A9C8-0DEFD8C40B67}"/>
               </a:ext>
             </a:extLst>
@@ -4523,7 +5110,7 @@
 </p:sld>
 </file>
 
-<file path=ppt/slides/slide3.xml><?xml version="1.0" encoding="utf-8"?>
+<file path=ppt/slides/slide4.xml><?xml version="1.0" encoding="utf-8"?>
 <p:sld xmlns:a="http://schemas.openxmlformats.org/drawingml/2006/main" xmlns:r="http://schemas.openxmlformats.org/officeDocument/2006/relationships" xmlns:p="http://schemas.openxmlformats.org/presentationml/2006/main">
   <p:cSld>
     <p:spTree>
@@ -5908,7 +6495,7 @@
 </p:sld>
 </file>
 
-<file path=ppt/slides/slide4.xml><?xml version="1.0" encoding="utf-8"?>
+<file path=ppt/slides/slide5.xml><?xml version="1.0" encoding="utf-8"?>
 <p:sld xmlns:a="http://schemas.openxmlformats.org/drawingml/2006/main" xmlns:r="http://schemas.openxmlformats.org/officeDocument/2006/relationships" xmlns:p="http://schemas.openxmlformats.org/presentationml/2006/main">
   <p:cSld>
     <p:spTree>
@@ -7609,113 +8196,6 @@
 </p:sld>
 </file>
 
-<file path=ppt/slides/slide5.xml><?xml version="1.0" encoding="utf-8"?>
-<p:sld xmlns:a="http://schemas.openxmlformats.org/drawingml/2006/main" xmlns:r="http://schemas.openxmlformats.org/officeDocument/2006/relationships" xmlns:p="http://schemas.openxmlformats.org/presentationml/2006/main">
-  <p:cSld>
-    <p:spTree>
-      <p:nvGrpSpPr>
-        <p:cNvPr id="1" name=""/>
-        <p:cNvGrpSpPr/>
-        <p:nvPr/>
-      </p:nvGrpSpPr>
-      <p:grpSpPr>
-        <a:xfrm>
-          <a:off x="0" y="0"/>
-          <a:ext cx="0" cy="0"/>
-          <a:chOff x="0" y="0"/>
-          <a:chExt cx="0" cy="0"/>
-        </a:xfrm>
-      </p:grpSpPr>
-      <p:sp>
-        <p:nvSpPr>
-          <p:cNvPr id="2" name="Title 1">
-            <a:extLst>
-              <a:ext uri="{FF2B5EF4-FFF2-40B4-BE49-F238E27FC236}">
-                <a16:creationId xmlns:a16="http://schemas.microsoft.com/office/drawing/2014/main" id="{D9EC165F-ACC2-4E74-AD68-984B43F5522C}"/>
-              </a:ext>
-            </a:extLst>
-          </p:cNvPr>
-          <p:cNvSpPr>
-            <a:spLocks noGrp="1"/>
-          </p:cNvSpPr>
-          <p:nvPr>
-            <p:ph type="title"/>
-          </p:nvPr>
-        </p:nvSpPr>
-        <p:spPr>
-          <a:xfrm>
-            <a:off x="2610195" y="512749"/>
-            <a:ext cx="9134392" cy="636559"/>
-          </a:xfrm>
-        </p:spPr>
-        <p:txBody>
-          <a:bodyPr>
-            <a:normAutofit fontScale="90000"/>
-          </a:bodyPr>
-          <a:lstStyle/>
-          <a:p>
-            <a:r>
-              <a:rPr lang="en-US" dirty="0"/>
-              <a:t>DI and Inversion Of Control containers (IOC)</a:t>
-            </a:r>
-            <a:endParaRPr lang="nl-BE" dirty="0"/>
-          </a:p>
-        </p:txBody>
-      </p:sp>
-      <p:sp>
-        <p:nvSpPr>
-          <p:cNvPr id="3" name="Content Placeholder 2">
-            <a:extLst>
-              <a:ext uri="{FF2B5EF4-FFF2-40B4-BE49-F238E27FC236}">
-                <a16:creationId xmlns:a16="http://schemas.microsoft.com/office/drawing/2014/main" id="{AB274DF0-3CA1-45BD-B8AF-C79B08964714}"/>
-              </a:ext>
-            </a:extLst>
-          </p:cNvPr>
-          <p:cNvSpPr>
-            <a:spLocks noGrp="1"/>
-          </p:cNvSpPr>
-          <p:nvPr>
-            <p:ph idx="1"/>
-          </p:nvPr>
-        </p:nvSpPr>
-        <p:spPr/>
-        <p:txBody>
-          <a:bodyPr/>
-          <a:lstStyle/>
-          <a:p>
-            <a:r>
-              <a:rPr lang="en-US" dirty="0"/>
-              <a:t>Optional tool</a:t>
-            </a:r>
-          </a:p>
-          <a:p>
-            <a:r>
-              <a:rPr lang="en-US" dirty="0"/>
-              <a:t>Central place to manage the creation of your dependencies</a:t>
-            </a:r>
-          </a:p>
-          <a:p>
-            <a:r>
-              <a:rPr lang="en-US" dirty="0"/>
-              <a:t>Umbraco 8 and mvc.net core have it baked in</a:t>
-            </a:r>
-            <a:endParaRPr lang="nl-BE" dirty="0"/>
-          </a:p>
-        </p:txBody>
-      </p:sp>
-    </p:spTree>
-    <p:extLst>
-      <p:ext uri="{BB962C8B-B14F-4D97-AF65-F5344CB8AC3E}">
-        <p14:creationId xmlns:p14="http://schemas.microsoft.com/office/powerpoint/2010/main" val="3804878652"/>
-      </p:ext>
-    </p:extLst>
-  </p:cSld>
-  <p:clrMapOvr>
-    <a:masterClrMapping/>
-  </p:clrMapOvr>
-</p:sld>
-</file>
-
 <file path=ppt/slides/slide6.xml><?xml version="1.0" encoding="utf-8"?>
 <p:sld xmlns:a="http://schemas.openxmlformats.org/drawingml/2006/main" xmlns:r="http://schemas.openxmlformats.org/officeDocument/2006/relationships" xmlns:p="http://schemas.openxmlformats.org/presentationml/2006/main">
   <p:cSld>
@@ -7763,7 +8243,7 @@
           <a:p>
             <a:r>
               <a:rPr lang="en-US" dirty="0"/>
-              <a:t>Advantages of Di (and IOC)</a:t>
+              <a:t>DI and Inversion Of Control containers (IOC)</a:t>
             </a:r>
             <a:endParaRPr lang="nl-BE" dirty="0"/>
           </a:p>
@@ -7790,48 +8270,30 @@
           <a:bodyPr/>
           <a:lstStyle/>
           <a:p>
-            <a:pPr lvl="0"/>
             <a:r>
               <a:rPr lang="en-US" dirty="0"/>
-              <a:t>Easier to maintain code because the creation of the same object is not spread out over multiple other objects</a:t>
+              <a:t>Optional tool</a:t>
+            </a:r>
+          </a:p>
+          <a:p>
+            <a:r>
+              <a:rPr lang="en-US" dirty="0"/>
+              <a:t>Central place to manage the creation of your dependencies</a:t>
+            </a:r>
+          </a:p>
+          <a:p>
+            <a:r>
+              <a:rPr lang="en-US" dirty="0"/>
+              <a:t>Umbraco 8 and mvc.net core have it baked in</a:t>
             </a:r>
             <a:endParaRPr lang="nl-BE" dirty="0"/>
-          </a:p>
-          <a:p>
-            <a:pPr lvl="0"/>
-            <a:r>
-              <a:rPr lang="en-US" dirty="0"/>
-              <a:t>Easier to swap out implementations because of the above statement</a:t>
-            </a:r>
-            <a:endParaRPr lang="nl-BE" dirty="0"/>
-          </a:p>
-          <a:p>
-            <a:pPr lvl="0"/>
-            <a:r>
-              <a:rPr lang="en-US" dirty="0"/>
-              <a:t>Easier to unit test because of the above statement</a:t>
-            </a:r>
-          </a:p>
-          <a:p>
-            <a:pPr lvl="0"/>
-            <a:r>
-              <a:rPr lang="en-US" dirty="0"/>
-              <a:t>Easier to build up complex dependency chains</a:t>
-            </a:r>
-          </a:p>
-          <a:p>
-            <a:pPr lvl="0"/>
-            <a:r>
-              <a:rPr lang="nl-BE" dirty="0"/>
-              <a:t>Easier to plug things into existing frameworks</a:t>
-            </a:r>
           </a:p>
         </p:txBody>
       </p:sp>
     </p:spTree>
     <p:extLst>
       <p:ext uri="{BB962C8B-B14F-4D97-AF65-F5344CB8AC3E}">
-        <p14:creationId xmlns:p14="http://schemas.microsoft.com/office/powerpoint/2010/main" val="3522066905"/>
+        <p14:creationId xmlns:p14="http://schemas.microsoft.com/office/powerpoint/2010/main" val="3804878652"/>
       </p:ext>
     </p:extLst>
   </p:cSld>
@@ -7863,7 +8325,7 @@
           <p:cNvPr id="2" name="Title 1">
             <a:extLst>
               <a:ext uri="{FF2B5EF4-FFF2-40B4-BE49-F238E27FC236}">
-                <a16:creationId xmlns:a16="http://schemas.microsoft.com/office/drawing/2014/main" id="{A1794EBB-F0E7-4F82-B3D5-95C4654C00DC}"/>
+                <a16:creationId xmlns:a16="http://schemas.microsoft.com/office/drawing/2014/main" id="{D9EC165F-ACC2-4E74-AD68-984B43F5522C}"/>
               </a:ext>
             </a:extLst>
           </p:cNvPr>
@@ -7874,7 +8336,12 @@
             <p:ph type="title"/>
           </p:nvPr>
         </p:nvSpPr>
-        <p:spPr/>
+        <p:spPr>
+          <a:xfrm>
+            <a:off x="2610195" y="512749"/>
+            <a:ext cx="9134392" cy="636559"/>
+          </a:xfrm>
+        </p:spPr>
         <p:txBody>
           <a:bodyPr>
             <a:normAutofit fontScale="90000"/>
@@ -7883,7 +8350,7 @@
           <a:p>
             <a:r>
               <a:rPr lang="en-US" dirty="0"/>
-              <a:t>DI in Umbraco 8</a:t>
+              <a:t>Advantages of Di (and IOC)</a:t>
             </a:r>
             <a:endParaRPr lang="nl-BE" dirty="0"/>
           </a:p>
@@ -7894,7 +8361,7 @@
           <p:cNvPr id="3" name="Content Placeholder 2">
             <a:extLst>
               <a:ext uri="{FF2B5EF4-FFF2-40B4-BE49-F238E27FC236}">
-                <a16:creationId xmlns:a16="http://schemas.microsoft.com/office/drawing/2014/main" id="{20B8399C-30A7-4950-B55B-11E45F8A0621}"/>
+                <a16:creationId xmlns:a16="http://schemas.microsoft.com/office/drawing/2014/main" id="{AB274DF0-3CA1-45BD-B8AF-C79B08964714}"/>
               </a:ext>
             </a:extLst>
           </p:cNvPr>
@@ -7910,21 +8377,40 @@
           <a:bodyPr/>
           <a:lstStyle/>
           <a:p>
+            <a:pPr lvl="0"/>
             <a:r>
               <a:rPr lang="en-US" dirty="0"/>
-              <a:t>Register implementations into Umbraco</a:t>
-            </a:r>
-          </a:p>
-          <a:p>
+              <a:t>Easier to maintain code because the creation of the same object is not spread out over multiple other objects</a:t>
+            </a:r>
+            <a:endParaRPr lang="nl-BE" dirty="0"/>
+          </a:p>
+          <a:p>
+            <a:pPr lvl="0"/>
             <a:r>
               <a:rPr lang="en-US" dirty="0"/>
-              <a:t>Requesting dependencies in Umbraco</a:t>
-            </a:r>
-          </a:p>
-          <a:p>
+              <a:t>Easier to swap out implementations because of the above statement</a:t>
+            </a:r>
+            <a:endParaRPr lang="nl-BE" dirty="0"/>
+          </a:p>
+          <a:p>
+            <a:pPr lvl="0"/>
+            <a:r>
+              <a:rPr lang="en-US" dirty="0"/>
+              <a:t>Easier to unit test because of the above statement</a:t>
+            </a:r>
+          </a:p>
+          <a:p>
+            <a:pPr lvl="0"/>
+            <a:r>
+              <a:rPr lang="en-US" dirty="0"/>
+              <a:t>Easier to build up complex dependency chains</a:t>
+            </a:r>
+          </a:p>
+          <a:p>
+            <a:pPr lvl="0"/>
             <a:r>
               <a:rPr lang="nl-BE" dirty="0"/>
-              <a:t>A demo!</a:t>
+              <a:t>Easier to plug things into existing frameworks</a:t>
             </a:r>
           </a:p>
         </p:txBody>
@@ -7932,7 +8418,7 @@
     </p:spTree>
     <p:extLst>
       <p:ext uri="{BB962C8B-B14F-4D97-AF65-F5344CB8AC3E}">
-        <p14:creationId xmlns:p14="http://schemas.microsoft.com/office/powerpoint/2010/main" val="3460799248"/>
+        <p14:creationId xmlns:p14="http://schemas.microsoft.com/office/powerpoint/2010/main" val="3522066905"/>
       </p:ext>
     </p:extLst>
   </p:cSld>
@@ -7964,7 +8450,7 @@
           <p:cNvPr id="2" name="Title 1">
             <a:extLst>
               <a:ext uri="{FF2B5EF4-FFF2-40B4-BE49-F238E27FC236}">
-                <a16:creationId xmlns:a16="http://schemas.microsoft.com/office/drawing/2014/main" id="{4EE80496-1F3C-4AA7-ABB5-106A7D407F8F}"/>
+                <a16:creationId xmlns:a16="http://schemas.microsoft.com/office/drawing/2014/main" id="{A1794EBB-F0E7-4F82-B3D5-95C4654C00DC}"/>
               </a:ext>
             </a:extLst>
           </p:cNvPr>
@@ -7984,7 +8470,7 @@
           <a:p>
             <a:r>
               <a:rPr lang="en-US" dirty="0"/>
-              <a:t>Registering implementations	</a:t>
+              <a:t>DI in Umbraco 8</a:t>
             </a:r>
             <a:endParaRPr lang="nl-BE" dirty="0"/>
           </a:p>
@@ -7995,7 +8481,7 @@
           <p:cNvPr id="3" name="Content Placeholder 2">
             <a:extLst>
               <a:ext uri="{FF2B5EF4-FFF2-40B4-BE49-F238E27FC236}">
-                <a16:creationId xmlns:a16="http://schemas.microsoft.com/office/drawing/2014/main" id="{6CDC1F01-AB9C-42AE-BC86-2DB1DF00BC62}"/>
+                <a16:creationId xmlns:a16="http://schemas.microsoft.com/office/drawing/2014/main" id="{20B8399C-30A7-4950-B55B-11E45F8A0621}"/>
               </a:ext>
             </a:extLst>
           </p:cNvPr>
@@ -8006,117 +8492,26 @@
             <p:ph idx="1"/>
           </p:nvPr>
         </p:nvSpPr>
-        <p:spPr>
-          <a:xfrm>
-            <a:off x="838200" y="1489104"/>
-            <a:ext cx="10515600" cy="1522544"/>
-          </a:xfrm>
-        </p:spPr>
-        <p:txBody>
-          <a:bodyPr>
-            <a:normAutofit/>
-          </a:bodyPr>
+        <p:spPr/>
+        <p:txBody>
+          <a:bodyPr/>
           <a:lstStyle/>
           <a:p>
             <a:r>
               <a:rPr lang="en-US" dirty="0"/>
-              <a:t>Umbraco first, then you</a:t>
+              <a:t>Register implementations into Umbraco</a:t>
             </a:r>
           </a:p>
           <a:p>
             <a:r>
               <a:rPr lang="en-US" dirty="0"/>
-              <a:t>Create a component</a:t>
-            </a:r>
-          </a:p>
-          <a:p>
-            <a:r>
-              <a:rPr lang="en-US" dirty="0"/>
-              <a:t>Register our implementations in the component</a:t>
-            </a:r>
-          </a:p>
-        </p:txBody>
-      </p:sp>
-      <p:sp>
-        <p:nvSpPr>
-          <p:cNvPr id="5" name="TextBox 4">
-            <a:extLst>
-              <a:ext uri="{FF2B5EF4-FFF2-40B4-BE49-F238E27FC236}">
-                <a16:creationId xmlns:a16="http://schemas.microsoft.com/office/drawing/2014/main" id="{04F4B090-21E2-4C2C-8F94-1DC35C0A0AB4}"/>
-              </a:ext>
-            </a:extLst>
-          </p:cNvPr>
-          <p:cNvSpPr txBox="1"/>
-          <p:nvPr/>
-        </p:nvSpPr>
-        <p:spPr>
-          <a:xfrm>
-            <a:off x="838199" y="3011648"/>
-            <a:ext cx="10444994" cy="2031325"/>
-          </a:xfrm>
-          <a:prstGeom prst="rect">
-            <a:avLst/>
-          </a:prstGeom>
-        </p:spPr>
-        <p:style>
-          <a:lnRef idx="1">
-            <a:schemeClr val="accent3"/>
-          </a:lnRef>
-          <a:fillRef idx="2">
-            <a:schemeClr val="accent3"/>
-          </a:fillRef>
-          <a:effectRef idx="1">
-            <a:schemeClr val="accent3"/>
-          </a:effectRef>
-          <a:fontRef idx="minor">
-            <a:schemeClr val="dk1"/>
-          </a:fontRef>
-        </p:style>
-        <p:txBody>
-          <a:bodyPr wrap="square" rtlCol="0">
-            <a:spAutoFit/>
-          </a:bodyPr>
-          <a:lstStyle/>
+              <a:t>Requesting dependencies in Umbraco</a:t>
+            </a:r>
+          </a:p>
           <a:p>
             <a:r>
               <a:rPr lang="nl-BE" dirty="0"/>
-              <a:t>public class DependencyBootstrapper : IUserComposer</a:t>
-            </a:r>
-          </a:p>
-          <a:p>
-            <a:r>
-              <a:rPr lang="nl-BE" dirty="0"/>
-              <a:t>{</a:t>
-            </a:r>
-          </a:p>
-          <a:p>
-            <a:r>
-              <a:rPr lang="fr-FR" dirty="0"/>
-              <a:t>    public void Compose(Composition composition)</a:t>
-            </a:r>
-          </a:p>
-          <a:p>
-            <a:r>
-              <a:rPr lang="nl-BE" dirty="0"/>
-              <a:t>    {</a:t>
-            </a:r>
-          </a:p>
-          <a:p>
-            <a:r>
-              <a:rPr lang="nl-BE" dirty="0"/>
-              <a:t>        composition.Register&lt;IDependency, DependencyImplementation&gt;(Lifetime.Request);</a:t>
-            </a:r>
-          </a:p>
-          <a:p>
-            <a:r>
-              <a:rPr lang="nl-BE" dirty="0"/>
-              <a:t>    }</a:t>
-            </a:r>
-          </a:p>
-          <a:p>
-            <a:r>
-              <a:rPr lang="nl-BE" dirty="0"/>
-              <a:t>}</a:t>
+              <a:t>A demo!</a:t>
             </a:r>
           </a:p>
         </p:txBody>
@@ -8124,7 +8519,7 @@
     </p:spTree>
     <p:extLst>
       <p:ext uri="{BB962C8B-B14F-4D97-AF65-F5344CB8AC3E}">
-        <p14:creationId xmlns:p14="http://schemas.microsoft.com/office/powerpoint/2010/main" val="1218825515"/>
+        <p14:creationId xmlns:p14="http://schemas.microsoft.com/office/powerpoint/2010/main" val="3460799248"/>
       </p:ext>
     </p:extLst>
   </p:cSld>
@@ -8156,7 +8551,7 @@
           <p:cNvPr id="2" name="Title 1">
             <a:extLst>
               <a:ext uri="{FF2B5EF4-FFF2-40B4-BE49-F238E27FC236}">
-                <a16:creationId xmlns:a16="http://schemas.microsoft.com/office/drawing/2014/main" id="{A6B26AD7-A1BB-4F19-BF60-1A34331E8224}"/>
+                <a16:creationId xmlns:a16="http://schemas.microsoft.com/office/drawing/2014/main" id="{4EE80496-1F3C-4AA7-ABB5-106A7D407F8F}"/>
               </a:ext>
             </a:extLst>
           </p:cNvPr>
@@ -8176,11 +8571,7 @@
           <a:p>
             <a:r>
               <a:rPr lang="en-US" dirty="0"/>
-              <a:t>Requesting dependencies in </a:t>
-            </a:r>
-            <a:r>
-              <a:rPr lang="en-US" dirty="0" err="1"/>
-              <a:t>umbraco</a:t>
+              <a:t>Registering implementations	</a:t>
             </a:r>
             <a:endParaRPr lang="nl-BE" dirty="0"/>
           </a:p>
@@ -8191,7 +8582,7 @@
           <p:cNvPr id="3" name="Content Placeholder 2">
             <a:extLst>
               <a:ext uri="{FF2B5EF4-FFF2-40B4-BE49-F238E27FC236}">
-                <a16:creationId xmlns:a16="http://schemas.microsoft.com/office/drawing/2014/main" id="{43B6D2DD-E27C-43AC-9679-631E7122D737}"/>
+                <a16:creationId xmlns:a16="http://schemas.microsoft.com/office/drawing/2014/main" id="{6CDC1F01-AB9C-42AE-BC86-2DB1DF00BC62}"/>
               </a:ext>
             </a:extLst>
           </p:cNvPr>
@@ -8205,26 +8596,40 @@
         <p:spPr>
           <a:xfrm>
             <a:off x="838200" y="1489104"/>
-            <a:ext cx="10515600" cy="532644"/>
+            <a:ext cx="10515600" cy="1522544"/>
           </a:xfrm>
         </p:spPr>
         <p:txBody>
-          <a:bodyPr/>
+          <a:bodyPr>
+            <a:normAutofit/>
+          </a:bodyPr>
           <a:lstStyle/>
           <a:p>
             <a:r>
               <a:rPr lang="en-US" dirty="0"/>
-              <a:t>Just use the constructor</a:t>
-            </a:r>
-          </a:p>
-        </p:txBody>
-      </p:sp>
-      <p:sp>
-        <p:nvSpPr>
-          <p:cNvPr id="4" name="TextBox 3">
-            <a:extLst>
-              <a:ext uri="{FF2B5EF4-FFF2-40B4-BE49-F238E27FC236}">
-                <a16:creationId xmlns:a16="http://schemas.microsoft.com/office/drawing/2014/main" id="{15B3581F-26B5-40AD-A116-5D90367395F8}"/>
+              <a:t>Umbraco first, then you</a:t>
+            </a:r>
+          </a:p>
+          <a:p>
+            <a:r>
+              <a:rPr lang="en-US" dirty="0"/>
+              <a:t>Create a component</a:t>
+            </a:r>
+          </a:p>
+          <a:p>
+            <a:r>
+              <a:rPr lang="en-US" dirty="0"/>
+              <a:t>Register our implementations in the component</a:t>
+            </a:r>
+          </a:p>
+        </p:txBody>
+      </p:sp>
+      <p:sp>
+        <p:nvSpPr>
+          <p:cNvPr id="5" name="TextBox 4">
+            <a:extLst>
+              <a:ext uri="{FF2B5EF4-FFF2-40B4-BE49-F238E27FC236}">
+                <a16:creationId xmlns:a16="http://schemas.microsoft.com/office/drawing/2014/main" id="{04F4B090-21E2-4C2C-8F94-1DC35C0A0AB4}"/>
               </a:ext>
             </a:extLst>
           </p:cNvPr>
@@ -8233,8 +8638,8 @@
         </p:nvSpPr>
         <p:spPr>
           <a:xfrm>
-            <a:off x="906011" y="2130804"/>
-            <a:ext cx="5931018" cy="2585323"/>
+            <a:off x="838199" y="3011648"/>
+            <a:ext cx="10444994" cy="2031325"/>
           </a:xfrm>
           <a:prstGeom prst="rect">
             <a:avLst/>
@@ -8262,7 +8667,7 @@
           <a:p>
             <a:r>
               <a:rPr lang="nl-BE" dirty="0"/>
-              <a:t>public class ExampleController : RenderMvcController</a:t>
+              <a:t>public class DependencyBootstrapper : IUserComposer</a:t>
             </a:r>
           </a:p>
           <a:p>
@@ -8273,35 +8678,26 @@
           </a:p>
           <a:p>
             <a:r>
+              <a:rPr lang="fr-FR" dirty="0"/>
+              <a:t>    public void Compose(Composition composition)</a:t>
+            </a:r>
+          </a:p>
+          <a:p>
+            <a:r>
               <a:rPr lang="nl-BE" dirty="0"/>
-              <a:t>        private IDependency _myResolvedDependency;</a:t>
-            </a:r>
-          </a:p>
-          <a:p>
-            <a:endParaRPr lang="nl-BE" dirty="0"/>
+              <a:t>    {</a:t>
+            </a:r>
           </a:p>
           <a:p>
             <a:r>
               <a:rPr lang="nl-BE" dirty="0"/>
-              <a:t>        public ExampleController(IDependency myDependency)</a:t>
+              <a:t>        composition.Register&lt;IDependency, DependencyImplementation&gt;(Lifetime.Request);</a:t>
             </a:r>
           </a:p>
           <a:p>
             <a:r>
               <a:rPr lang="nl-BE" dirty="0"/>
-              <a:t>        {</a:t>
-            </a:r>
-          </a:p>
-          <a:p>
-            <a:r>
-              <a:rPr lang="nl-BE" dirty="0"/>
-              <a:t>            _ myResolvedDependency = myDependency;</a:t>
-            </a:r>
-          </a:p>
-          <a:p>
-            <a:r>
-              <a:rPr lang="nl-BE" dirty="0"/>
-              <a:t>        }</a:t>
+              <a:t>    }</a:t>
             </a:r>
           </a:p>
           <a:p>
@@ -8315,7 +8711,7 @@
     </p:spTree>
     <p:extLst>
       <p:ext uri="{BB962C8B-B14F-4D97-AF65-F5344CB8AC3E}">
-        <p14:creationId xmlns:p14="http://schemas.microsoft.com/office/powerpoint/2010/main" val="2646102938"/>
+        <p14:creationId xmlns:p14="http://schemas.microsoft.com/office/powerpoint/2010/main" val="1218825515"/>
       </p:ext>
     </p:extLst>
   </p:cSld>
